--- a/slides.pptx
+++ b/slides.pptx
@@ -775,67 +775,6 @@
           <a:bodyPr/>
           <a:lstStyle/>
           <a:p>
-            <a:r>
-              <a:rPr lang="en-US" dirty="0" smtClean="0"/>
-              <a:t>27min</a:t>
-            </a:r>
-          </a:p>
-          <a:p>
-            <a:r>
-              <a:rPr lang="en-US" dirty="0" smtClean="0"/>
-              <a:t>I used annotation based inlining</a:t>
-            </a:r>
-          </a:p>
-          <a:p>
-            <a:r>
-              <a:rPr lang="en-US" dirty="0" smtClean="0"/>
-              <a:t>Code</a:t>
-            </a:r>
-            <a:r>
-              <a:rPr lang="en-US" baseline="0" dirty="0" smtClean="0"/>
-              <a:t> path</a:t>
-            </a:r>
-          </a:p>
-          <a:p>
-            <a:r>
-              <a:rPr lang="en-US" baseline="0" dirty="0" smtClean="0"/>
-              <a:t>Memory side effect</a:t>
-            </a:r>
-          </a:p>
-          <a:p>
-            <a:r>
-              <a:rPr lang="en-US" baseline="0" dirty="0" smtClean="0"/>
-              <a:t>Normalize array access in the same dimension</a:t>
-            </a:r>
-            <a:endParaRPr lang="en-US" dirty="0" smtClean="0"/>
-          </a:p>
-          <a:p>
-            <a:endParaRPr lang="en-US" dirty="0" smtClean="0"/>
-          </a:p>
-          <a:p>
-            <a:endParaRPr lang="en-US" dirty="0" smtClean="0"/>
-          </a:p>
-          <a:p>
-            <a:endParaRPr lang="en-US" dirty="0" smtClean="0"/>
-          </a:p>
-          <a:p>
-            <a:endParaRPr lang="en-US" dirty="0" smtClean="0"/>
-          </a:p>
-          <a:p>
-            <a:r>
-              <a:rPr lang="en-US" dirty="0" smtClean="0"/>
-              <a:t>The safety</a:t>
-            </a:r>
-            <a:r>
-              <a:rPr lang="en-US" baseline="0" dirty="0" smtClean="0"/>
-              <a:t> analysis first apply annotation based inlining to integrate domain knowledge, and then apply classical loop dependence analysis</a:t>
-            </a:r>
-          </a:p>
-          <a:p>
-            <a:r>
-              <a:rPr lang="en-US" baseline="0" dirty="0" smtClean="0"/>
-              <a:t>The domain knowledge include: …</a:t>
-            </a:r>
             <a:endParaRPr lang="en-US" dirty="0"/>
           </a:p>
         </p:txBody>
@@ -920,33 +859,6 @@
           <a:bodyPr/>
           <a:lstStyle/>
           <a:p>
-            <a:r>
-              <a:rPr lang="en-US" dirty="0" smtClean="0"/>
-              <a:t>28min</a:t>
-            </a:r>
-          </a:p>
-          <a:p>
-            <a:r>
-              <a:rPr lang="en-US" dirty="0" smtClean="0"/>
-              <a:t>Programming</a:t>
-            </a:r>
-            <a:r>
-              <a:rPr lang="en-US" baseline="0" dirty="0" smtClean="0"/>
-              <a:t> transformation include two major steps</a:t>
-            </a:r>
-            <a:endParaRPr lang="en-US" dirty="0" smtClean="0"/>
-          </a:p>
-          <a:p>
-            <a:r>
-              <a:rPr lang="en-US" dirty="0" smtClean="0"/>
-              <a:t>Specialize into</a:t>
-            </a:r>
-          </a:p>
-          <a:p>
-            <a:r>
-              <a:rPr lang="en-US" dirty="0" smtClean="0"/>
-              <a:t>Reorder</a:t>
-            </a:r>
             <a:endParaRPr lang="en-US" dirty="0"/>
           </a:p>
         </p:txBody>
@@ -1031,88 +943,6 @@
           <a:bodyPr/>
           <a:lstStyle/>
           <a:p>
-            <a:r>
-              <a:rPr lang="en-US" dirty="0" smtClean="0"/>
-              <a:t>28min</a:t>
-            </a:r>
-          </a:p>
-          <a:p>
-            <a:r>
-              <a:rPr lang="en-US" dirty="0" smtClean="0"/>
-              <a:t>To</a:t>
-            </a:r>
-            <a:r>
-              <a:rPr lang="en-US" baseline="0" dirty="0" smtClean="0"/>
-              <a:t> make progress during communication, insert </a:t>
-            </a:r>
-            <a:r>
-              <a:rPr lang="en-US" dirty="0" err="1" smtClean="0"/>
-              <a:t>MPI_Test</a:t>
-            </a:r>
-            <a:r>
-              <a:rPr lang="en-US" dirty="0" smtClean="0"/>
-              <a:t> into</a:t>
-            </a:r>
-          </a:p>
-          <a:p>
-            <a:r>
-              <a:rPr lang="en-US" dirty="0" smtClean="0"/>
-              <a:t>If the hot</a:t>
-            </a:r>
-            <a:r>
-              <a:rPr lang="en-US" baseline="0" dirty="0" smtClean="0"/>
-              <a:t> spot is a loop, insert </a:t>
-            </a:r>
-            <a:r>
-              <a:rPr lang="en-US" baseline="0" dirty="0" err="1" smtClean="0"/>
-              <a:t>Freq</a:t>
-            </a:r>
-            <a:endParaRPr lang="en-US" dirty="0" smtClean="0"/>
-          </a:p>
-          <a:p>
-            <a:endParaRPr lang="en-US" dirty="0" smtClean="0"/>
-          </a:p>
-          <a:p>
-            <a:endParaRPr lang="en-US" dirty="0" smtClean="0"/>
-          </a:p>
-          <a:p>
-            <a:endParaRPr lang="en-US" dirty="0" smtClean="0"/>
-          </a:p>
-          <a:p>
-            <a:r>
-              <a:rPr lang="en-US" dirty="0" smtClean="0"/>
-              <a:t>Additionally, </a:t>
-            </a:r>
-            <a:r>
-              <a:rPr lang="en-US" dirty="0" err="1" smtClean="0"/>
-              <a:t>MPI_Test</a:t>
-            </a:r>
-            <a:r>
-              <a:rPr lang="en-US" dirty="0" smtClean="0"/>
-              <a:t> is needed</a:t>
-            </a:r>
-          </a:p>
-          <a:p>
-            <a:r>
-              <a:rPr lang="en-US" dirty="0" smtClean="0"/>
-              <a:t>What</a:t>
-            </a:r>
-            <a:r>
-              <a:rPr lang="en-US" baseline="0" dirty="0" smtClean="0"/>
-              <a:t> </a:t>
-            </a:r>
-            <a:r>
-              <a:rPr lang="en-US" baseline="0" dirty="0" err="1" smtClean="0"/>
-              <a:t>MPI_Test</a:t>
-            </a:r>
-            <a:r>
-              <a:rPr lang="en-US" baseline="0" dirty="0" smtClean="0"/>
-              <a:t> does and where to insert </a:t>
-            </a:r>
-            <a:r>
-              <a:rPr lang="en-US" baseline="0" dirty="0" err="1" smtClean="0"/>
-              <a:t>MPI_Test</a:t>
-            </a:r>
             <a:endParaRPr lang="en-US" dirty="0"/>
           </a:p>
         </p:txBody>
@@ -1197,38 +1027,6 @@
           <a:bodyPr/>
           <a:lstStyle/>
           <a:p>
-            <a:r>
-              <a:rPr lang="en-US" dirty="0" smtClean="0"/>
-              <a:t>29min</a:t>
-            </a:r>
-          </a:p>
-          <a:p>
-            <a:r>
-              <a:rPr lang="en-US" dirty="0" smtClean="0"/>
-              <a:t>Multiple frequency</a:t>
-            </a:r>
-          </a:p>
-          <a:p>
-            <a:r>
-              <a:rPr lang="en-US" dirty="0" smtClean="0"/>
-              <a:t>Evenly</a:t>
-            </a:r>
-            <a:r>
-              <a:rPr lang="en-US" baseline="0" dirty="0" smtClean="0"/>
-              <a:t> distribute</a:t>
-            </a:r>
-          </a:p>
-          <a:p>
-            <a:r>
-              <a:rPr lang="en-US" baseline="0" dirty="0" smtClean="0"/>
-              <a:t>Prune, almost same time</a:t>
-            </a:r>
-          </a:p>
-          <a:p>
-            <a:r>
-              <a:rPr lang="en-US" baseline="0" dirty="0" smtClean="0"/>
-              <a:t>Tune with binary search</a:t>
-            </a:r>
             <a:endParaRPr lang="en-US" dirty="0"/>
           </a:p>
         </p:txBody>
@@ -1313,77 +1111,6 @@
           <a:bodyPr/>
           <a:lstStyle/>
           <a:p>
-            <a:r>
-              <a:rPr lang="en-US" dirty="0" smtClean="0"/>
-              <a:t>30min</a:t>
-            </a:r>
-          </a:p>
-          <a:p>
-            <a:r>
-              <a:rPr lang="en-US" dirty="0" smtClean="0"/>
-              <a:t>To evaluate the effectiveness</a:t>
-            </a:r>
-          </a:p>
-          <a:p>
-            <a:r>
-              <a:rPr lang="en-US" dirty="0" smtClean="0"/>
-              <a:t>Two machines</a:t>
-            </a:r>
-          </a:p>
-          <a:p>
-            <a:r>
-              <a:rPr lang="en-US" dirty="0" smtClean="0"/>
-              <a:t>Since modeling intra-node communication</a:t>
-            </a:r>
-          </a:p>
-          <a:p>
-            <a:endParaRPr lang="en-US" dirty="0" smtClean="0"/>
-          </a:p>
-          <a:p>
-            <a:endParaRPr lang="en-US" dirty="0" smtClean="0"/>
-          </a:p>
-          <a:p>
-            <a:endParaRPr lang="en-US" dirty="0" smtClean="0"/>
-          </a:p>
-          <a:p>
-            <a:endParaRPr lang="en-US" dirty="0" smtClean="0"/>
-          </a:p>
-          <a:p>
-            <a:r>
-              <a:rPr lang="en-US" dirty="0" smtClean="0"/>
-              <a:t>ANL BLUES: http://</a:t>
-            </a:r>
-            <a:r>
-              <a:rPr lang="en-US" dirty="0" err="1" smtClean="0"/>
-              <a:t>www.lcrc.anl.gov</a:t>
-            </a:r>
-            <a:r>
-              <a:rPr lang="en-US" dirty="0" smtClean="0"/>
-              <a:t>/about/Blues</a:t>
-            </a:r>
-            <a:br>
-              <a:rPr lang="en-US" dirty="0" smtClean="0"/>
-            </a:br>
-            <a:r>
-              <a:rPr lang="en-US" dirty="0" smtClean="0"/>
-              <a:t>UCCS DISCO: http://</a:t>
-            </a:r>
-            <a:r>
-              <a:rPr lang="en-US" dirty="0" err="1" smtClean="0"/>
-              <a:t>www.cs.uccs.edu</a:t>
-            </a:r>
-            <a:r>
-              <a:rPr lang="en-US" dirty="0" smtClean="0"/>
-              <a:t>/~</a:t>
-            </a:r>
-            <a:r>
-              <a:rPr lang="en-US" dirty="0" err="1" smtClean="0"/>
-              <a:t>xzhou</a:t>
-            </a:r>
-            <a:r>
-              <a:rPr lang="en-US" dirty="0" smtClean="0"/>
-              <a:t>/DISCO/</a:t>
-            </a:r>
             <a:endParaRPr lang="en-US" dirty="0"/>
           </a:p>
         </p:txBody>
@@ -1468,20 +1195,6 @@
           <a:bodyPr/>
           <a:lstStyle/>
           <a:p>
-            <a:r>
-              <a:rPr lang="en-US" dirty="0" smtClean="0"/>
-              <a:t>30min</a:t>
-            </a:r>
-          </a:p>
-          <a:p>
-            <a:r>
-              <a:rPr lang="en-US" dirty="0" smtClean="0"/>
-              <a:t>For both two case</a:t>
-            </a:r>
-            <a:r>
-              <a:rPr lang="en-US" baseline="0" dirty="0" smtClean="0"/>
-              <a:t>, up to 80% speed up</a:t>
-            </a:r>
             <a:endParaRPr lang="en-US" dirty="0"/>
           </a:p>
         </p:txBody>
@@ -1566,47 +1279,6 @@
           <a:bodyPr/>
           <a:lstStyle/>
           <a:p>
-            <a:r>
-              <a:rPr lang="en-US" dirty="0" smtClean="0"/>
-              <a:t>31min</a:t>
-            </a:r>
-          </a:p>
-          <a:p>
-            <a:r>
-              <a:rPr lang="en-US" dirty="0" smtClean="0"/>
-              <a:t>Written up paper</a:t>
-            </a:r>
-            <a:r>
-              <a:rPr lang="en-US" baseline="0" dirty="0" smtClean="0"/>
-              <a:t> with Dr. Yi, safety analysis, prof analysis</a:t>
-            </a:r>
-          </a:p>
-          <a:p>
-            <a:endParaRPr lang="en-US" baseline="0" dirty="0" smtClean="0"/>
-          </a:p>
-          <a:p>
-            <a:r>
-              <a:rPr lang="en-US" baseline="0" dirty="0" smtClean="0"/>
-              <a:t>Future work</a:t>
-            </a:r>
-          </a:p>
-          <a:p>
-            <a:r>
-              <a:rPr lang="en-US" baseline="0" dirty="0" smtClean="0"/>
-              <a:t>Auto</a:t>
-            </a:r>
-          </a:p>
-          <a:p>
-            <a:r>
-              <a:rPr lang="en-US" baseline="0" dirty="0" smtClean="0"/>
-              <a:t>More CCO</a:t>
-            </a:r>
-          </a:p>
-          <a:p>
-            <a:r>
-              <a:rPr lang="en-US" baseline="0" dirty="0" smtClean="0"/>
-              <a:t>Multi node</a:t>
-            </a:r>
             <a:endParaRPr lang="en-US" dirty="0"/>
           </a:p>
         </p:txBody>
@@ -1691,47 +1363,6 @@
           <a:bodyPr/>
           <a:lstStyle/>
           <a:p>
-            <a:r>
-              <a:rPr lang="en-US" dirty="0" smtClean="0"/>
-              <a:t>33min</a:t>
-            </a:r>
-          </a:p>
-          <a:p>
-            <a:r>
-              <a:rPr lang="en-US" dirty="0" smtClean="0"/>
-              <a:t>MPI</a:t>
-            </a:r>
-            <a:r>
-              <a:rPr lang="en-US" baseline="0" dirty="0" smtClean="0"/>
-              <a:t> compiler for safety</a:t>
-            </a:r>
-          </a:p>
-          <a:p>
-            <a:r>
-              <a:rPr lang="en-US" baseline="0" dirty="0" smtClean="0"/>
-              <a:t>Model for </a:t>
-            </a:r>
-            <a:r>
-              <a:rPr lang="en-US" baseline="0" dirty="0" err="1" smtClean="0"/>
-              <a:t>profitiablity</a:t>
-            </a:r>
-            <a:endParaRPr lang="en-US" baseline="0" dirty="0" smtClean="0"/>
-          </a:p>
-          <a:p>
-            <a:r>
-              <a:rPr lang="en-US" baseline="0" dirty="0" smtClean="0"/>
-              <a:t>Threads</a:t>
-            </a:r>
-          </a:p>
-          <a:p>
-            <a:r>
-              <a:rPr lang="en-US" baseline="0" dirty="0" smtClean="0"/>
-              <a:t>One</a:t>
-            </a:r>
-            <a:r>
-              <a:rPr lang="en-US" baseline="0" smtClean="0"/>
-              <a:t>-side</a:t>
-            </a:r>
             <a:endParaRPr lang="en-US" dirty="0" smtClean="0"/>
           </a:p>
         </p:txBody>
@@ -1816,103 +1447,8 @@
           <a:bodyPr/>
           <a:lstStyle/>
           <a:p>
-            <a:r>
-              <a:rPr lang="en-US" dirty="0" smtClean="0"/>
-              <a:t>22min</a:t>
-            </a:r>
-          </a:p>
-          <a:p>
-            <a:r>
-              <a:rPr lang="en-US" dirty="0" smtClean="0"/>
-              <a:t>There are two key challenges</a:t>
-            </a:r>
-            <a:r>
-              <a:rPr lang="en-US" baseline="0" dirty="0" smtClean="0"/>
-              <a:t> of CCO</a:t>
-            </a:r>
-          </a:p>
-          <a:p>
-            <a:r>
-              <a:rPr lang="en-US" baseline="0" dirty="0" smtClean="0"/>
-              <a:t>First, whether it is safe.</a:t>
-            </a:r>
-          </a:p>
-          <a:p>
-            <a:r>
-              <a:rPr lang="en-US" baseline="0" dirty="0" smtClean="0"/>
-              <a:t>It is challenging for accurate </a:t>
-            </a:r>
-            <a:r>
-              <a:rPr lang="en-US" baseline="0" dirty="0" err="1" smtClean="0"/>
-              <a:t>dep</a:t>
-            </a:r>
-            <a:endParaRPr lang="en-US" baseline="0" dirty="0" smtClean="0"/>
-          </a:p>
-          <a:p>
-            <a:r>
-              <a:rPr lang="en-US" baseline="0" dirty="0" smtClean="0"/>
-              <a:t>Second, profitability</a:t>
-            </a:r>
-          </a:p>
-          <a:p>
-            <a:r>
-              <a:rPr lang="en-US" baseline="0" dirty="0" smtClean="0"/>
-              <a:t>Overhead, and enough</a:t>
-            </a:r>
-          </a:p>
-          <a:p>
-            <a:r>
-              <a:rPr lang="en-US" baseline="0" dirty="0" smtClean="0"/>
-              <a:t>Additional, </a:t>
-            </a:r>
-            <a:r>
-              <a:rPr lang="en-US" baseline="0" dirty="0" err="1" smtClean="0"/>
-              <a:t>MPI_Test</a:t>
-            </a:r>
-            <a:r>
-              <a:rPr lang="en-US" baseline="0" dirty="0" smtClean="0"/>
-              <a:t> make progress during computation</a:t>
-            </a:r>
-          </a:p>
-          <a:p>
-            <a:endParaRPr lang="en-US" dirty="0" smtClean="0"/>
-          </a:p>
-          <a:p>
-            <a:endParaRPr lang="en-US" dirty="0" smtClean="0"/>
-          </a:p>
-          <a:p>
-            <a:endParaRPr lang="en-US" dirty="0" smtClean="0"/>
-          </a:p>
-          <a:p>
-            <a:endParaRPr lang="en-US" dirty="0" smtClean="0"/>
-          </a:p>
-          <a:p>
-            <a:r>
-              <a:rPr lang="en-US" dirty="0" smtClean="0"/>
-              <a:t>Two optimization challenges</a:t>
-            </a:r>
-          </a:p>
-          <a:p>
-            <a:pPr marL="228600" indent="-228600">
-              <a:buAutoNum type="arabicPeriod"/>
-            </a:pPr>
-            <a:r>
-              <a:rPr lang="en-US" baseline="0" dirty="0" smtClean="0"/>
-              <a:t>Correctness do not change semantics, lack of higher level semantics</a:t>
-            </a:r>
-          </a:p>
-          <a:p>
-            <a:pPr marL="228600" indent="-228600">
-              <a:buAutoNum type="arabicPeriod"/>
-            </a:pPr>
-            <a:r>
-              <a:rPr lang="en-US" baseline="0" dirty="0" smtClean="0"/>
-              <a:t>Profitable</a:t>
-            </a:r>
-          </a:p>
-          <a:p>
-            <a:pPr marL="228600" indent="-228600">
-              <a:buAutoNum type="arabicPeriod"/>
+            <a:pPr marL="0" indent="0">
+              <a:buNone/>
             </a:pPr>
             <a:endParaRPr lang="en-US" baseline="0" dirty="0" smtClean="0"/>
           </a:p>
@@ -1998,378 +1534,6 @@
           <a:bodyPr/>
           <a:lstStyle/>
           <a:p>
-            <a:pPr marL="0" marR="0" indent="0" algn="l" defTabSz="914400" rtl="0" eaLnBrk="1" fontAlgn="auto" latinLnBrk="0" hangingPunct="1">
-              <a:lnSpc>
-                <a:spcPct val="100000"/>
-              </a:lnSpc>
-              <a:spcBef>
-                <a:spcPts val="0"/>
-              </a:spcBef>
-              <a:spcAft>
-                <a:spcPts val="0"/>
-              </a:spcAft>
-              <a:buClrTx/>
-              <a:buSzTx/>
-              <a:buFontTx/>
-              <a:buNone/>
-              <a:tabLst/>
-              <a:defRPr/>
-            </a:pPr>
-            <a:r>
-              <a:rPr lang="en-US" dirty="0" smtClean="0"/>
-              <a:t>4min</a:t>
-            </a:r>
-          </a:p>
-          <a:p>
-            <a:r>
-              <a:rPr lang="en-US" dirty="0" smtClean="0"/>
-              <a:t>Here’s the outline</a:t>
-            </a:r>
-          </a:p>
-          <a:p>
-            <a:r>
-              <a:rPr lang="en-US" dirty="0" smtClean="0"/>
-              <a:t>I am first cover two key approaches</a:t>
-            </a:r>
-          </a:p>
-          <a:p>
-            <a:r>
-              <a:rPr lang="en-US" dirty="0" smtClean="0"/>
-              <a:t>Then I will introduce my work that combining</a:t>
-            </a:r>
-            <a:r>
-              <a:rPr lang="en-US" baseline="0" dirty="0" smtClean="0"/>
-              <a:t> two approaches together to promoting the overlapping</a:t>
-            </a:r>
-            <a:endParaRPr lang="en-US" dirty="0" smtClean="0"/>
-          </a:p>
-          <a:p>
-            <a:endParaRPr lang="en-US" dirty="0" smtClean="0"/>
-          </a:p>
-          <a:p>
-            <a:endParaRPr lang="en-US" dirty="0" smtClean="0"/>
-          </a:p>
-          <a:p>
-            <a:r>
-              <a:rPr lang="en-US" dirty="0" smtClean="0"/>
-              <a:t>-----</a:t>
-            </a:r>
-          </a:p>
-          <a:p>
-            <a:endParaRPr lang="en-US" dirty="0" smtClean="0"/>
-          </a:p>
-          <a:p>
-            <a:r>
-              <a:rPr lang="en-US" dirty="0" smtClean="0"/>
-              <a:t>My two key approaches are …</a:t>
-            </a:r>
-          </a:p>
-          <a:p>
-            <a:r>
-              <a:rPr lang="en-US" dirty="0" smtClean="0"/>
-              <a:t>Then, I</a:t>
-            </a:r>
-            <a:r>
-              <a:rPr lang="en-US" baseline="0" dirty="0" smtClean="0"/>
-              <a:t> developed an optimization approach that combines two approaches to …</a:t>
-            </a:r>
-          </a:p>
-          <a:p>
-            <a:endParaRPr lang="en-US" dirty="0" smtClean="0"/>
-          </a:p>
-          <a:p>
-            <a:endParaRPr lang="en-US" dirty="0" smtClean="0"/>
-          </a:p>
-          <a:p>
-            <a:endParaRPr lang="en-US" dirty="0" smtClean="0"/>
-          </a:p>
-          <a:p>
-            <a:endParaRPr lang="en-US" dirty="0" smtClean="0"/>
-          </a:p>
-          <a:p>
-            <a:endParaRPr lang="en-US" dirty="0" smtClean="0"/>
-          </a:p>
-          <a:p>
-            <a:r>
-              <a:rPr lang="en-US" dirty="0" smtClean="0"/>
-              <a:t>----</a:t>
-            </a:r>
-          </a:p>
-          <a:p>
-            <a:endParaRPr lang="en-US" dirty="0" smtClean="0"/>
-          </a:p>
-          <a:p>
-            <a:r>
-              <a:rPr lang="en-US" dirty="0" smtClean="0"/>
-              <a:t>Draft:</a:t>
-            </a:r>
-          </a:p>
-          <a:p>
-            <a:r>
-              <a:rPr lang="en-US" dirty="0" smtClean="0"/>
-              <a:t>To achieve</a:t>
-            </a:r>
-            <a:r>
-              <a:rPr lang="en-US" baseline="0" dirty="0" smtClean="0"/>
-              <a:t> that goal,</a:t>
-            </a:r>
-          </a:p>
-          <a:p>
-            <a:r>
-              <a:rPr lang="en-US" baseline="0" dirty="0" smtClean="0"/>
-              <a:t>  my thesis developed a source-to-source optimization approach that will</a:t>
-            </a:r>
-          </a:p>
-          <a:p>
-            <a:r>
-              <a:rPr lang="en-US" baseline="0" dirty="0" smtClean="0"/>
-              <a:t>  identify the performance bottleneck of the application</a:t>
-            </a:r>
-          </a:p>
-          <a:p>
-            <a:r>
-              <a:rPr lang="en-US" baseline="0" dirty="0" smtClean="0"/>
-              <a:t>  and use compiler technique to optimize the bottleneck.</a:t>
-            </a:r>
-          </a:p>
-          <a:p>
-            <a:endParaRPr lang="en-US" baseline="0" dirty="0" smtClean="0"/>
-          </a:p>
-          <a:p>
-            <a:r>
-              <a:rPr lang="en-US" baseline="0" dirty="0" smtClean="0"/>
-              <a:t>To understand both the software and hardware,</a:t>
-            </a:r>
-          </a:p>
-          <a:p>
-            <a:r>
-              <a:rPr lang="en-US" baseline="0" dirty="0" smtClean="0"/>
-              <a:t>  my approach essentially uses analytical performance modeling</a:t>
-            </a:r>
-          </a:p>
-          <a:p>
-            <a:r>
-              <a:rPr lang="en-US" baseline="0" dirty="0" smtClean="0"/>
-              <a:t>    to model the performance of the software and hardware</a:t>
-            </a:r>
-          </a:p>
-          <a:p>
-            <a:r>
-              <a:rPr lang="en-US" baseline="0" dirty="0" smtClean="0"/>
-              <a:t>    to identify the performance bottleneck of the application;</a:t>
-            </a:r>
-          </a:p>
-          <a:p>
-            <a:r>
-              <a:rPr lang="en-US" baseline="0" dirty="0" smtClean="0"/>
-              <a:t>  and integrates domain knowledge from developers and profilers</a:t>
-            </a:r>
-          </a:p>
-          <a:p>
-            <a:r>
-              <a:rPr lang="en-US" baseline="0" dirty="0" smtClean="0"/>
-              <a:t>    by first summarizing these knowledge into human-readable notations,</a:t>
-            </a:r>
-          </a:p>
-          <a:p>
-            <a:r>
-              <a:rPr lang="en-US" baseline="0" dirty="0" smtClean="0"/>
-              <a:t>    and then using them to improve the modeling and optimization.</a:t>
-            </a:r>
-          </a:p>
-          <a:p>
-            <a:endParaRPr lang="en-US" baseline="0" dirty="0" smtClean="0"/>
-          </a:p>
-          <a:p>
-            <a:r>
-              <a:rPr lang="en-US" baseline="0" dirty="0" smtClean="0"/>
-              <a:t>----</a:t>
-            </a:r>
-          </a:p>
-          <a:p>
-            <a:endParaRPr lang="en-US" dirty="0" smtClean="0"/>
-          </a:p>
-          <a:p>
-            <a:endParaRPr lang="en-US" dirty="0" smtClean="0"/>
-          </a:p>
-          <a:p>
-            <a:r>
-              <a:rPr lang="en-US" dirty="0" smtClean="0"/>
-              <a:t>Transition:</a:t>
-            </a:r>
-            <a:r>
-              <a:rPr lang="en-US" baseline="0" dirty="0" smtClean="0"/>
-              <a:t> </a:t>
-            </a:r>
-            <a:r>
-              <a:rPr lang="en-US" dirty="0" smtClean="0"/>
-              <a:t>My thesis statements =&gt; my approach</a:t>
-            </a:r>
-          </a:p>
-          <a:p>
-            <a:r>
-              <a:rPr lang="en-US" dirty="0" smtClean="0"/>
-              <a:t>Key</a:t>
-            </a:r>
-          </a:p>
-          <a:p>
-            <a:pPr marL="171450" indent="-171450">
-              <a:buFont typeface="Arial" pitchFamily="34" charset="0"/>
-              <a:buChar char="•"/>
-            </a:pPr>
-            <a:r>
-              <a:rPr lang="en-US" dirty="0" smtClean="0"/>
-              <a:t>Thesis statement</a:t>
-            </a:r>
-            <a:endParaRPr lang="en-US" dirty="0" smtClean="0">
-              <a:solidFill>
-                <a:srgbClr val="0000FF"/>
-              </a:solidFill>
-            </a:endParaRPr>
-          </a:p>
-          <a:p>
-            <a:endParaRPr lang="en-US" dirty="0" smtClean="0"/>
-          </a:p>
-          <a:p>
-            <a:r>
-              <a:rPr lang="en-US" dirty="0" smtClean="0"/>
-              <a:t>To be more specific,</a:t>
-            </a:r>
-            <a:endParaRPr lang="en-US" sz="1200" b="0" i="0" kern="1200" baseline="0" dirty="0" smtClean="0">
-              <a:solidFill>
-                <a:schemeClr val="tx1"/>
-              </a:solidFill>
-              <a:effectLst/>
-              <a:latin typeface="+mn-lt"/>
-              <a:ea typeface="+mn-ea"/>
-              <a:cs typeface="+mn-cs"/>
-            </a:endParaRPr>
-          </a:p>
-          <a:p>
-            <a:pPr marL="0" marR="0" indent="0" algn="l" defTabSz="914400" rtl="0" eaLnBrk="1" fontAlgn="auto" latinLnBrk="0" hangingPunct="1">
-              <a:lnSpc>
-                <a:spcPct val="100000"/>
-              </a:lnSpc>
-              <a:spcBef>
-                <a:spcPts val="0"/>
-              </a:spcBef>
-              <a:spcAft>
-                <a:spcPts val="0"/>
-              </a:spcAft>
-              <a:buClrTx/>
-              <a:buSzTx/>
-              <a:buFontTx/>
-              <a:buNone/>
-              <a:tabLst/>
-              <a:defRPr/>
-            </a:pPr>
-            <a:r>
-              <a:rPr lang="en-US" sz="1200" b="0" i="0" kern="1200" baseline="0" dirty="0" smtClean="0">
-                <a:solidFill>
-                  <a:schemeClr val="tx1"/>
-                </a:solidFill>
-                <a:effectLst/>
-                <a:latin typeface="+mn-lt"/>
-                <a:ea typeface="+mn-ea"/>
-                <a:cs typeface="+mn-cs"/>
-              </a:rPr>
-              <a:t>This thesis developed an optimization approach</a:t>
-            </a:r>
-          </a:p>
-          <a:p>
-            <a:pPr marL="0" marR="0" indent="0" algn="l" defTabSz="914400" rtl="0" eaLnBrk="1" fontAlgn="auto" latinLnBrk="0" hangingPunct="1">
-              <a:lnSpc>
-                <a:spcPct val="100000"/>
-              </a:lnSpc>
-              <a:spcBef>
-                <a:spcPts val="0"/>
-              </a:spcBef>
-              <a:spcAft>
-                <a:spcPts val="0"/>
-              </a:spcAft>
-              <a:buClrTx/>
-              <a:buSzTx/>
-              <a:buFont typeface="Arial"/>
-              <a:buNone/>
-              <a:tabLst/>
-              <a:defRPr/>
-            </a:pPr>
-            <a:r>
-              <a:rPr lang="en-US" sz="1200" b="0" i="0" kern="1200" baseline="0" dirty="0" smtClean="0">
-                <a:solidFill>
-                  <a:schemeClr val="tx1"/>
-                </a:solidFill>
-                <a:effectLst/>
-                <a:latin typeface="+mn-lt"/>
-                <a:ea typeface="+mn-ea"/>
-                <a:cs typeface="+mn-cs"/>
-              </a:rPr>
-              <a:t>To understand software and hardware</a:t>
-            </a:r>
-          </a:p>
-          <a:p>
-            <a:pPr marL="171450" marR="0" indent="-171450" algn="l" defTabSz="914400" rtl="0" eaLnBrk="1" fontAlgn="auto" latinLnBrk="0" hangingPunct="1">
-              <a:lnSpc>
-                <a:spcPct val="100000"/>
-              </a:lnSpc>
-              <a:spcBef>
-                <a:spcPts val="0"/>
-              </a:spcBef>
-              <a:spcAft>
-                <a:spcPts val="0"/>
-              </a:spcAft>
-              <a:buClrTx/>
-              <a:buSzTx/>
-              <a:buFont typeface="Arial"/>
-              <a:buChar char="•"/>
-              <a:tabLst/>
-              <a:defRPr/>
-            </a:pPr>
-            <a:r>
-              <a:rPr lang="en-US" sz="1200" b="0" i="0" kern="1200" baseline="0" dirty="0" smtClean="0">
-                <a:solidFill>
-                  <a:schemeClr val="tx1"/>
-                </a:solidFill>
-                <a:effectLst/>
-                <a:latin typeface="+mn-lt"/>
-                <a:ea typeface="+mn-ea"/>
-                <a:cs typeface="+mn-cs"/>
-              </a:rPr>
-              <a:t>Analytical performance modeling</a:t>
-            </a:r>
-          </a:p>
-          <a:p>
-            <a:pPr marL="171450" marR="0" indent="-171450" algn="l" defTabSz="914400" rtl="0" eaLnBrk="1" fontAlgn="auto" latinLnBrk="0" hangingPunct="1">
-              <a:lnSpc>
-                <a:spcPct val="100000"/>
-              </a:lnSpc>
-              <a:spcBef>
-                <a:spcPts val="0"/>
-              </a:spcBef>
-              <a:spcAft>
-                <a:spcPts val="0"/>
-              </a:spcAft>
-              <a:buClrTx/>
-              <a:buSzTx/>
-              <a:buFont typeface="Arial"/>
-              <a:buChar char="•"/>
-              <a:tabLst/>
-              <a:defRPr/>
-            </a:pPr>
-            <a:r>
-              <a:rPr lang="en-US" sz="1200" b="0" i="0" kern="1200" baseline="0" dirty="0" smtClean="0">
-                <a:solidFill>
-                  <a:schemeClr val="tx1"/>
-                </a:solidFill>
-                <a:effectLst/>
-                <a:latin typeface="+mn-lt"/>
-                <a:ea typeface="+mn-ea"/>
-                <a:cs typeface="+mn-cs"/>
-              </a:rPr>
-              <a:t>Integrate domain knowledge</a:t>
-            </a:r>
-          </a:p>
-          <a:p>
             <a:endParaRPr lang="en-US" dirty="0"/>
           </a:p>
         </p:txBody>
@@ -2454,104 +1618,6 @@
           <a:bodyPr/>
           <a:lstStyle/>
           <a:p>
-            <a:r>
-              <a:rPr lang="en-US" dirty="0" smtClean="0"/>
-              <a:t>23min</a:t>
-            </a:r>
-          </a:p>
-          <a:p>
-            <a:r>
-              <a:rPr lang="en-US" dirty="0" smtClean="0"/>
-              <a:t>Workflow</a:t>
-            </a:r>
-          </a:p>
-          <a:p>
-            <a:r>
-              <a:rPr lang="en-US" dirty="0" smtClean="0"/>
-              <a:t>Three components</a:t>
-            </a:r>
-          </a:p>
-          <a:p>
-            <a:r>
-              <a:rPr lang="en-US" dirty="0" smtClean="0"/>
-              <a:t>Reuse</a:t>
-            </a:r>
-            <a:r>
-              <a:rPr lang="en-US" baseline="0" dirty="0" smtClean="0"/>
-              <a:t> roofline</a:t>
-            </a:r>
-          </a:p>
-          <a:p>
-            <a:r>
-              <a:rPr lang="en-US" baseline="0" dirty="0" smtClean="0"/>
-              <a:t>Annotation inlining for procedure</a:t>
-            </a:r>
-            <a:endParaRPr lang="en-US" dirty="0" smtClean="0"/>
-          </a:p>
-          <a:p>
-            <a:endParaRPr lang="en-US" dirty="0" smtClean="0"/>
-          </a:p>
-          <a:p>
-            <a:endParaRPr lang="en-US" dirty="0" smtClean="0"/>
-          </a:p>
-          <a:p>
-            <a:endParaRPr lang="en-US" dirty="0" smtClean="0"/>
-          </a:p>
-          <a:p>
-            <a:r>
-              <a:rPr lang="en-US" dirty="0" smtClean="0"/>
-              <a:t>Three components of the entire framework</a:t>
-            </a:r>
-          </a:p>
-          <a:p>
-            <a:endParaRPr lang="en-US" dirty="0" smtClean="0"/>
-          </a:p>
-          <a:p>
-            <a:r>
-              <a:rPr lang="en-US" dirty="0" smtClean="0"/>
-              <a:t>1. Analytical</a:t>
-            </a:r>
-            <a:r>
-              <a:rPr lang="en-US" baseline="0" dirty="0" smtClean="0"/>
-              <a:t> performance bottlenecks</a:t>
-            </a:r>
-            <a:endParaRPr lang="en-US" dirty="0" smtClean="0"/>
-          </a:p>
-          <a:p>
-            <a:r>
-              <a:rPr lang="en-US" dirty="0" smtClean="0"/>
-              <a:t>Model MPI application target behavior</a:t>
-            </a:r>
-          </a:p>
-          <a:p>
-            <a:endParaRPr lang="en-US" dirty="0" smtClean="0"/>
-          </a:p>
-          <a:p>
-            <a:r>
-              <a:rPr lang="en-US" dirty="0" smtClean="0"/>
-              <a:t>2. annotation-based </a:t>
-            </a:r>
-            <a:r>
-              <a:rPr lang="en-US" dirty="0" err="1" smtClean="0"/>
-              <a:t>inlinling</a:t>
-            </a:r>
-            <a:r>
-              <a:rPr lang="en-US" dirty="0" smtClean="0"/>
-              <a:t> identify correctness</a:t>
-            </a:r>
-          </a:p>
-          <a:p>
-            <a:endParaRPr lang="en-US" dirty="0" smtClean="0"/>
-          </a:p>
-          <a:p>
-            <a:r>
-              <a:rPr lang="en-US" dirty="0" smtClean="0"/>
-              <a:t>3. Manually tuning </a:t>
-            </a:r>
-            <a:r>
-              <a:rPr lang="en-US" dirty="0" err="1" smtClean="0"/>
-              <a:t>MPI_Test</a:t>
-            </a:r>
             <a:endParaRPr lang="en-US" dirty="0"/>
           </a:p>
         </p:txBody>
@@ -2636,55 +1702,6 @@
           <a:bodyPr/>
           <a:lstStyle/>
           <a:p>
-            <a:r>
-              <a:rPr lang="en-US" dirty="0" smtClean="0"/>
-              <a:t>24min</a:t>
-            </a:r>
-          </a:p>
-          <a:p>
-            <a:r>
-              <a:rPr lang="en-US" dirty="0" err="1" smtClean="0"/>
-              <a:t>LogGP</a:t>
-            </a:r>
-            <a:r>
-              <a:rPr lang="en-US" dirty="0" smtClean="0"/>
-              <a:t> is used</a:t>
-            </a:r>
-          </a:p>
-          <a:p>
-            <a:endParaRPr lang="en-US" dirty="0" smtClean="0"/>
-          </a:p>
-          <a:p>
-            <a:endParaRPr lang="en-US" dirty="0" smtClean="0"/>
-          </a:p>
-          <a:p>
-            <a:endParaRPr lang="en-US" dirty="0" smtClean="0"/>
-          </a:p>
-          <a:p>
-            <a:r>
-              <a:rPr lang="en-US" dirty="0" err="1" smtClean="0"/>
-              <a:t>LogGP</a:t>
-            </a:r>
-            <a:r>
-              <a:rPr lang="en-US" dirty="0" smtClean="0"/>
-              <a:t> </a:t>
-            </a:r>
-            <a:r>
-              <a:rPr lang="en-US" baseline="0" dirty="0" smtClean="0"/>
-              <a:t>model used by analytical performance modeling to replace roofline model</a:t>
-            </a:r>
-          </a:p>
-          <a:p>
-            <a:r>
-              <a:rPr lang="en-US" baseline="0" dirty="0" smtClean="0"/>
-              <a:t>It could estimate communication time for p2p and a2a given P, n, network latencies and thresholds</a:t>
-            </a:r>
-          </a:p>
-          <a:p>
-            <a:r>
-              <a:rPr lang="en-US" baseline="0" dirty="0" smtClean="0"/>
-              <a:t>The equations cannot model the unbalanced wait time</a:t>
-            </a:r>
             <a:endParaRPr lang="en-US" dirty="0"/>
           </a:p>
         </p:txBody>
@@ -2769,51 +1786,6 @@
           <a:bodyPr/>
           <a:lstStyle/>
           <a:p>
-            <a:r>
-              <a:rPr lang="en-US" dirty="0" smtClean="0"/>
-              <a:t>24min</a:t>
-            </a:r>
-          </a:p>
-          <a:p>
-            <a:r>
-              <a:rPr lang="en-US" dirty="0" smtClean="0"/>
-              <a:t>BET</a:t>
-            </a:r>
-            <a:r>
-              <a:rPr lang="en-US" baseline="0" dirty="0" smtClean="0"/>
-              <a:t> constructed for FT</a:t>
-            </a:r>
-          </a:p>
-          <a:p>
-            <a:r>
-              <a:rPr lang="en-US" baseline="0" dirty="0" smtClean="0"/>
-              <a:t>Communication time</a:t>
-            </a:r>
-          </a:p>
-          <a:p>
-            <a:endParaRPr lang="en-US" baseline="0" dirty="0" smtClean="0"/>
-          </a:p>
-          <a:p>
-            <a:r>
-              <a:rPr lang="en-US" baseline="0" dirty="0" smtClean="0"/>
-              <a:t>First global</a:t>
-            </a:r>
-          </a:p>
-          <a:p>
-            <a:r>
-              <a:rPr lang="en-US" baseline="0" dirty="0" smtClean="0"/>
-              <a:t>Then enclosing</a:t>
-            </a:r>
-          </a:p>
-          <a:p>
-            <a:r>
-              <a:rPr lang="en-US" baseline="0" dirty="0" smtClean="0"/>
-              <a:t>Then local for </a:t>
-            </a:r>
-            <a:r>
-              <a:rPr lang="en-US" baseline="0" dirty="0" err="1" smtClean="0"/>
-              <a:t>MPI_Test</a:t>
-            </a:r>
             <a:endParaRPr lang="en-US" dirty="0"/>
           </a:p>
         </p:txBody>
@@ -2898,195 +1870,6 @@
           <a:bodyPr/>
           <a:lstStyle/>
           <a:p>
-            <a:r>
-              <a:rPr lang="en-US" dirty="0" smtClean="0"/>
-              <a:t>25min</a:t>
-            </a:r>
-          </a:p>
-          <a:p>
-            <a:r>
-              <a:rPr lang="en-US" dirty="0" smtClean="0"/>
-              <a:t>Simplified</a:t>
-            </a:r>
-            <a:r>
-              <a:rPr lang="en-US" baseline="0" dirty="0" smtClean="0"/>
-              <a:t> hot path of NAS FT, </a:t>
-            </a:r>
-            <a:r>
-              <a:rPr lang="en-US" baseline="0" dirty="0" err="1" smtClean="0"/>
-              <a:t>alltoall</a:t>
-            </a:r>
-            <a:r>
-              <a:rPr lang="en-US" baseline="0" dirty="0" smtClean="0"/>
-              <a:t> divide loop into computation before/after</a:t>
-            </a:r>
-          </a:p>
-          <a:p>
-            <a:r>
-              <a:rPr lang="en-US" baseline="0" dirty="0" smtClean="0"/>
-              <a:t>Common in NPB, clear separation</a:t>
-            </a:r>
-          </a:p>
-          <a:p>
-            <a:r>
-              <a:rPr lang="en-US" baseline="0" dirty="0" smtClean="0"/>
-              <a:t>Blocking communication</a:t>
-            </a:r>
-          </a:p>
-          <a:p>
-            <a:r>
-              <a:rPr lang="en-US" baseline="0" dirty="0" smtClean="0"/>
-              <a:t>Computation hot spots</a:t>
-            </a:r>
-          </a:p>
-          <a:p>
-            <a:endParaRPr lang="en-US" dirty="0" smtClean="0"/>
-          </a:p>
-          <a:p>
-            <a:endParaRPr lang="en-US" dirty="0" smtClean="0"/>
-          </a:p>
-          <a:p>
-            <a:endParaRPr lang="en-US" dirty="0" smtClean="0"/>
-          </a:p>
-          <a:p>
-            <a:endParaRPr lang="en-US" dirty="0" smtClean="0"/>
-          </a:p>
-          <a:p>
-            <a:endParaRPr lang="en-US" dirty="0" smtClean="0"/>
-          </a:p>
-          <a:p>
-            <a:r>
-              <a:rPr lang="en-US" dirty="0" smtClean="0"/>
-              <a:t>I studied</a:t>
-            </a:r>
-            <a:r>
-              <a:rPr lang="en-US" baseline="0" dirty="0" smtClean="0"/>
-              <a:t> </a:t>
-            </a:r>
-            <a:r>
-              <a:rPr lang="en-US" dirty="0" smtClean="0"/>
-              <a:t>NPB,</a:t>
-            </a:r>
-            <a:r>
-              <a:rPr lang="en-US" baseline="0" dirty="0" smtClean="0"/>
-              <a:t> a popular MPI benchmark, to find communication patterns.</a:t>
-            </a:r>
-          </a:p>
-          <a:p>
-            <a:r>
-              <a:rPr lang="en-US" baseline="0" dirty="0" smtClean="0"/>
-              <a:t>Here’s an example of NAS FT.</a:t>
-            </a:r>
-          </a:p>
-          <a:p>
-            <a:r>
-              <a:rPr lang="en-US" baseline="0" dirty="0" smtClean="0"/>
-              <a:t>It has clear separation of </a:t>
-            </a:r>
-            <a:r>
-              <a:rPr lang="en-US" baseline="0" dirty="0" err="1" smtClean="0"/>
-              <a:t>comm</a:t>
-            </a:r>
-            <a:r>
-              <a:rPr lang="en-US" baseline="0" dirty="0" smtClean="0"/>
-              <a:t> and comp.</a:t>
-            </a:r>
-          </a:p>
-          <a:p>
-            <a:r>
-              <a:rPr lang="en-US" baseline="0" dirty="0" smtClean="0"/>
-              <a:t>The hot </a:t>
-            </a:r>
-            <a:r>
-              <a:rPr lang="en-US" baseline="0" dirty="0" err="1" smtClean="0"/>
-              <a:t>comm</a:t>
-            </a:r>
-            <a:r>
-              <a:rPr lang="en-US" baseline="0" dirty="0" smtClean="0"/>
-              <a:t> is blocking p2p or a2a.</a:t>
-            </a:r>
-          </a:p>
-          <a:p>
-            <a:r>
-              <a:rPr lang="en-US" baseline="0" dirty="0" smtClean="0"/>
-              <a:t>The hot comp is memory/CPU loops.</a:t>
-            </a:r>
-            <a:endParaRPr lang="en-US" dirty="0" smtClean="0"/>
-          </a:p>
-          <a:p>
-            <a:endParaRPr lang="en-US" dirty="0" smtClean="0"/>
-          </a:p>
-          <a:p>
-            <a:r>
-              <a:rPr lang="en-US" dirty="0" smtClean="0"/>
-              <a:t>-------</a:t>
-            </a:r>
-          </a:p>
-          <a:p>
-            <a:endParaRPr lang="en-US" dirty="0" smtClean="0"/>
-          </a:p>
-          <a:p>
-            <a:r>
-              <a:rPr lang="en-US" dirty="0" smtClean="0"/>
-              <a:t>Draft:</a:t>
-            </a:r>
-          </a:p>
-          <a:p>
-            <a:endParaRPr lang="en-US" dirty="0" smtClean="0"/>
-          </a:p>
-          <a:p>
-            <a:r>
-              <a:rPr lang="en-US" dirty="0" smtClean="0"/>
-              <a:t>To find out how the communication look like,</a:t>
-            </a:r>
-            <a:r>
-              <a:rPr lang="en-US" baseline="0" dirty="0" smtClean="0"/>
-              <a:t> I studied the NAS Parallel Benchmark or NPB.</a:t>
-            </a:r>
-            <a:endParaRPr lang="en-US" dirty="0" smtClean="0"/>
-          </a:p>
-          <a:p>
-            <a:r>
-              <a:rPr lang="en-US" dirty="0" smtClean="0"/>
-              <a:t>Here’s an</a:t>
-            </a:r>
-            <a:r>
-              <a:rPr lang="en-US" baseline="0" dirty="0" smtClean="0"/>
-              <a:t> example hot path of NAS FT, which I found common in NPB applications.</a:t>
-            </a:r>
-          </a:p>
-          <a:p>
-            <a:endParaRPr lang="en-US" baseline="0" dirty="0" smtClean="0"/>
-          </a:p>
-          <a:p>
-            <a:r>
-              <a:rPr lang="en-US" baseline="0" dirty="0" smtClean="0"/>
-              <a:t>The workflow is decoupled into iterations of computation and communication.</a:t>
-            </a:r>
-          </a:p>
-          <a:p>
-            <a:endParaRPr lang="en-US" baseline="0" dirty="0" smtClean="0"/>
-          </a:p>
-          <a:p>
-            <a:r>
-              <a:rPr lang="en-US" baseline="0" dirty="0" smtClean="0"/>
-              <a:t>----</a:t>
-            </a:r>
-          </a:p>
-          <a:p>
-            <a:endParaRPr lang="en-US" baseline="0" dirty="0" smtClean="0"/>
-          </a:p>
-          <a:p>
-            <a:endParaRPr lang="en-US" dirty="0" smtClean="0"/>
-          </a:p>
-          <a:p>
-            <a:endParaRPr lang="en-US" dirty="0" smtClean="0"/>
-          </a:p>
-          <a:p>
-            <a:r>
-              <a:rPr lang="en-US" dirty="0" smtClean="0"/>
-              <a:t>----</a:t>
-            </a:r>
             <a:endParaRPr lang="en-US" dirty="0"/>
           </a:p>
         </p:txBody>
@@ -3171,50 +1954,7 @@
           <a:bodyPr/>
           <a:lstStyle/>
           <a:p>
-            <a:r>
-              <a:rPr lang="en-US" dirty="0" smtClean="0"/>
-              <a:t>26min</a:t>
-            </a:r>
-          </a:p>
-          <a:p>
-            <a:r>
-              <a:rPr lang="en-US" dirty="0" smtClean="0"/>
-              <a:t>One way to overlap</a:t>
-            </a:r>
-          </a:p>
-          <a:p>
-            <a:r>
-              <a:rPr lang="en-US" dirty="0" smtClean="0"/>
-              <a:t>Shift iterations</a:t>
-            </a:r>
-          </a:p>
-          <a:p>
-            <a:endParaRPr lang="en-US" dirty="0" smtClean="0"/>
-          </a:p>
-          <a:p>
-            <a:endParaRPr lang="en-US" dirty="0" smtClean="0"/>
-          </a:p>
-          <a:p>
-            <a:endParaRPr lang="en-US" dirty="0" smtClean="0"/>
-          </a:p>
-          <a:p>
-            <a:endParaRPr lang="en-US" dirty="0" smtClean="0"/>
-          </a:p>
-          <a:p>
-            <a:r>
-              <a:rPr lang="en-US" dirty="0" smtClean="0"/>
-              <a:t>One way to overlap</a:t>
-            </a:r>
-            <a:r>
-              <a:rPr lang="en-US" baseline="0" dirty="0" smtClean="0"/>
-              <a:t> them is to replace blocking to non-blocking, and shift the loop iterations</a:t>
-            </a:r>
-          </a:p>
-          <a:p>
-            <a:r>
-              <a:rPr lang="en-US" baseline="0" dirty="0" smtClean="0"/>
-              <a:t>So that the communication in the current iteration can be overlapped with computation in previous/next  iterations</a:t>
-            </a:r>
+            <a:endParaRPr lang="en-US" baseline="0" dirty="0" smtClean="0"/>
           </a:p>
         </p:txBody>
       </p:sp>
@@ -3298,59 +2038,6 @@
           <a:bodyPr/>
           <a:lstStyle/>
           <a:p>
-            <a:r>
-              <a:rPr lang="en-US" dirty="0" smtClean="0"/>
-              <a:t>26min</a:t>
-            </a:r>
-          </a:p>
-          <a:p>
-            <a:r>
-              <a:rPr lang="en-US" dirty="0" smtClean="0"/>
-              <a:t>After reordering,</a:t>
-            </a:r>
-            <a:r>
-              <a:rPr lang="en-US" baseline="0" dirty="0" smtClean="0"/>
-              <a:t> loop like this</a:t>
-            </a:r>
-            <a:endParaRPr lang="en-US" dirty="0" smtClean="0"/>
-          </a:p>
-          <a:p>
-            <a:r>
-              <a:rPr lang="en-US" dirty="0" smtClean="0"/>
-              <a:t>Dependence constraints</a:t>
-            </a:r>
-          </a:p>
-          <a:p>
-            <a:r>
-              <a:rPr lang="en-US" dirty="0" smtClean="0"/>
-              <a:t>It</a:t>
-            </a:r>
-            <a:r>
-              <a:rPr lang="en-US" baseline="0" dirty="0" smtClean="0"/>
-              <a:t> could be analyzed using classical loop analysis.</a:t>
-            </a:r>
-          </a:p>
-          <a:p>
-            <a:r>
-              <a:rPr lang="en-US" baseline="0" dirty="0" smtClean="0"/>
-              <a:t>But inter-procedural and dynamic</a:t>
-            </a:r>
-            <a:endParaRPr lang="en-US" dirty="0" smtClean="0"/>
-          </a:p>
-          <a:p>
-            <a:endParaRPr lang="en-US" dirty="0" smtClean="0"/>
-          </a:p>
-          <a:p>
-            <a:endParaRPr lang="en-US" dirty="0" smtClean="0"/>
-          </a:p>
-          <a:p>
-            <a:endParaRPr lang="en-US" dirty="0" smtClean="0"/>
-          </a:p>
-          <a:p>
-            <a:r>
-              <a:rPr lang="en-US" dirty="0" smtClean="0"/>
-              <a:t>Loop structure after overlapping computation and communication</a:t>
-            </a:r>
             <a:endParaRPr lang="en-US" dirty="0"/>
           </a:p>
         </p:txBody>
@@ -18092,11 +16779,7 @@
           <a:p>
             <a:r>
               <a:rPr lang="en-US" dirty="0" smtClean="0"/>
-              <a:t>Automate </a:t>
-            </a:r>
-            <a:r>
-              <a:rPr lang="en-US" dirty="0" smtClean="0"/>
-              <a:t>the program transformation</a:t>
+              <a:t>Automate the program transformation</a:t>
             </a:r>
           </a:p>
           <a:p>
@@ -18296,11 +16979,7 @@
           <a:p>
             <a:r>
               <a:rPr lang="en-US" dirty="0" smtClean="0"/>
-              <a:t>Related </a:t>
-            </a:r>
-            <a:r>
-              <a:rPr lang="en-US" dirty="0" smtClean="0"/>
-              <a:t>work</a:t>
+              <a:t>Related work</a:t>
             </a:r>
             <a:endParaRPr lang="en-US" dirty="0"/>
           </a:p>
@@ -18545,11 +17224,7 @@
           <a:p>
             <a:r>
               <a:rPr lang="en-US" dirty="0" smtClean="0"/>
-              <a:t>Optimization </a:t>
-            </a:r>
-            <a:r>
-              <a:rPr lang="en-US" dirty="0" smtClean="0"/>
-              <a:t>challenges</a:t>
+              <a:t>Optimization challenges</a:t>
             </a:r>
             <a:endParaRPr lang="en-US" dirty="0"/>
           </a:p>
@@ -18784,11 +17459,7 @@
           <a:p>
             <a:r>
               <a:rPr lang="en-US" sz="2400" dirty="0" smtClean="0"/>
-              <a:t>Optimization w</a:t>
-            </a:r>
-            <a:r>
-              <a:rPr lang="en-US" sz="2400" dirty="0" smtClean="0"/>
-              <a:t>orkflow</a:t>
+              <a:t>Optimization workflow</a:t>
             </a:r>
           </a:p>
           <a:p>
@@ -18827,16 +17498,11 @@
               <a:rPr lang="en-US" sz="2400" dirty="0" smtClean="0"/>
               <a:t>ults</a:t>
             </a:r>
-            <a:endParaRPr lang="en-US" sz="2400" dirty="0" smtClean="0"/>
           </a:p>
           <a:p>
             <a:r>
               <a:rPr lang="en-US" sz="2400" smtClean="0"/>
-              <a:t>Related </a:t>
-            </a:r>
-            <a:r>
-              <a:rPr lang="en-US" sz="2400" smtClean="0"/>
-              <a:t>work</a:t>
+              <a:t>Related work</a:t>
             </a:r>
             <a:endParaRPr lang="en-US" sz="2400" dirty="0" smtClean="0"/>
           </a:p>

--- a/slides.pptx
+++ b/slides.pptx
@@ -5,30 +5,32 @@
     <p:sldMasterId id="2147483741" r:id="rId1"/>
   </p:sldMasterIdLst>
   <p:notesMasterIdLst>
-    <p:notesMasterId r:id="rId20"/>
+    <p:notesMasterId r:id="rId22"/>
   </p:notesMasterIdLst>
   <p:handoutMasterIdLst>
-    <p:handoutMasterId r:id="rId21"/>
+    <p:handoutMasterId r:id="rId23"/>
   </p:handoutMasterIdLst>
   <p:sldIdLst>
     <p:sldId id="256" r:id="rId2"/>
-    <p:sldId id="521" r:id="rId3"/>
-    <p:sldId id="496" r:id="rId4"/>
-    <p:sldId id="518" r:id="rId5"/>
-    <p:sldId id="538" r:id="rId6"/>
+    <p:sldId id="552" r:id="rId3"/>
+    <p:sldId id="521" r:id="rId4"/>
+    <p:sldId id="496" r:id="rId5"/>
+    <p:sldId id="518" r:id="rId6"/>
     <p:sldId id="537" r:id="rId7"/>
-    <p:sldId id="396" r:id="rId8"/>
-    <p:sldId id="430" r:id="rId9"/>
-    <p:sldId id="402" r:id="rId10"/>
-    <p:sldId id="520" r:id="rId11"/>
-    <p:sldId id="528" r:id="rId12"/>
-    <p:sldId id="541" r:id="rId13"/>
-    <p:sldId id="501" r:id="rId14"/>
-    <p:sldId id="401" r:id="rId15"/>
-    <p:sldId id="413" r:id="rId16"/>
-    <p:sldId id="547" r:id="rId17"/>
-    <p:sldId id="406" r:id="rId18"/>
-    <p:sldId id="550" r:id="rId19"/>
+    <p:sldId id="538" r:id="rId8"/>
+    <p:sldId id="396" r:id="rId9"/>
+    <p:sldId id="430" r:id="rId10"/>
+    <p:sldId id="402" r:id="rId11"/>
+    <p:sldId id="520" r:id="rId12"/>
+    <p:sldId id="528" r:id="rId13"/>
+    <p:sldId id="541" r:id="rId14"/>
+    <p:sldId id="501" r:id="rId15"/>
+    <p:sldId id="401" r:id="rId16"/>
+    <p:sldId id="413" r:id="rId17"/>
+    <p:sldId id="553" r:id="rId18"/>
+    <p:sldId id="547" r:id="rId19"/>
+    <p:sldId id="406" r:id="rId20"/>
+    <p:sldId id="550" r:id="rId21"/>
   </p:sldIdLst>
   <p:sldSz cx="9144000" cy="6858000" type="screen4x3"/>
   <p:notesSz cx="6858000" cy="9144000"/>
@@ -805,7 +807,7 @@
     </p:spTree>
     <p:extLst>
       <p:ext uri="{BB962C8B-B14F-4D97-AF65-F5344CB8AC3E}">
-        <p14:creationId xmlns:p14="http://schemas.microsoft.com/office/powerpoint/2010/main" val="845132046"/>
+        <p14:creationId xmlns:p14="http://schemas.microsoft.com/office/powerpoint/2010/main" val="3458400930"/>
       </p:ext>
     </p:extLst>
   </p:cSld>
@@ -889,7 +891,7 @@
     </p:spTree>
     <p:extLst>
       <p:ext uri="{BB962C8B-B14F-4D97-AF65-F5344CB8AC3E}">
-        <p14:creationId xmlns:p14="http://schemas.microsoft.com/office/powerpoint/2010/main" val="1937937173"/>
+        <p14:creationId xmlns:p14="http://schemas.microsoft.com/office/powerpoint/2010/main" val="845132046"/>
       </p:ext>
     </p:extLst>
   </p:cSld>
@@ -973,7 +975,7 @@
     </p:spTree>
     <p:extLst>
       <p:ext uri="{BB962C8B-B14F-4D97-AF65-F5344CB8AC3E}">
-        <p14:creationId xmlns:p14="http://schemas.microsoft.com/office/powerpoint/2010/main" val="117676179"/>
+        <p14:creationId xmlns:p14="http://schemas.microsoft.com/office/powerpoint/2010/main" val="1937937173"/>
       </p:ext>
     </p:extLst>
   </p:cSld>
@@ -1057,7 +1059,7 @@
     </p:spTree>
     <p:extLst>
       <p:ext uri="{BB962C8B-B14F-4D97-AF65-F5344CB8AC3E}">
-        <p14:creationId xmlns:p14="http://schemas.microsoft.com/office/powerpoint/2010/main" val="2201092089"/>
+        <p14:creationId xmlns:p14="http://schemas.microsoft.com/office/powerpoint/2010/main" val="117676179"/>
       </p:ext>
     </p:extLst>
   </p:cSld>
@@ -1141,7 +1143,7 @@
     </p:spTree>
     <p:extLst>
       <p:ext uri="{BB962C8B-B14F-4D97-AF65-F5344CB8AC3E}">
-        <p14:creationId xmlns:p14="http://schemas.microsoft.com/office/powerpoint/2010/main" val="1503236265"/>
+        <p14:creationId xmlns:p14="http://schemas.microsoft.com/office/powerpoint/2010/main" val="2201092089"/>
       </p:ext>
     </p:extLst>
   </p:cSld>
@@ -1225,7 +1227,7 @@
     </p:spTree>
     <p:extLst>
       <p:ext uri="{BB962C8B-B14F-4D97-AF65-F5344CB8AC3E}">
-        <p14:creationId xmlns:p14="http://schemas.microsoft.com/office/powerpoint/2010/main" val="644197764"/>
+        <p14:creationId xmlns:p14="http://schemas.microsoft.com/office/powerpoint/2010/main" val="1503236265"/>
       </p:ext>
     </p:extLst>
   </p:cSld>
@@ -1309,7 +1311,7 @@
     </p:spTree>
     <p:extLst>
       <p:ext uri="{BB962C8B-B14F-4D97-AF65-F5344CB8AC3E}">
-        <p14:creationId xmlns:p14="http://schemas.microsoft.com/office/powerpoint/2010/main" val="1452299284"/>
+        <p14:creationId xmlns:p14="http://schemas.microsoft.com/office/powerpoint/2010/main" val="644197764"/>
       </p:ext>
     </p:extLst>
   </p:cSld>
@@ -1363,7 +1365,7 @@
           <a:bodyPr/>
           <a:lstStyle/>
           <a:p>
-            <a:endParaRPr lang="en-US" dirty="0" smtClean="0"/>
+            <a:endParaRPr lang="en-US" dirty="0"/>
           </a:p>
         </p:txBody>
       </p:sp>
@@ -1384,7 +1386,175 @@
           <a:p>
             <a:fld id="{2820B3EB-07BD-448A-8787-652232A4C48A}" type="slidenum">
               <a:rPr lang="en-US" smtClean="0"/>
+              <a:t>17</a:t>
+            </a:fld>
+            <a:endParaRPr lang="en-US" dirty="0"/>
+          </a:p>
+        </p:txBody>
+      </p:sp>
+    </p:spTree>
+    <p:extLst>
+      <p:ext uri="{BB962C8B-B14F-4D97-AF65-F5344CB8AC3E}">
+        <p14:creationId xmlns:p14="http://schemas.microsoft.com/office/powerpoint/2010/main" val="644197764"/>
+      </p:ext>
+    </p:extLst>
+  </p:cSld>
+  <p:clrMapOvr>
+    <a:masterClrMapping/>
+  </p:clrMapOvr>
+</p:notes>
+</file>
+
+<file path=ppt/notesSlides/notesSlide18.xml><?xml version="1.0" encoding="utf-8"?>
+<p:notes xmlns:a="http://schemas.openxmlformats.org/drawingml/2006/main" xmlns:r="http://schemas.openxmlformats.org/officeDocument/2006/relationships" xmlns:p="http://schemas.openxmlformats.org/presentationml/2006/main">
+  <p:cSld>
+    <p:spTree>
+      <p:nvGrpSpPr>
+        <p:cNvPr id="1" name=""/>
+        <p:cNvGrpSpPr/>
+        <p:nvPr/>
+      </p:nvGrpSpPr>
+      <p:grpSpPr>
+        <a:xfrm>
+          <a:off x="0" y="0"/>
+          <a:ext cx="0" cy="0"/>
+          <a:chOff x="0" y="0"/>
+          <a:chExt cx="0" cy="0"/>
+        </a:xfrm>
+      </p:grpSpPr>
+      <p:sp>
+        <p:nvSpPr>
+          <p:cNvPr id="2" name="Slide Image Placeholder 1"/>
+          <p:cNvSpPr>
+            <a:spLocks noGrp="1" noRot="1" noChangeAspect="1"/>
+          </p:cNvSpPr>
+          <p:nvPr>
+            <p:ph type="sldImg"/>
+          </p:nvPr>
+        </p:nvSpPr>
+        <p:spPr/>
+      </p:sp>
+      <p:sp>
+        <p:nvSpPr>
+          <p:cNvPr id="3" name="Notes Placeholder 2"/>
+          <p:cNvSpPr>
+            <a:spLocks noGrp="1"/>
+          </p:cNvSpPr>
+          <p:nvPr>
+            <p:ph type="body" idx="1"/>
+          </p:nvPr>
+        </p:nvSpPr>
+        <p:spPr/>
+        <p:txBody>
+          <a:bodyPr/>
+          <a:lstStyle/>
+          <a:p>
+            <a:endParaRPr lang="en-US" dirty="0"/>
+          </a:p>
+        </p:txBody>
+      </p:sp>
+      <p:sp>
+        <p:nvSpPr>
+          <p:cNvPr id="4" name="Slide Number Placeholder 3"/>
+          <p:cNvSpPr>
+            <a:spLocks noGrp="1"/>
+          </p:cNvSpPr>
+          <p:nvPr>
+            <p:ph type="sldNum" sz="quarter" idx="10"/>
+          </p:nvPr>
+        </p:nvSpPr>
+        <p:spPr/>
+        <p:txBody>
+          <a:bodyPr/>
+          <a:lstStyle/>
+          <a:p>
+            <a:fld id="{2820B3EB-07BD-448A-8787-652232A4C48A}" type="slidenum">
+              <a:rPr lang="en-US" smtClean="0"/>
               <a:t>18</a:t>
+            </a:fld>
+            <a:endParaRPr lang="en-US" dirty="0"/>
+          </a:p>
+        </p:txBody>
+      </p:sp>
+    </p:spTree>
+    <p:extLst>
+      <p:ext uri="{BB962C8B-B14F-4D97-AF65-F5344CB8AC3E}">
+        <p14:creationId xmlns:p14="http://schemas.microsoft.com/office/powerpoint/2010/main" val="1452299284"/>
+      </p:ext>
+    </p:extLst>
+  </p:cSld>
+  <p:clrMapOvr>
+    <a:masterClrMapping/>
+  </p:clrMapOvr>
+</p:notes>
+</file>
+
+<file path=ppt/notesSlides/notesSlide19.xml><?xml version="1.0" encoding="utf-8"?>
+<p:notes xmlns:a="http://schemas.openxmlformats.org/drawingml/2006/main" xmlns:r="http://schemas.openxmlformats.org/officeDocument/2006/relationships" xmlns:p="http://schemas.openxmlformats.org/presentationml/2006/main">
+  <p:cSld>
+    <p:spTree>
+      <p:nvGrpSpPr>
+        <p:cNvPr id="1" name=""/>
+        <p:cNvGrpSpPr/>
+        <p:nvPr/>
+      </p:nvGrpSpPr>
+      <p:grpSpPr>
+        <a:xfrm>
+          <a:off x="0" y="0"/>
+          <a:ext cx="0" cy="0"/>
+          <a:chOff x="0" y="0"/>
+          <a:chExt cx="0" cy="0"/>
+        </a:xfrm>
+      </p:grpSpPr>
+      <p:sp>
+        <p:nvSpPr>
+          <p:cNvPr id="2" name="Slide Image Placeholder 1"/>
+          <p:cNvSpPr>
+            <a:spLocks noGrp="1" noRot="1" noChangeAspect="1"/>
+          </p:cNvSpPr>
+          <p:nvPr>
+            <p:ph type="sldImg"/>
+          </p:nvPr>
+        </p:nvSpPr>
+        <p:spPr/>
+      </p:sp>
+      <p:sp>
+        <p:nvSpPr>
+          <p:cNvPr id="3" name="Notes Placeholder 2"/>
+          <p:cNvSpPr>
+            <a:spLocks noGrp="1"/>
+          </p:cNvSpPr>
+          <p:nvPr>
+            <p:ph type="body" idx="1"/>
+          </p:nvPr>
+        </p:nvSpPr>
+        <p:spPr/>
+        <p:txBody>
+          <a:bodyPr/>
+          <a:lstStyle/>
+          <a:p>
+            <a:endParaRPr lang="en-US" dirty="0" smtClean="0"/>
+          </a:p>
+        </p:txBody>
+      </p:sp>
+      <p:sp>
+        <p:nvSpPr>
+          <p:cNvPr id="4" name="Slide Number Placeholder 3"/>
+          <p:cNvSpPr>
+            <a:spLocks noGrp="1"/>
+          </p:cNvSpPr>
+          <p:nvPr>
+            <p:ph type="sldNum" sz="quarter" idx="10"/>
+          </p:nvPr>
+        </p:nvSpPr>
+        <p:spPr/>
+        <p:txBody>
+          <a:bodyPr/>
+          <a:lstStyle/>
+          <a:p>
+            <a:fld id="{2820B3EB-07BD-448A-8787-652232A4C48A}" type="slidenum">
+              <a:rPr lang="en-US" smtClean="0"/>
+              <a:t>20</a:t>
             </a:fld>
             <a:endParaRPr lang="en-US" dirty="0"/>
           </a:p>
@@ -1447,9 +1617,6 @@
           <a:bodyPr/>
           <a:lstStyle/>
           <a:p>
-            <a:pPr marL="0" indent="0">
-              <a:buNone/>
-            </a:pPr>
             <a:endParaRPr lang="en-US" baseline="0" dirty="0" smtClean="0"/>
           </a:p>
         </p:txBody>
@@ -1480,7 +1647,7 @@
     </p:spTree>
     <p:extLst>
       <p:ext uri="{BB962C8B-B14F-4D97-AF65-F5344CB8AC3E}">
-        <p14:creationId xmlns:p14="http://schemas.microsoft.com/office/powerpoint/2010/main" val="829303794"/>
+        <p14:creationId xmlns:p14="http://schemas.microsoft.com/office/powerpoint/2010/main" val="3093913152"/>
       </p:ext>
     </p:extLst>
   </p:cSld>
@@ -1534,7 +1701,10 @@
           <a:bodyPr/>
           <a:lstStyle/>
           <a:p>
-            <a:endParaRPr lang="en-US" dirty="0"/>
+            <a:pPr marL="0" indent="0">
+              <a:buNone/>
+            </a:pPr>
+            <a:endParaRPr lang="en-US" baseline="0" dirty="0" smtClean="0"/>
           </a:p>
         </p:txBody>
       </p:sp>
@@ -1564,7 +1734,7 @@
     </p:spTree>
     <p:extLst>
       <p:ext uri="{BB962C8B-B14F-4D97-AF65-F5344CB8AC3E}">
-        <p14:creationId xmlns:p14="http://schemas.microsoft.com/office/powerpoint/2010/main" val="2381694398"/>
+        <p14:creationId xmlns:p14="http://schemas.microsoft.com/office/powerpoint/2010/main" val="829303794"/>
       </p:ext>
     </p:extLst>
   </p:cSld>
@@ -1648,7 +1818,7 @@
     </p:spTree>
     <p:extLst>
       <p:ext uri="{BB962C8B-B14F-4D97-AF65-F5344CB8AC3E}">
-        <p14:creationId xmlns:p14="http://schemas.microsoft.com/office/powerpoint/2010/main" val="4077904935"/>
+        <p14:creationId xmlns:p14="http://schemas.microsoft.com/office/powerpoint/2010/main" val="2381694398"/>
       </p:ext>
     </p:extLst>
   </p:cSld>
@@ -1732,7 +1902,7 @@
     </p:spTree>
     <p:extLst>
       <p:ext uri="{BB962C8B-B14F-4D97-AF65-F5344CB8AC3E}">
-        <p14:creationId xmlns:p14="http://schemas.microsoft.com/office/powerpoint/2010/main" val="47837688"/>
+        <p14:creationId xmlns:p14="http://schemas.microsoft.com/office/powerpoint/2010/main" val="4077904935"/>
       </p:ext>
     </p:extLst>
   </p:cSld>
@@ -1900,7 +2070,7 @@
     </p:spTree>
     <p:extLst>
       <p:ext uri="{BB962C8B-B14F-4D97-AF65-F5344CB8AC3E}">
-        <p14:creationId xmlns:p14="http://schemas.microsoft.com/office/powerpoint/2010/main" val="793368997"/>
+        <p14:creationId xmlns:p14="http://schemas.microsoft.com/office/powerpoint/2010/main" val="47837688"/>
       </p:ext>
     </p:extLst>
   </p:cSld>
@@ -1954,7 +2124,7 @@
           <a:bodyPr/>
           <a:lstStyle/>
           <a:p>
-            <a:endParaRPr lang="en-US" baseline="0" dirty="0" smtClean="0"/>
+            <a:endParaRPr lang="en-US" dirty="0"/>
           </a:p>
         </p:txBody>
       </p:sp>
@@ -1984,7 +2154,7 @@
     </p:spTree>
     <p:extLst>
       <p:ext uri="{BB962C8B-B14F-4D97-AF65-F5344CB8AC3E}">
-        <p14:creationId xmlns:p14="http://schemas.microsoft.com/office/powerpoint/2010/main" val="3093913152"/>
+        <p14:creationId xmlns:p14="http://schemas.microsoft.com/office/powerpoint/2010/main" val="793368997"/>
       </p:ext>
     </p:extLst>
   </p:cSld>
@@ -2038,7 +2208,7 @@
           <a:bodyPr/>
           <a:lstStyle/>
           <a:p>
-            <a:endParaRPr lang="en-US" dirty="0"/>
+            <a:endParaRPr lang="en-US" baseline="0" dirty="0" smtClean="0"/>
           </a:p>
         </p:txBody>
       </p:sp>
@@ -2068,7 +2238,7 @@
     </p:spTree>
     <p:extLst>
       <p:ext uri="{BB962C8B-B14F-4D97-AF65-F5344CB8AC3E}">
-        <p14:creationId xmlns:p14="http://schemas.microsoft.com/office/powerpoint/2010/main" val="3458400930"/>
+        <p14:creationId xmlns:p14="http://schemas.microsoft.com/office/powerpoint/2010/main" val="3093913152"/>
       </p:ext>
     </p:extLst>
   </p:cSld>
@@ -2107,8 +2277,8 @@
         </p:nvSpPr>
         <p:spPr>
           <a:xfrm>
-            <a:off x="4800600" y="4624668"/>
-            <a:ext cx="4038600" cy="933450"/>
+            <a:off x="1403648" y="1772816"/>
+            <a:ext cx="6192688" cy="1944216"/>
           </a:xfrm>
         </p:spPr>
         <p:txBody>
@@ -2141,8 +2311,8 @@
         </p:nvSpPr>
         <p:spPr>
           <a:xfrm>
-            <a:off x="4800600" y="5562599"/>
-            <a:ext cx="4038600" cy="748553"/>
+            <a:off x="2483768" y="4293096"/>
+            <a:ext cx="4680520" cy="1224136"/>
           </a:xfrm>
         </p:spPr>
         <p:txBody>
@@ -2315,14 +2485,14 @@
       </p:sp>
       <p:sp>
         <p:nvSpPr>
-          <p:cNvPr id="7" name="Rectangle 6"/>
+          <p:cNvPr id="13" name="Rectangle 12"/>
           <p:cNvSpPr/>
-          <p:nvPr/>
+          <p:nvPr userDrawn="1"/>
         </p:nvSpPr>
         <p:spPr>
           <a:xfrm>
-            <a:off x="282575" y="228600"/>
-            <a:ext cx="4235450" cy="4187952"/>
+            <a:off x="8210550" y="282574"/>
+            <a:ext cx="642097" cy="1600200"/>
           </a:xfrm>
           <a:prstGeom prst="rect">
             <a:avLst/>
@@ -2361,14 +2531,42 @@
       </p:sp>
       <p:sp>
         <p:nvSpPr>
-          <p:cNvPr id="8" name="Rectangle 7"/>
-          <p:cNvSpPr/>
-          <p:nvPr/>
+          <p:cNvPr id="14" name="Slide Number Placeholder 5"/>
+          <p:cNvSpPr>
+            <a:spLocks noGrp="1"/>
+          </p:cNvSpPr>
+          <p:nvPr>
+            <p:ph type="sldNum" sz="quarter" idx="12"/>
+          </p:nvPr>
         </p:nvSpPr>
         <p:spPr>
           <a:xfrm>
-            <a:off x="6802438" y="228600"/>
-            <a:ext cx="2057400" cy="2039112"/>
+            <a:off x="8305800" y="242234"/>
+            <a:ext cx="554038" cy="365125"/>
+          </a:xfrm>
+        </p:spPr>
+        <p:txBody>
+          <a:bodyPr/>
+          <a:lstStyle/>
+          <a:p>
+            <a:fld id="{089A015A-1AD9-46F4-A47D-C723C7F63AFF}" type="slidenum">
+              <a:rPr lang="en-US" smtClean="0"/>
+              <a:t>‹#›</a:t>
+            </a:fld>
+            <a:endParaRPr lang="en-US" dirty="0"/>
+          </a:p>
+        </p:txBody>
+      </p:sp>
+      <p:sp>
+        <p:nvSpPr>
+          <p:cNvPr id="16" name="Rectangle 15"/>
+          <p:cNvSpPr/>
+          <p:nvPr userDrawn="1"/>
+        </p:nvSpPr>
+        <p:spPr>
+          <a:xfrm>
+            <a:off x="8068235" y="282574"/>
+            <a:ext cx="91440" cy="1600200"/>
           </a:xfrm>
           <a:prstGeom prst="rect">
             <a:avLst/>
@@ -2407,67 +2605,14 @@
       </p:sp>
       <p:sp>
         <p:nvSpPr>
-          <p:cNvPr id="10" name="Rectangle 9"/>
-          <p:cNvSpPr/>
-          <p:nvPr/>
+          <p:cNvPr id="17" name="TextBox 16"/>
+          <p:cNvSpPr txBox="1"/>
+          <p:nvPr userDrawn="1"/>
         </p:nvSpPr>
         <p:spPr>
           <a:xfrm>
-            <a:off x="4624388" y="2377440"/>
-            <a:ext cx="2057400" cy="2039112"/>
-          </a:xfrm>
-          <a:prstGeom prst="rect">
-            <a:avLst/>
-          </a:prstGeom>
-          <a:solidFill>
-            <a:schemeClr val="accent4"/>
-          </a:solidFill>
-          <a:ln>
-            <a:noFill/>
-          </a:ln>
-        </p:spPr>
-        <p:style>
-          <a:lnRef idx="2">
-            <a:schemeClr val="accent1">
-              <a:shade val="50000"/>
-            </a:schemeClr>
-          </a:lnRef>
-          <a:fillRef idx="1">
-            <a:schemeClr val="accent1"/>
-          </a:fillRef>
-          <a:effectRef idx="0">
-            <a:schemeClr val="accent1"/>
-          </a:effectRef>
-          <a:fontRef idx="minor">
-            <a:schemeClr val="lt1"/>
-          </a:fontRef>
-        </p:style>
-        <p:txBody>
-          <a:bodyPr rtlCol="0" anchor="ctr"/>
-          <a:lstStyle/>
-          <a:p>
-            <a:pPr marL="0" algn="ctr" defTabSz="914400" rtl="0" eaLnBrk="1" latinLnBrk="0" hangingPunct="1"/>
-            <a:endParaRPr sz="1800" kern="1200">
-              <a:solidFill>
-                <a:schemeClr val="lt1"/>
-              </a:solidFill>
-              <a:latin typeface="+mn-lt"/>
-              <a:ea typeface="+mn-ea"/>
-              <a:cs typeface="+mn-cs"/>
-            </a:endParaRPr>
-          </a:p>
-        </p:txBody>
-      </p:sp>
-      <p:sp>
-        <p:nvSpPr>
-          <p:cNvPr id="15" name="TextBox 14"/>
-          <p:cNvSpPr txBox="1"/>
-          <p:nvPr/>
-        </p:nvSpPr>
-        <p:spPr>
-          <a:xfrm>
-            <a:off x="424891" y="174812"/>
-            <a:ext cx="413309" cy="830997"/>
+            <a:off x="223185" y="228600"/>
+            <a:ext cx="260909" cy="553998"/>
           </a:xfrm>
           <a:prstGeom prst="rect">
             <a:avLst/>
@@ -2481,7 +2626,7 @@
           <a:lstStyle/>
           <a:p>
             <a:r>
-              <a:rPr sz="5400" b="1">
+              <a:rPr sz="3600" b="1" dirty="0">
                 <a:solidFill>
                   <a:schemeClr val="accent1">
                     <a:lumMod val="60000"/>
@@ -2491,98 +2636,6 @@
               </a:rPr>
               <a:t>+</a:t>
             </a:r>
-          </a:p>
-        </p:txBody>
-      </p:sp>
-      <p:sp>
-        <p:nvSpPr>
-          <p:cNvPr id="11" name="Rectangle 10"/>
-          <p:cNvSpPr/>
-          <p:nvPr/>
-        </p:nvSpPr>
-        <p:spPr>
-          <a:xfrm>
-            <a:off x="4624388" y="228600"/>
-            <a:ext cx="2057400" cy="2039112"/>
-          </a:xfrm>
-          <a:prstGeom prst="rect">
-            <a:avLst/>
-          </a:prstGeom>
-          <a:solidFill>
-            <a:schemeClr val="accent6"/>
-          </a:solidFill>
-          <a:ln>
-            <a:noFill/>
-          </a:ln>
-        </p:spPr>
-        <p:style>
-          <a:lnRef idx="2">
-            <a:schemeClr val="accent1">
-              <a:shade val="50000"/>
-            </a:schemeClr>
-          </a:lnRef>
-          <a:fillRef idx="1">
-            <a:schemeClr val="accent1"/>
-          </a:fillRef>
-          <a:effectRef idx="0">
-            <a:schemeClr val="accent1"/>
-          </a:effectRef>
-          <a:fontRef idx="minor">
-            <a:schemeClr val="lt1"/>
-          </a:fontRef>
-        </p:style>
-        <p:txBody>
-          <a:bodyPr rtlCol="0" anchor="ctr"/>
-          <a:lstStyle/>
-          <a:p>
-            <a:pPr algn="ctr"/>
-            <a:endParaRPr/>
-          </a:p>
-        </p:txBody>
-      </p:sp>
-      <p:sp>
-        <p:nvSpPr>
-          <p:cNvPr id="12" name="Rectangle 11"/>
-          <p:cNvSpPr/>
-          <p:nvPr/>
-        </p:nvSpPr>
-        <p:spPr>
-          <a:xfrm>
-            <a:off x="6802438" y="2377440"/>
-            <a:ext cx="2057400" cy="2039112"/>
-          </a:xfrm>
-          <a:prstGeom prst="rect">
-            <a:avLst/>
-          </a:prstGeom>
-          <a:solidFill>
-            <a:schemeClr val="accent2"/>
-          </a:solidFill>
-          <a:ln>
-            <a:noFill/>
-          </a:ln>
-        </p:spPr>
-        <p:style>
-          <a:lnRef idx="2">
-            <a:schemeClr val="accent1">
-              <a:shade val="50000"/>
-            </a:schemeClr>
-          </a:lnRef>
-          <a:fillRef idx="1">
-            <a:schemeClr val="accent1"/>
-          </a:fillRef>
-          <a:effectRef idx="0">
-            <a:schemeClr val="accent1"/>
-          </a:effectRef>
-          <a:fontRef idx="minor">
-            <a:schemeClr val="lt1"/>
-          </a:fontRef>
-        </p:style>
-        <p:txBody>
-          <a:bodyPr rtlCol="0" anchor="ctr"/>
-          <a:lstStyle/>
-          <a:p>
-            <a:pPr algn="ctr"/>
-            <a:endParaRPr/>
           </a:p>
         </p:txBody>
       </p:sp>
@@ -6373,7 +6426,7 @@
           <a:lstStyle/>
           <a:p>
             <a:r>
-              <a:rPr sz="3600" b="1">
+              <a:rPr sz="3600" b="1" dirty="0">
                 <a:solidFill>
                   <a:schemeClr val="accent1">
                     <a:lumMod val="60000"/>
@@ -10397,12 +10450,7 @@
             <p:ph type="ctrTitle"/>
           </p:nvPr>
         </p:nvSpPr>
-        <p:spPr>
-          <a:xfrm>
-            <a:off x="683568" y="4624668"/>
-            <a:ext cx="8136904" cy="676540"/>
-          </a:xfrm>
-        </p:spPr>
+        <p:spPr/>
         <p:txBody>
           <a:bodyPr>
             <a:noAutofit/>
@@ -10433,7 +10481,7 @@
       </p:sp>
       <p:sp>
         <p:nvSpPr>
-          <p:cNvPr id="4" name="Subtitle 3"/>
+          <p:cNvPr id="6" name="Subtitle 5"/>
           <p:cNvSpPr>
             <a:spLocks noGrp="1"/>
           </p:cNvSpPr>
@@ -10443,57 +10491,105 @@
         </p:nvSpPr>
         <p:spPr>
           <a:xfrm>
-            <a:off x="6876256" y="5661248"/>
-            <a:ext cx="1512168" cy="504056"/>
+            <a:off x="2411760" y="3501008"/>
+            <a:ext cx="6264696" cy="1872208"/>
           </a:xfrm>
         </p:spPr>
         <p:txBody>
           <a:bodyPr>
-            <a:noAutofit/>
+            <a:normAutofit/>
           </a:bodyPr>
           <a:lstStyle/>
           <a:p>
-            <a:endParaRPr lang="en-US" sz="2400" dirty="0">
-              <a:solidFill>
-                <a:schemeClr val="tx1">
-                  <a:lumMod val="75000"/>
-                  <a:lumOff val="25000"/>
-                </a:schemeClr>
-              </a:solidFill>
-            </a:endParaRPr>
-          </a:p>
-        </p:txBody>
-      </p:sp>
-      <p:pic>
-        <p:nvPicPr>
-          <p:cNvPr id="5" name="Picture 4" descr="uccs.gif"/>
-          <p:cNvPicPr>
-            <a:picLocks noChangeAspect="1"/>
-          </p:cNvPicPr>
-          <p:nvPr/>
-        </p:nvPicPr>
-        <p:blipFill>
-          <a:blip r:embed="rId3">
-            <a:extLst>
-              <a:ext uri="{28A0092B-C50C-407E-A947-70E740481C1C}">
-                <a14:useLocalDpi xmlns:a14="http://schemas.microsoft.com/office/drawing/2010/main" val="0"/>
-              </a:ext>
-            </a:extLst>
-          </a:blip>
-          <a:stretch>
-            <a:fillRect/>
-          </a:stretch>
-        </p:blipFill>
-        <p:spPr>
-          <a:xfrm>
-            <a:off x="3345" y="-216024"/>
-            <a:ext cx="6727616" cy="2564904"/>
-          </a:xfrm>
-          <a:prstGeom prst="rect">
-            <a:avLst/>
-          </a:prstGeom>
-        </p:spPr>
-      </p:pic>
+            <a:r>
+              <a:rPr lang="en-US" sz="2000" b="1" dirty="0" err="1" smtClean="0"/>
+              <a:t>Jichi</a:t>
+            </a:r>
+            <a:r>
+              <a:rPr lang="en-US" sz="2000" b="1" dirty="0" smtClean="0"/>
+              <a:t> </a:t>
+            </a:r>
+            <a:r>
+              <a:rPr lang="en-US" sz="2000" b="1" dirty="0" err="1" smtClean="0"/>
+              <a:t>Guo</a:t>
+            </a:r>
+            <a:r>
+              <a:rPr lang="en-US" sz="2000" b="1" dirty="0" smtClean="0"/>
+              <a:t>     Qing Yi </a:t>
+            </a:r>
+          </a:p>
+          <a:p>
+            <a:r>
+              <a:rPr lang="en-US" sz="2000" b="1" dirty="0"/>
+              <a:t> </a:t>
+            </a:r>
+            <a:r>
+              <a:rPr lang="en-US" sz="2000" b="1" dirty="0" smtClean="0"/>
+              <a:t> 	University of Colorado, Colorado Springs       </a:t>
+            </a:r>
+          </a:p>
+          <a:p>
+            <a:r>
+              <a:rPr lang="en-US" sz="2000" b="1" dirty="0" err="1" smtClean="0"/>
+              <a:t>Jiayuan</a:t>
+            </a:r>
+            <a:r>
+              <a:rPr lang="en-US" sz="2000" b="1" dirty="0" smtClean="0"/>
+              <a:t> </a:t>
+            </a:r>
+            <a:r>
+              <a:rPr lang="en-US" sz="2000" b="1" dirty="0" err="1" smtClean="0"/>
+              <a:t>Meng</a:t>
+            </a:r>
+            <a:r>
+              <a:rPr lang="en-US" sz="2000" b="1" dirty="0" smtClean="0"/>
+              <a:t>         Google </a:t>
+            </a:r>
+            <a:r>
+              <a:rPr lang="en-US" sz="2000" b="1" dirty="0" err="1" smtClean="0"/>
+              <a:t>Inc</a:t>
+            </a:r>
+            <a:endParaRPr lang="en-US" sz="2000" b="1" dirty="0" smtClean="0"/>
+          </a:p>
+          <a:p>
+            <a:r>
+              <a:rPr lang="en-US" sz="2000" b="1" dirty="0" err="1" smtClean="0"/>
+              <a:t>Junchao</a:t>
+            </a:r>
+            <a:r>
+              <a:rPr lang="en-US" sz="2000" b="1" dirty="0" smtClean="0"/>
+              <a:t> Zhang     </a:t>
+            </a:r>
+            <a:r>
+              <a:rPr lang="en-US" sz="2000" b="1" dirty="0" err="1" smtClean="0"/>
+              <a:t>Pavan</a:t>
+            </a:r>
+            <a:r>
+              <a:rPr lang="en-US" sz="2000" b="1" dirty="0" smtClean="0"/>
+              <a:t> </a:t>
+            </a:r>
+            <a:r>
+              <a:rPr lang="en-US" sz="2000" b="1" dirty="0" err="1" smtClean="0"/>
+              <a:t>Balaji</a:t>
+            </a:r>
+            <a:r>
+              <a:rPr lang="en-US" sz="2000" b="1" dirty="0" smtClean="0"/>
+              <a:t>   </a:t>
+            </a:r>
+          </a:p>
+          <a:p>
+            <a:r>
+              <a:rPr lang="en-US" sz="2000" b="1" dirty="0"/>
+              <a:t> </a:t>
+            </a:r>
+            <a:r>
+              <a:rPr lang="en-US" sz="2000" b="1" dirty="0" smtClean="0"/>
+              <a:t> 	Argonne National Laboratory</a:t>
+            </a:r>
+            <a:endParaRPr lang="en-US" sz="2000" b="1" dirty="0"/>
+          </a:p>
+        </p:txBody>
+      </p:sp>
     </p:spTree>
     <p:extLst>
       <p:ext uri="{BB962C8B-B14F-4D97-AF65-F5344CB8AC3E}">
@@ -10547,12 +10643,8 @@
           <a:lstStyle/>
           <a:p>
             <a:r>
-              <a:rPr lang="en-US" dirty="0"/>
-              <a:t>Safety analysis with annotation-based </a:t>
-            </a:r>
-            <a:r>
               <a:rPr lang="en-US" dirty="0" smtClean="0"/>
-              <a:t>inlining</a:t>
+              <a:t>Optimized NAS FT</a:t>
             </a:r>
             <a:endParaRPr lang="en-US" dirty="0"/>
           </a:p>
@@ -10568,117 +10660,94 @@
             <p:ph idx="1"/>
           </p:nvPr>
         </p:nvSpPr>
-        <p:spPr/>
-        <p:txBody>
-          <a:bodyPr>
-            <a:normAutofit/>
-          </a:bodyPr>
+        <p:spPr>
+          <a:xfrm>
+            <a:off x="498474" y="1981200"/>
+            <a:ext cx="4217541" cy="4144963"/>
+          </a:xfrm>
+        </p:spPr>
+        <p:txBody>
+          <a:bodyPr/>
           <a:lstStyle/>
           <a:p>
             <a:r>
+              <a:rPr lang="en-US" dirty="0"/>
+              <a:t>R</a:t>
+            </a:r>
+            <a:r>
               <a:rPr lang="en-US" dirty="0" smtClean="0"/>
-              <a:t>Apply annotation</a:t>
+              <a:t>eorder </a:t>
+            </a:r>
+            <a:r>
+              <a:rPr lang="en-US" dirty="0" smtClean="0"/>
+              <a:t>computation and communication</a:t>
+            </a:r>
+          </a:p>
+          <a:p>
+            <a:pPr lvl="1"/>
+            <a:r>
+              <a:rPr lang="en-US" dirty="0" smtClean="0"/>
+              <a:t>Need d</a:t>
+            </a:r>
+            <a:r>
+              <a:rPr lang="en-US" dirty="0" smtClean="0"/>
+              <a:t>ependence analysis </a:t>
+            </a:r>
+            <a:endParaRPr lang="en-US" dirty="0" smtClean="0"/>
+          </a:p>
+          <a:p>
+            <a:pPr lvl="2"/>
+            <a:r>
+              <a:rPr lang="en-US" dirty="0" smtClean="0"/>
+              <a:t>Before(I) =&gt; </a:t>
+            </a:r>
+            <a:r>
+              <a:rPr lang="en-US" dirty="0" err="1" smtClean="0"/>
+              <a:t>MPI_Wait</a:t>
+            </a:r>
+            <a:r>
+              <a:rPr lang="en-US" dirty="0" smtClean="0"/>
+              <a:t>(I-?)</a:t>
+            </a:r>
+          </a:p>
+          <a:p>
+            <a:pPr lvl="2"/>
+            <a:r>
+              <a:rPr lang="en-US" dirty="0" smtClean="0"/>
+              <a:t>Before(</a:t>
             </a:r>
             <a:r>
               <a:rPr lang="en-US" dirty="0"/>
-              <a:t>-based </a:t>
+              <a:t>I</a:t>
             </a:r>
             <a:r>
               <a:rPr lang="en-US" dirty="0" smtClean="0"/>
-              <a:t>inlining to enhance accuracy of dependence analysis</a:t>
+              <a:t>) =&gt; After(</a:t>
+            </a:r>
+            <a:r>
+              <a:rPr lang="en-US" dirty="0"/>
+              <a:t>I-?)</a:t>
+            </a:r>
+          </a:p>
+          <a:p>
+            <a:r>
+              <a:rPr lang="en-US" dirty="0" smtClean="0"/>
+              <a:t>Challenges</a:t>
             </a:r>
           </a:p>
           <a:p>
             <a:pPr lvl="1"/>
             <a:r>
-              <a:rPr lang="en-US" dirty="0"/>
-              <a:t>Select branches </a:t>
-            </a:r>
-            <a:r>
               <a:rPr lang="en-US" dirty="0" smtClean="0"/>
-              <a:t>taken</a:t>
-            </a:r>
-            <a:endParaRPr lang="en-US" dirty="0"/>
-          </a:p>
-          <a:p>
-            <a:pPr lvl="2"/>
-            <a:r>
-              <a:rPr lang="en-US" dirty="0"/>
-              <a:t>NAS FT: 0D, 1D, or 2D </a:t>
-            </a:r>
+              <a:t>Cross procedure boundaries</a:t>
+            </a:r>
+            <a:endParaRPr lang="en-US" dirty="0" smtClean="0"/>
+          </a:p>
+          <a:p>
+            <a:pPr lvl="1"/>
             <a:r>
               <a:rPr lang="en-US" dirty="0" smtClean="0"/>
-              <a:t>layout</a:t>
-            </a:r>
-            <a:r>
-              <a:rPr lang="en-US" dirty="0"/>
-              <a:t> </a:t>
-            </a:r>
-            <a:r>
-              <a:rPr lang="en-US" dirty="0" smtClean="0"/>
-              <a:t>is runtime-dependent</a:t>
-            </a:r>
-          </a:p>
-          <a:p>
-            <a:pPr lvl="1"/>
-            <a:r>
-              <a:rPr lang="en-US" dirty="0" smtClean="0"/>
-              <a:t>Express memory side effects for </a:t>
-            </a:r>
-            <a:r>
-              <a:rPr lang="en-US" dirty="0"/>
-              <a:t>MPI API </a:t>
-            </a:r>
-            <a:r>
-              <a:rPr lang="en-US" dirty="0" smtClean="0"/>
-              <a:t>through </a:t>
-            </a:r>
-            <a:r>
-              <a:rPr lang="en-US" dirty="0"/>
-              <a:t>array accesses </a:t>
-            </a:r>
-            <a:endParaRPr lang="en-US" dirty="0" smtClean="0"/>
-          </a:p>
-          <a:p>
-            <a:pPr lvl="2"/>
-            <a:r>
-              <a:rPr lang="en-US" dirty="0" smtClean="0"/>
-              <a:t>MPICH source code is encapsulated and hidden from compiler</a:t>
-            </a:r>
-            <a:endParaRPr lang="en-US" dirty="0"/>
-          </a:p>
-          <a:p>
-            <a:pPr lvl="1"/>
-            <a:r>
-              <a:rPr lang="en-US" dirty="0" smtClean="0"/>
-              <a:t>Normalize </a:t>
-            </a:r>
-            <a:r>
-              <a:rPr lang="en-US" dirty="0"/>
-              <a:t>array dimensions</a:t>
-            </a:r>
-          </a:p>
-          <a:p>
-            <a:pPr lvl="2"/>
-            <a:r>
-              <a:rPr lang="en-US" dirty="0" smtClean="0"/>
-              <a:t>Arrays used by computation </a:t>
-            </a:r>
-            <a:r>
-              <a:rPr lang="en-US" dirty="0"/>
-              <a:t>and </a:t>
-            </a:r>
-            <a:r>
-              <a:rPr lang="en-US" dirty="0" smtClean="0"/>
-              <a:t>communication could </a:t>
-            </a:r>
-            <a:r>
-              <a:rPr lang="en-US" dirty="0"/>
-              <a:t>have different </a:t>
-            </a:r>
-            <a:r>
-              <a:rPr lang="en-US" dirty="0" smtClean="0"/>
-              <a:t>dimensions</a:t>
+              <a:t>Dynamic control and data flow</a:t>
             </a:r>
           </a:p>
         </p:txBody>
@@ -10706,10 +10775,1309 @@
           </a:p>
         </p:txBody>
       </p:sp>
+      <p:grpSp>
+        <p:nvGrpSpPr>
+          <p:cNvPr id="64" name="Group 63"/>
+          <p:cNvGrpSpPr/>
+          <p:nvPr/>
+        </p:nvGrpSpPr>
+        <p:grpSpPr>
+          <a:xfrm>
+            <a:off x="5086641" y="1268760"/>
+            <a:ext cx="3733831" cy="5375107"/>
+            <a:chOff x="4043232" y="-1891"/>
+            <a:chExt cx="3692427" cy="6905629"/>
+          </a:xfrm>
+        </p:grpSpPr>
+        <p:grpSp>
+          <p:nvGrpSpPr>
+            <p:cNvPr id="65" name="Group 64"/>
+            <p:cNvGrpSpPr/>
+            <p:nvPr/>
+          </p:nvGrpSpPr>
+          <p:grpSpPr>
+            <a:xfrm>
+              <a:off x="4043232" y="-1891"/>
+              <a:ext cx="3692427" cy="6905629"/>
+              <a:chOff x="4043232" y="-1891"/>
+              <a:chExt cx="3692427" cy="6905629"/>
+            </a:xfrm>
+          </p:grpSpPr>
+          <p:sp>
+            <p:nvSpPr>
+              <p:cNvPr id="68" name="Rectangle 67"/>
+              <p:cNvSpPr/>
+              <p:nvPr/>
+            </p:nvSpPr>
+            <p:spPr>
+              <a:xfrm>
+                <a:off x="4044462" y="3570646"/>
+                <a:ext cx="2289144" cy="576064"/>
+              </a:xfrm>
+              <a:prstGeom prst="rect">
+                <a:avLst/>
+              </a:prstGeom>
+              <a:noFill/>
+              <a:ln w="25400" cap="flat" cmpd="sng" algn="ctr">
+                <a:solidFill>
+                  <a:srgbClr val="F79646"/>
+                </a:solidFill>
+                <a:prstDash val="solid"/>
+              </a:ln>
+              <a:effectLst/>
+            </p:spPr>
+            <p:txBody>
+              <a:bodyPr rtlCol="0" anchor="ctr"/>
+              <a:lstStyle/>
+              <a:p>
+                <a:pPr marL="0" marR="0" lvl="0" indent="0" algn="ctr" defTabSz="914400" eaLnBrk="1" fontAlgn="auto" latinLnBrk="0" hangingPunct="1">
+                  <a:lnSpc>
+                    <a:spcPct val="100000"/>
+                  </a:lnSpc>
+                  <a:spcBef>
+                    <a:spcPts val="0"/>
+                  </a:spcBef>
+                  <a:spcAft>
+                    <a:spcPts val="0"/>
+                  </a:spcAft>
+                  <a:buClrTx/>
+                  <a:buSzTx/>
+                  <a:buFontTx/>
+                  <a:buNone/>
+                  <a:tabLst/>
+                  <a:defRPr/>
+                </a:pPr>
+                <a:r>
+                  <a:rPr kumimoji="0" lang="en-US" sz="1800" b="0" i="0" u="none" strike="noStrike" kern="0" cap="none" spc="0" normalizeH="0" baseline="0" noProof="0" dirty="0" err="1" smtClean="0">
+                    <a:ln>
+                      <a:noFill/>
+                    </a:ln>
+                    <a:solidFill>
+                      <a:sysClr val="windowText" lastClr="000000"/>
+                    </a:solidFill>
+                    <a:effectLst/>
+                    <a:uLnTx/>
+                    <a:uFillTx/>
+                    <a:latin typeface="Calibri"/>
+                    <a:ea typeface="+mn-ea"/>
+                    <a:cs typeface="+mn-cs"/>
+                  </a:rPr>
+                  <a:t>MPI_Ialltoall</a:t>
+                </a:r>
+                <a:r>
+                  <a:rPr kumimoji="0" lang="en-US" sz="1800" b="0" i="0" u="none" strike="noStrike" kern="0" cap="none" spc="0" normalizeH="0" baseline="0" noProof="0" dirty="0">
+                    <a:ln>
+                      <a:noFill/>
+                    </a:ln>
+                    <a:solidFill>
+                      <a:sysClr val="windowText" lastClr="000000"/>
+                    </a:solidFill>
+                    <a:effectLst/>
+                    <a:uLnTx/>
+                    <a:uFillTx/>
+                    <a:latin typeface="Calibri"/>
+                    <a:ea typeface="+mn-ea"/>
+                    <a:cs typeface="+mn-cs"/>
+                  </a:rPr>
+                  <a:t> </a:t>
+                </a:r>
+                <a:r>
+                  <a:rPr kumimoji="0" lang="en-US" sz="1800" b="0" i="0" u="none" strike="noStrike" kern="0" cap="none" spc="0" normalizeH="0" baseline="0" noProof="0" dirty="0" smtClean="0">
+                    <a:ln>
+                      <a:noFill/>
+                    </a:ln>
+                    <a:solidFill>
+                      <a:sysClr val="windowText" lastClr="000000"/>
+                    </a:solidFill>
+                    <a:effectLst/>
+                    <a:uLnTx/>
+                    <a:uFillTx/>
+                    <a:latin typeface="Calibri"/>
+                    <a:ea typeface="+mn-ea"/>
+                    <a:cs typeface="+mn-cs"/>
+                  </a:rPr>
+                  <a:t>(I)</a:t>
+                </a:r>
+                <a:endParaRPr kumimoji="0" lang="en-US" sz="1800" b="0" i="0" u="none" strike="noStrike" kern="0" cap="none" spc="0" normalizeH="0" baseline="0" noProof="0" dirty="0">
+                  <a:ln>
+                    <a:noFill/>
+                  </a:ln>
+                  <a:solidFill>
+                    <a:sysClr val="windowText" lastClr="000000"/>
+                  </a:solidFill>
+                  <a:effectLst/>
+                  <a:uLnTx/>
+                  <a:uFillTx/>
+                  <a:latin typeface="Calibri"/>
+                  <a:ea typeface="+mn-ea"/>
+                  <a:cs typeface="+mn-cs"/>
+                </a:endParaRPr>
+              </a:p>
+            </p:txBody>
+          </p:sp>
+          <p:sp>
+            <p:nvSpPr>
+              <p:cNvPr id="69" name="Rectangle 68"/>
+              <p:cNvSpPr/>
+              <p:nvPr/>
+            </p:nvSpPr>
+            <p:spPr>
+              <a:xfrm>
+                <a:off x="4044463" y="2781785"/>
+                <a:ext cx="2289142" cy="576064"/>
+              </a:xfrm>
+              <a:prstGeom prst="rect">
+                <a:avLst/>
+              </a:prstGeom>
+              <a:noFill/>
+              <a:ln w="25400" cap="flat" cmpd="sng" algn="ctr">
+                <a:solidFill>
+                  <a:srgbClr val="F79646"/>
+                </a:solidFill>
+                <a:prstDash val="solid"/>
+              </a:ln>
+              <a:effectLst/>
+            </p:spPr>
+            <p:txBody>
+              <a:bodyPr rtlCol="0" anchor="ctr"/>
+              <a:lstStyle/>
+              <a:p>
+                <a:pPr marL="0" marR="0" lvl="0" indent="0" algn="ctr" defTabSz="914400" eaLnBrk="1" fontAlgn="auto" latinLnBrk="0" hangingPunct="1">
+                  <a:lnSpc>
+                    <a:spcPct val="100000"/>
+                  </a:lnSpc>
+                  <a:spcBef>
+                    <a:spcPts val="0"/>
+                  </a:spcBef>
+                  <a:spcAft>
+                    <a:spcPts val="0"/>
+                  </a:spcAft>
+                  <a:buClrTx/>
+                  <a:buSzTx/>
+                  <a:buFontTx/>
+                  <a:buNone/>
+                  <a:tabLst/>
+                  <a:defRPr/>
+                </a:pPr>
+                <a:r>
+                  <a:rPr kumimoji="0" lang="en-US" sz="1800" b="0" i="0" u="none" strike="noStrike" kern="0" cap="none" spc="0" normalizeH="0" baseline="0" noProof="0" dirty="0" err="1" smtClean="0">
+                    <a:ln>
+                      <a:noFill/>
+                    </a:ln>
+                    <a:solidFill>
+                      <a:sysClr val="windowText" lastClr="000000"/>
+                    </a:solidFill>
+                    <a:effectLst/>
+                    <a:uLnTx/>
+                    <a:uFillTx/>
+                    <a:latin typeface="Calibri"/>
+                    <a:ea typeface="+mn-ea"/>
+                    <a:cs typeface="+mn-cs"/>
+                  </a:rPr>
+                  <a:t>MPI_Wait</a:t>
+                </a:r>
+                <a:r>
+                  <a:rPr kumimoji="0" lang="en-US" sz="1800" b="0" i="0" u="none" strike="noStrike" kern="0" cap="none" spc="0" normalizeH="0" baseline="0" noProof="0" dirty="0" smtClean="0">
+                    <a:ln>
+                      <a:noFill/>
+                    </a:ln>
+                    <a:solidFill>
+                      <a:sysClr val="windowText" lastClr="000000"/>
+                    </a:solidFill>
+                    <a:effectLst/>
+                    <a:uLnTx/>
+                    <a:uFillTx/>
+                    <a:latin typeface="Calibri"/>
+                    <a:ea typeface="+mn-ea"/>
+                    <a:cs typeface="+mn-cs"/>
+                  </a:rPr>
+                  <a:t> (I-1)</a:t>
+                </a:r>
+                <a:endParaRPr kumimoji="0" lang="en-US" sz="1800" b="0" i="0" u="none" strike="noStrike" kern="0" cap="none" spc="0" normalizeH="0" baseline="0" noProof="0" dirty="0">
+                  <a:ln>
+                    <a:noFill/>
+                  </a:ln>
+                  <a:solidFill>
+                    <a:sysClr val="windowText" lastClr="000000"/>
+                  </a:solidFill>
+                  <a:effectLst/>
+                  <a:uLnTx/>
+                  <a:uFillTx/>
+                  <a:latin typeface="Calibri"/>
+                  <a:ea typeface="+mn-ea"/>
+                  <a:cs typeface="+mn-cs"/>
+                </a:endParaRPr>
+              </a:p>
+            </p:txBody>
+          </p:sp>
+          <p:sp>
+            <p:nvSpPr>
+              <p:cNvPr id="70" name="Rectangle 69"/>
+              <p:cNvSpPr/>
+              <p:nvPr/>
+            </p:nvSpPr>
+            <p:spPr>
+              <a:xfrm>
+                <a:off x="4044462" y="1015738"/>
+                <a:ext cx="2289144" cy="1551129"/>
+              </a:xfrm>
+              <a:prstGeom prst="rect">
+                <a:avLst/>
+              </a:prstGeom>
+              <a:noFill/>
+              <a:ln w="25400" cap="flat" cmpd="sng" algn="ctr">
+                <a:solidFill>
+                  <a:srgbClr val="9BBB59"/>
+                </a:solidFill>
+                <a:prstDash val="solid"/>
+              </a:ln>
+              <a:effectLst/>
+            </p:spPr>
+            <p:txBody>
+              <a:bodyPr rtlCol="0" anchor="ctr"/>
+              <a:lstStyle/>
+              <a:p>
+                <a:pPr marL="0" marR="0" lvl="0" indent="0" algn="ctr" defTabSz="914400" eaLnBrk="1" fontAlgn="auto" latinLnBrk="0" hangingPunct="1">
+                  <a:lnSpc>
+                    <a:spcPct val="100000"/>
+                  </a:lnSpc>
+                  <a:spcBef>
+                    <a:spcPts val="0"/>
+                  </a:spcBef>
+                  <a:spcAft>
+                    <a:spcPts val="0"/>
+                  </a:spcAft>
+                  <a:buClrTx/>
+                  <a:buSzTx/>
+                  <a:buFontTx/>
+                  <a:buNone/>
+                  <a:tabLst/>
+                  <a:defRPr/>
+                </a:pPr>
+                <a:endParaRPr kumimoji="0" lang="en-US" sz="1800" b="0" i="0" u="none" strike="noStrike" kern="0" cap="none" spc="0" normalizeH="0" baseline="0" noProof="0" dirty="0">
+                  <a:ln>
+                    <a:noFill/>
+                  </a:ln>
+                  <a:solidFill>
+                    <a:sysClr val="windowText" lastClr="000000"/>
+                  </a:solidFill>
+                  <a:effectLst/>
+                  <a:uLnTx/>
+                  <a:uFillTx/>
+                  <a:latin typeface="Calibri"/>
+                  <a:ea typeface="+mn-ea"/>
+                  <a:cs typeface="+mn-cs"/>
+                </a:endParaRPr>
+              </a:p>
+            </p:txBody>
+          </p:sp>
+          <p:cxnSp>
+            <p:nvCxnSpPr>
+              <p:cNvPr id="72" name="Elbow Connector 71"/>
+              <p:cNvCxnSpPr>
+                <a:stCxn id="86" idx="0"/>
+                <a:endCxn id="86" idx="2"/>
+              </p:cNvCxnSpPr>
+              <p:nvPr/>
+            </p:nvCxnSpPr>
+            <p:spPr>
+              <a:xfrm rot="16200000" flipH="1">
+                <a:off x="4936050" y="1863851"/>
+                <a:ext cx="502810" cy="12559"/>
+              </a:xfrm>
+              <a:prstGeom prst="bentConnector5">
+                <a:avLst>
+                  <a:gd name="adj1" fmla="val -58410"/>
+                  <a:gd name="adj2" fmla="val 8100685"/>
+                  <a:gd name="adj3" fmla="val 158410"/>
+                </a:avLst>
+              </a:prstGeom>
+              <a:noFill/>
+              <a:ln w="25400" cap="flat" cmpd="sng" algn="ctr">
+                <a:solidFill>
+                  <a:srgbClr val="4F81BD"/>
+                </a:solidFill>
+                <a:prstDash val="dash"/>
+                <a:tailEnd type="arrow"/>
+              </a:ln>
+              <a:effectLst>
+                <a:outerShdw blurRad="40000" dist="20000" dir="5400000" rotWithShape="0">
+                  <a:srgbClr val="000000">
+                    <a:alpha val="38000"/>
+                  </a:srgbClr>
+                </a:outerShdw>
+              </a:effectLst>
+            </p:spPr>
+          </p:cxnSp>
+          <p:sp>
+            <p:nvSpPr>
+              <p:cNvPr id="73" name="TextBox 72"/>
+              <p:cNvSpPr txBox="1"/>
+              <p:nvPr/>
+            </p:nvSpPr>
+            <p:spPr>
+              <a:xfrm>
+                <a:off x="6606714" y="1293273"/>
+                <a:ext cx="1057726" cy="369331"/>
+              </a:xfrm>
+              <a:prstGeom prst="rect">
+                <a:avLst/>
+              </a:prstGeom>
+              <a:noFill/>
+            </p:spPr>
+            <p:txBody>
+              <a:bodyPr wrap="none" rtlCol="0">
+                <a:spAutoFit/>
+              </a:bodyPr>
+              <a:lstStyle/>
+              <a:p>
+                <a:pPr marL="0" marR="0" lvl="0" indent="0" defTabSz="914400" eaLnBrk="1" fontAlgn="auto" latinLnBrk="0" hangingPunct="1">
+                  <a:lnSpc>
+                    <a:spcPct val="100000"/>
+                  </a:lnSpc>
+                  <a:spcBef>
+                    <a:spcPts val="0"/>
+                  </a:spcBef>
+                  <a:spcAft>
+                    <a:spcPts val="0"/>
+                  </a:spcAft>
+                  <a:buClrTx/>
+                  <a:buSzTx/>
+                  <a:buFontTx/>
+                  <a:buNone/>
+                  <a:tabLst/>
+                  <a:defRPr/>
+                </a:pPr>
+                <a:r>
+                  <a:rPr kumimoji="0" lang="en-US" sz="1800" b="0" i="0" u="none" strike="noStrike" kern="0" cap="none" spc="0" normalizeH="0" baseline="0" noProof="0" dirty="0" smtClean="0">
+                    <a:ln>
+                      <a:noFill/>
+                    </a:ln>
+                    <a:solidFill>
+                      <a:sysClr val="windowText" lastClr="000000"/>
+                    </a:solidFill>
+                    <a:effectLst/>
+                    <a:uLnTx/>
+                    <a:uFillTx/>
+                  </a:rPr>
+                  <a:t>Before (I)</a:t>
+                </a:r>
+                <a:endParaRPr kumimoji="0" lang="en-US" sz="1800" b="0" i="0" u="none" strike="noStrike" kern="0" cap="none" spc="0" normalizeH="0" baseline="0" noProof="0" dirty="0">
+                  <a:ln>
+                    <a:noFill/>
+                  </a:ln>
+                  <a:solidFill>
+                    <a:sysClr val="windowText" lastClr="000000"/>
+                  </a:solidFill>
+                  <a:effectLst/>
+                  <a:uLnTx/>
+                  <a:uFillTx/>
+                </a:endParaRPr>
+              </a:p>
+            </p:txBody>
+          </p:sp>
+          <p:sp>
+            <p:nvSpPr>
+              <p:cNvPr id="74" name="TextBox 73"/>
+              <p:cNvSpPr txBox="1"/>
+              <p:nvPr/>
+            </p:nvSpPr>
+            <p:spPr>
+              <a:xfrm>
+                <a:off x="6575952" y="5271994"/>
+                <a:ext cx="1088497" cy="369331"/>
+              </a:xfrm>
+              <a:prstGeom prst="rect">
+                <a:avLst/>
+              </a:prstGeom>
+              <a:noFill/>
+            </p:spPr>
+            <p:txBody>
+              <a:bodyPr wrap="none" rtlCol="0">
+                <a:spAutoFit/>
+              </a:bodyPr>
+              <a:lstStyle/>
+              <a:p>
+                <a:pPr marL="0" marR="0" lvl="0" indent="0" defTabSz="914400" eaLnBrk="1" fontAlgn="auto" latinLnBrk="0" hangingPunct="1">
+                  <a:lnSpc>
+                    <a:spcPct val="100000"/>
+                  </a:lnSpc>
+                  <a:spcBef>
+                    <a:spcPts val="0"/>
+                  </a:spcBef>
+                  <a:spcAft>
+                    <a:spcPts val="0"/>
+                  </a:spcAft>
+                  <a:buClrTx/>
+                  <a:buSzTx/>
+                  <a:buFontTx/>
+                  <a:buNone/>
+                  <a:tabLst/>
+                  <a:defRPr/>
+                </a:pPr>
+                <a:r>
+                  <a:rPr kumimoji="0" lang="en-US" sz="1800" b="0" i="0" u="none" strike="noStrike" kern="0" cap="none" spc="0" normalizeH="0" baseline="0" noProof="0" dirty="0" smtClean="0">
+                    <a:ln>
+                      <a:noFill/>
+                    </a:ln>
+                    <a:solidFill>
+                      <a:sysClr val="windowText" lastClr="000000"/>
+                    </a:solidFill>
+                    <a:effectLst/>
+                    <a:uLnTx/>
+                    <a:uFillTx/>
+                  </a:rPr>
+                  <a:t>After (I-1)</a:t>
+                </a:r>
+                <a:endParaRPr kumimoji="0" lang="en-US" sz="1800" b="0" i="0" u="none" strike="noStrike" kern="0" cap="none" spc="0" normalizeH="0" baseline="0" noProof="0" dirty="0">
+                  <a:ln>
+                    <a:noFill/>
+                  </a:ln>
+                  <a:solidFill>
+                    <a:sysClr val="windowText" lastClr="000000"/>
+                  </a:solidFill>
+                  <a:effectLst/>
+                  <a:uLnTx/>
+                  <a:uFillTx/>
+                </a:endParaRPr>
+              </a:p>
+            </p:txBody>
+          </p:sp>
+          <p:cxnSp>
+            <p:nvCxnSpPr>
+              <p:cNvPr id="75" name="Elbow Connector 74"/>
+              <p:cNvCxnSpPr>
+                <a:stCxn id="70" idx="0"/>
+                <a:endCxn id="92" idx="2"/>
+              </p:cNvCxnSpPr>
+              <p:nvPr/>
+            </p:nvCxnSpPr>
+            <p:spPr>
+              <a:xfrm rot="16200000" flipH="1" flipV="1">
+                <a:off x="2737166" y="3466991"/>
+                <a:ext cx="4903123" cy="616"/>
+              </a:xfrm>
+              <a:prstGeom prst="bentConnector5">
+                <a:avLst>
+                  <a:gd name="adj1" fmla="val -5990"/>
+                  <a:gd name="adj2" fmla="val -219365329"/>
+                  <a:gd name="adj3" fmla="val 105990"/>
+                </a:avLst>
+              </a:prstGeom>
+              <a:noFill/>
+              <a:ln w="25400" cap="flat" cmpd="sng" algn="ctr">
+                <a:solidFill>
+                  <a:srgbClr val="4F81BD"/>
+                </a:solidFill>
+                <a:prstDash val="solid"/>
+                <a:tailEnd type="arrow"/>
+              </a:ln>
+              <a:effectLst>
+                <a:outerShdw blurRad="40000" dist="20000" dir="5400000" rotWithShape="0">
+                  <a:srgbClr val="000000">
+                    <a:alpha val="38000"/>
+                  </a:srgbClr>
+                </a:outerShdw>
+              </a:effectLst>
+            </p:spPr>
+          </p:cxnSp>
+          <p:sp>
+            <p:nvSpPr>
+              <p:cNvPr id="76" name="TextBox 75"/>
+              <p:cNvSpPr txBox="1"/>
+              <p:nvPr/>
+            </p:nvSpPr>
+            <p:spPr>
+              <a:xfrm>
+                <a:off x="6603769" y="3048001"/>
+                <a:ext cx="1131890" cy="646331"/>
+              </a:xfrm>
+              <a:prstGeom prst="rect">
+                <a:avLst/>
+              </a:prstGeom>
+              <a:noFill/>
+            </p:spPr>
+            <p:txBody>
+              <a:bodyPr wrap="none" rtlCol="0">
+                <a:spAutoFit/>
+              </a:bodyPr>
+              <a:lstStyle/>
+              <a:p>
+                <a:pPr marL="0" marR="0" lvl="0" indent="0" defTabSz="914400" eaLnBrk="1" fontAlgn="auto" latinLnBrk="0" hangingPunct="1">
+                  <a:lnSpc>
+                    <a:spcPct val="100000"/>
+                  </a:lnSpc>
+                  <a:spcBef>
+                    <a:spcPts val="0"/>
+                  </a:spcBef>
+                  <a:spcAft>
+                    <a:spcPts val="0"/>
+                  </a:spcAft>
+                  <a:buClrTx/>
+                  <a:buSzTx/>
+                  <a:buFontTx/>
+                  <a:buNone/>
+                  <a:tabLst/>
+                  <a:defRPr/>
+                </a:pPr>
+                <a:r>
+                  <a:rPr kumimoji="0" lang="en-US" sz="1800" b="0" i="0" u="none" strike="noStrike" kern="0" cap="none" spc="0" normalizeH="0" baseline="0" noProof="0" dirty="0" smtClean="0">
+                    <a:ln>
+                      <a:noFill/>
+                    </a:ln>
+                    <a:solidFill>
+                      <a:sysClr val="windowText" lastClr="000000"/>
+                    </a:solidFill>
+                    <a:effectLst/>
+                    <a:uLnTx/>
+                    <a:uFillTx/>
+                  </a:rPr>
+                  <a:t>Loop</a:t>
+                </a:r>
+              </a:p>
+              <a:p>
+                <a:pPr marL="0" marR="0" lvl="0" indent="0" defTabSz="914400" eaLnBrk="1" fontAlgn="auto" latinLnBrk="0" hangingPunct="1">
+                  <a:lnSpc>
+                    <a:spcPct val="100000"/>
+                  </a:lnSpc>
+                  <a:spcBef>
+                    <a:spcPts val="0"/>
+                  </a:spcBef>
+                  <a:spcAft>
+                    <a:spcPts val="0"/>
+                  </a:spcAft>
+                  <a:buClrTx/>
+                  <a:buSzTx/>
+                  <a:buFontTx/>
+                  <a:buNone/>
+                  <a:tabLst/>
+                  <a:defRPr/>
+                </a:pPr>
+                <a:r>
+                  <a:rPr kumimoji="0" lang="en-US" sz="1800" b="0" i="0" u="none" strike="noStrike" kern="0" cap="none" spc="0" normalizeH="0" baseline="0" noProof="0" dirty="0" smtClean="0">
+                    <a:ln>
+                      <a:noFill/>
+                    </a:ln>
+                    <a:solidFill>
+                      <a:sysClr val="windowText" lastClr="000000"/>
+                    </a:solidFill>
+                    <a:effectLst/>
+                    <a:uLnTx/>
+                    <a:uFillTx/>
+                  </a:rPr>
+                  <a:t>(I = 2 … N)</a:t>
+                </a:r>
+                <a:endParaRPr kumimoji="0" lang="en-US" sz="1800" b="0" i="0" u="none" strike="noStrike" kern="0" cap="none" spc="0" normalizeH="0" baseline="0" noProof="0" dirty="0">
+                  <a:ln>
+                    <a:noFill/>
+                  </a:ln>
+                  <a:solidFill>
+                    <a:sysClr val="windowText" lastClr="000000"/>
+                  </a:solidFill>
+                  <a:effectLst/>
+                  <a:uLnTx/>
+                  <a:uFillTx/>
+                </a:endParaRPr>
+              </a:p>
+            </p:txBody>
+          </p:sp>
+          <p:cxnSp>
+            <p:nvCxnSpPr>
+              <p:cNvPr id="77" name="Straight Arrow Connector 76"/>
+              <p:cNvCxnSpPr>
+                <a:endCxn id="70" idx="0"/>
+              </p:cNvCxnSpPr>
+              <p:nvPr/>
+            </p:nvCxnSpPr>
+            <p:spPr>
+              <a:xfrm>
+                <a:off x="5189034" y="61927"/>
+                <a:ext cx="1" cy="953811"/>
+              </a:xfrm>
+              <a:prstGeom prst="straightConnector1">
+                <a:avLst/>
+              </a:prstGeom>
+              <a:noFill/>
+              <a:ln w="25400" cap="flat" cmpd="sng" algn="ctr">
+                <a:solidFill>
+                  <a:srgbClr val="4F81BD"/>
+                </a:solidFill>
+                <a:prstDash val="solid"/>
+                <a:tailEnd type="arrow"/>
+              </a:ln>
+              <a:effectLst>
+                <a:outerShdw blurRad="40000" dist="20000" dir="5400000" rotWithShape="0">
+                  <a:srgbClr val="000000">
+                    <a:alpha val="38000"/>
+                  </a:srgbClr>
+                </a:outerShdw>
+              </a:effectLst>
+            </p:spPr>
+          </p:cxnSp>
+          <p:cxnSp>
+            <p:nvCxnSpPr>
+              <p:cNvPr id="78" name="Straight Arrow Connector 77"/>
+              <p:cNvCxnSpPr>
+                <a:stCxn id="70" idx="2"/>
+                <a:endCxn id="69" idx="0"/>
+              </p:cNvCxnSpPr>
+              <p:nvPr/>
+            </p:nvCxnSpPr>
+            <p:spPr>
+              <a:xfrm>
+                <a:off x="5189035" y="2566867"/>
+                <a:ext cx="0" cy="214918"/>
+              </a:xfrm>
+              <a:prstGeom prst="straightConnector1">
+                <a:avLst/>
+              </a:prstGeom>
+              <a:noFill/>
+              <a:ln w="25400" cap="flat" cmpd="sng" algn="ctr">
+                <a:solidFill>
+                  <a:srgbClr val="4F81BD"/>
+                </a:solidFill>
+                <a:prstDash val="solid"/>
+                <a:tailEnd type="arrow"/>
+              </a:ln>
+              <a:effectLst>
+                <a:outerShdw blurRad="40000" dist="20000" dir="5400000" rotWithShape="0">
+                  <a:srgbClr val="000000">
+                    <a:alpha val="38000"/>
+                  </a:srgbClr>
+                </a:outerShdw>
+              </a:effectLst>
+            </p:spPr>
+          </p:cxnSp>
+          <p:cxnSp>
+            <p:nvCxnSpPr>
+              <p:cNvPr id="79" name="Straight Arrow Connector 78"/>
+              <p:cNvCxnSpPr>
+                <a:stCxn id="69" idx="2"/>
+                <a:endCxn id="68" idx="0"/>
+              </p:cNvCxnSpPr>
+              <p:nvPr/>
+            </p:nvCxnSpPr>
+            <p:spPr>
+              <a:xfrm>
+                <a:off x="5189034" y="3357849"/>
+                <a:ext cx="0" cy="212797"/>
+              </a:xfrm>
+              <a:prstGeom prst="straightConnector1">
+                <a:avLst/>
+              </a:prstGeom>
+              <a:noFill/>
+              <a:ln w="25400" cap="flat" cmpd="sng" algn="ctr">
+                <a:solidFill>
+                  <a:srgbClr val="4F81BD"/>
+                </a:solidFill>
+                <a:prstDash val="solid"/>
+                <a:tailEnd type="arrow"/>
+              </a:ln>
+              <a:effectLst>
+                <a:outerShdw blurRad="40000" dist="20000" dir="5400000" rotWithShape="0">
+                  <a:srgbClr val="000000">
+                    <a:alpha val="38000"/>
+                  </a:srgbClr>
+                </a:outerShdw>
+              </a:effectLst>
+            </p:spPr>
+          </p:cxnSp>
+          <p:cxnSp>
+            <p:nvCxnSpPr>
+              <p:cNvPr id="80" name="Straight Arrow Connector 79"/>
+              <p:cNvCxnSpPr>
+                <a:stCxn id="68" idx="2"/>
+                <a:endCxn id="92" idx="0"/>
+              </p:cNvCxnSpPr>
+              <p:nvPr/>
+            </p:nvCxnSpPr>
+            <p:spPr>
+              <a:xfrm flipH="1">
+                <a:off x="5188419" y="4146710"/>
+                <a:ext cx="616" cy="282240"/>
+              </a:xfrm>
+              <a:prstGeom prst="straightConnector1">
+                <a:avLst/>
+              </a:prstGeom>
+              <a:noFill/>
+              <a:ln w="25400" cap="flat" cmpd="sng" algn="ctr">
+                <a:solidFill>
+                  <a:srgbClr val="4F81BD"/>
+                </a:solidFill>
+                <a:prstDash val="solid"/>
+                <a:tailEnd type="arrow"/>
+              </a:ln>
+              <a:effectLst>
+                <a:outerShdw blurRad="40000" dist="20000" dir="5400000" rotWithShape="0">
+                  <a:srgbClr val="000000">
+                    <a:alpha val="38000"/>
+                  </a:srgbClr>
+                </a:outerShdw>
+              </a:effectLst>
+            </p:spPr>
+          </p:cxnSp>
+          <p:cxnSp>
+            <p:nvCxnSpPr>
+              <p:cNvPr id="81" name="Straight Arrow Connector 80"/>
+              <p:cNvCxnSpPr>
+                <a:stCxn id="92" idx="2"/>
+              </p:cNvCxnSpPr>
+              <p:nvPr/>
+            </p:nvCxnSpPr>
+            <p:spPr>
+              <a:xfrm>
+                <a:off x="5188419" y="5918861"/>
+                <a:ext cx="3312" cy="984877"/>
+              </a:xfrm>
+              <a:prstGeom prst="straightConnector1">
+                <a:avLst/>
+              </a:prstGeom>
+              <a:noFill/>
+              <a:ln w="25400" cap="flat" cmpd="sng" algn="ctr">
+                <a:solidFill>
+                  <a:srgbClr val="4F81BD"/>
+                </a:solidFill>
+                <a:prstDash val="solid"/>
+                <a:tailEnd type="arrow"/>
+              </a:ln>
+              <a:effectLst>
+                <a:outerShdw blurRad="40000" dist="20000" dir="5400000" rotWithShape="0">
+                  <a:srgbClr val="000000">
+                    <a:alpha val="38000"/>
+                  </a:srgbClr>
+                </a:outerShdw>
+              </a:effectLst>
+            </p:spPr>
+          </p:cxnSp>
+          <p:sp>
+            <p:nvSpPr>
+              <p:cNvPr id="82" name="TextBox 81"/>
+              <p:cNvSpPr txBox="1"/>
+              <p:nvPr/>
+            </p:nvSpPr>
+            <p:spPr>
+              <a:xfrm>
+                <a:off x="4737110" y="-1891"/>
+                <a:ext cx="344039" cy="369332"/>
+              </a:xfrm>
+              <a:prstGeom prst="rect">
+                <a:avLst/>
+              </a:prstGeom>
+              <a:noFill/>
+            </p:spPr>
+            <p:txBody>
+              <a:bodyPr wrap="none" rtlCol="0">
+                <a:spAutoFit/>
+              </a:bodyPr>
+              <a:lstStyle/>
+              <a:p>
+                <a:pPr marL="0" marR="0" lvl="0" indent="0" defTabSz="914400" eaLnBrk="1" fontAlgn="auto" latinLnBrk="0" hangingPunct="1">
+                  <a:lnSpc>
+                    <a:spcPct val="100000"/>
+                  </a:lnSpc>
+                  <a:spcBef>
+                    <a:spcPts val="0"/>
+                  </a:spcBef>
+                  <a:spcAft>
+                    <a:spcPts val="0"/>
+                  </a:spcAft>
+                  <a:buClrTx/>
+                  <a:buSzTx/>
+                  <a:buFontTx/>
+                  <a:buNone/>
+                  <a:tabLst/>
+                  <a:defRPr/>
+                </a:pPr>
+                <a:r>
+                  <a:rPr kumimoji="0" lang="en-US" sz="1800" b="0" i="0" u="none" strike="noStrike" kern="0" cap="none" spc="0" normalizeH="0" baseline="0" noProof="0" dirty="0" smtClean="0">
+                    <a:ln>
+                      <a:noFill/>
+                    </a:ln>
+                    <a:solidFill>
+                      <a:sysClr val="windowText" lastClr="000000"/>
+                    </a:solidFill>
+                    <a:effectLst/>
+                    <a:uLnTx/>
+                    <a:uFillTx/>
+                  </a:rPr>
+                  <a:t>…</a:t>
+                </a:r>
+                <a:endParaRPr kumimoji="0" lang="en-US" sz="1800" b="0" i="0" u="none" strike="noStrike" kern="0" cap="none" spc="0" normalizeH="0" baseline="0" noProof="0" dirty="0">
+                  <a:ln>
+                    <a:noFill/>
+                  </a:ln>
+                  <a:solidFill>
+                    <a:sysClr val="windowText" lastClr="000000"/>
+                  </a:solidFill>
+                  <a:effectLst/>
+                  <a:uLnTx/>
+                  <a:uFillTx/>
+                </a:endParaRPr>
+              </a:p>
+            </p:txBody>
+          </p:sp>
+          <p:sp>
+            <p:nvSpPr>
+              <p:cNvPr id="83" name="TextBox 82"/>
+              <p:cNvSpPr txBox="1"/>
+              <p:nvPr/>
+            </p:nvSpPr>
+            <p:spPr>
+              <a:xfrm>
+                <a:off x="4672830" y="6534406"/>
+                <a:ext cx="344039" cy="369332"/>
+              </a:xfrm>
+              <a:prstGeom prst="rect">
+                <a:avLst/>
+              </a:prstGeom>
+              <a:noFill/>
+            </p:spPr>
+            <p:txBody>
+              <a:bodyPr wrap="none" rtlCol="0">
+                <a:spAutoFit/>
+              </a:bodyPr>
+              <a:lstStyle/>
+              <a:p>
+                <a:pPr marL="0" marR="0" lvl="0" indent="0" defTabSz="914400" eaLnBrk="1" fontAlgn="auto" latinLnBrk="0" hangingPunct="1">
+                  <a:lnSpc>
+                    <a:spcPct val="100000"/>
+                  </a:lnSpc>
+                  <a:spcBef>
+                    <a:spcPts val="0"/>
+                  </a:spcBef>
+                  <a:spcAft>
+                    <a:spcPts val="0"/>
+                  </a:spcAft>
+                  <a:buClrTx/>
+                  <a:buSzTx/>
+                  <a:buFontTx/>
+                  <a:buNone/>
+                  <a:tabLst/>
+                  <a:defRPr/>
+                </a:pPr>
+                <a:r>
+                  <a:rPr kumimoji="0" lang="en-US" sz="1800" b="0" i="0" u="none" strike="noStrike" kern="0" cap="none" spc="0" normalizeH="0" baseline="0" noProof="0" dirty="0" smtClean="0">
+                    <a:ln>
+                      <a:noFill/>
+                    </a:ln>
+                    <a:solidFill>
+                      <a:sysClr val="windowText" lastClr="000000"/>
+                    </a:solidFill>
+                    <a:effectLst/>
+                    <a:uLnTx/>
+                    <a:uFillTx/>
+                  </a:rPr>
+                  <a:t>…</a:t>
+                </a:r>
+                <a:endParaRPr kumimoji="0" lang="en-US" sz="1800" b="0" i="0" u="none" strike="noStrike" kern="0" cap="none" spc="0" normalizeH="0" baseline="0" noProof="0" dirty="0">
+                  <a:ln>
+                    <a:noFill/>
+                  </a:ln>
+                  <a:solidFill>
+                    <a:sysClr val="windowText" lastClr="000000"/>
+                  </a:solidFill>
+                  <a:effectLst/>
+                  <a:uLnTx/>
+                  <a:uFillTx/>
+                </a:endParaRPr>
+              </a:p>
+            </p:txBody>
+          </p:sp>
+          <p:sp>
+            <p:nvSpPr>
+              <p:cNvPr id="86" name="Rectangle 85"/>
+              <p:cNvSpPr/>
+              <p:nvPr/>
+            </p:nvSpPr>
+            <p:spPr>
+              <a:xfrm>
+                <a:off x="4396141" y="1610568"/>
+                <a:ext cx="1582627" cy="502810"/>
+              </a:xfrm>
+              <a:prstGeom prst="rect">
+                <a:avLst/>
+              </a:prstGeom>
+              <a:noFill/>
+              <a:ln w="25400" cap="flat" cmpd="sng" algn="ctr">
+                <a:solidFill>
+                  <a:srgbClr val="4F81BD"/>
+                </a:solidFill>
+                <a:prstDash val="solid"/>
+              </a:ln>
+              <a:effectLst/>
+            </p:spPr>
+            <p:txBody>
+              <a:bodyPr rtlCol="0" anchor="ctr"/>
+              <a:lstStyle/>
+              <a:p>
+                <a:pPr marL="0" marR="0" lvl="0" indent="0" algn="ctr" defTabSz="914400" eaLnBrk="1" fontAlgn="auto" latinLnBrk="0" hangingPunct="1">
+                  <a:lnSpc>
+                    <a:spcPct val="100000"/>
+                  </a:lnSpc>
+                  <a:spcBef>
+                    <a:spcPts val="0"/>
+                  </a:spcBef>
+                  <a:spcAft>
+                    <a:spcPts val="0"/>
+                  </a:spcAft>
+                  <a:buClrTx/>
+                  <a:buSzTx/>
+                  <a:buFontTx/>
+                  <a:buNone/>
+                  <a:tabLst/>
+                  <a:defRPr/>
+                </a:pPr>
+                <a:r>
+                  <a:rPr kumimoji="0" lang="en-US" sz="1800" b="0" i="0" u="none" strike="noStrike" kern="0" cap="none" spc="0" normalizeH="0" baseline="0" noProof="0" dirty="0" smtClean="0">
+                    <a:ln>
+                      <a:noFill/>
+                    </a:ln>
+                    <a:solidFill>
+                      <a:sysClr val="windowText" lastClr="000000"/>
+                    </a:solidFill>
+                    <a:effectLst/>
+                    <a:uLnTx/>
+                    <a:uFillTx/>
+                    <a:latin typeface="Calibri"/>
+                    <a:ea typeface="+mn-ea"/>
+                    <a:cs typeface="+mn-cs"/>
+                  </a:rPr>
+                  <a:t>Computation</a:t>
+                </a:r>
+                <a:endParaRPr kumimoji="0" lang="en-US" sz="1800" b="0" i="0" u="none" strike="noStrike" kern="0" cap="none" spc="0" normalizeH="0" baseline="0" noProof="0" dirty="0">
+                  <a:ln>
+                    <a:noFill/>
+                  </a:ln>
+                  <a:solidFill>
+                    <a:sysClr val="windowText" lastClr="000000"/>
+                  </a:solidFill>
+                  <a:effectLst/>
+                  <a:uLnTx/>
+                  <a:uFillTx/>
+                  <a:latin typeface="Calibri"/>
+                  <a:ea typeface="+mn-ea"/>
+                  <a:cs typeface="+mn-cs"/>
+                </a:endParaRPr>
+              </a:p>
+            </p:txBody>
+          </p:sp>
+          <p:cxnSp>
+            <p:nvCxnSpPr>
+              <p:cNvPr id="89" name="Elbow Connector 88"/>
+              <p:cNvCxnSpPr>
+                <a:stCxn id="90" idx="0"/>
+                <a:endCxn id="90" idx="2"/>
+              </p:cNvCxnSpPr>
+              <p:nvPr/>
+            </p:nvCxnSpPr>
+            <p:spPr>
+              <a:xfrm rot="16200000" flipH="1">
+                <a:off x="4951684" y="5154515"/>
+                <a:ext cx="502810" cy="12559"/>
+              </a:xfrm>
+              <a:prstGeom prst="bentConnector5">
+                <a:avLst>
+                  <a:gd name="adj1" fmla="val -58410"/>
+                  <a:gd name="adj2" fmla="val 8100685"/>
+                  <a:gd name="adj3" fmla="val 158410"/>
+                </a:avLst>
+              </a:prstGeom>
+              <a:noFill/>
+              <a:ln w="25400" cap="flat" cmpd="sng" algn="ctr">
+                <a:solidFill>
+                  <a:srgbClr val="4F81BD"/>
+                </a:solidFill>
+                <a:prstDash val="dash"/>
+                <a:tailEnd type="arrow"/>
+              </a:ln>
+              <a:effectLst>
+                <a:outerShdw blurRad="40000" dist="20000" dir="5400000" rotWithShape="0">
+                  <a:srgbClr val="000000">
+                    <a:alpha val="38000"/>
+                  </a:srgbClr>
+                </a:outerShdw>
+              </a:effectLst>
+            </p:spPr>
+          </p:cxnSp>
+          <p:sp>
+            <p:nvSpPr>
+              <p:cNvPr id="90" name="Rectangle 89"/>
+              <p:cNvSpPr/>
+              <p:nvPr/>
+            </p:nvSpPr>
+            <p:spPr>
+              <a:xfrm>
+                <a:off x="4411775" y="4901232"/>
+                <a:ext cx="1582627" cy="502810"/>
+              </a:xfrm>
+              <a:prstGeom prst="rect">
+                <a:avLst/>
+              </a:prstGeom>
+              <a:noFill/>
+              <a:ln w="25400" cap="flat" cmpd="sng" algn="ctr">
+                <a:solidFill>
+                  <a:srgbClr val="4F81BD"/>
+                </a:solidFill>
+                <a:prstDash val="solid"/>
+              </a:ln>
+              <a:effectLst/>
+            </p:spPr>
+            <p:txBody>
+              <a:bodyPr rtlCol="0" anchor="ctr"/>
+              <a:lstStyle/>
+              <a:p>
+                <a:pPr marL="0" marR="0" lvl="0" indent="0" algn="ctr" defTabSz="914400" eaLnBrk="1" fontAlgn="auto" latinLnBrk="0" hangingPunct="1">
+                  <a:lnSpc>
+                    <a:spcPct val="100000"/>
+                  </a:lnSpc>
+                  <a:spcBef>
+                    <a:spcPts val="0"/>
+                  </a:spcBef>
+                  <a:spcAft>
+                    <a:spcPts val="0"/>
+                  </a:spcAft>
+                  <a:buClrTx/>
+                  <a:buSzTx/>
+                  <a:buFontTx/>
+                  <a:buNone/>
+                  <a:tabLst/>
+                  <a:defRPr/>
+                </a:pPr>
+                <a:r>
+                  <a:rPr kumimoji="0" lang="en-US" sz="1800" b="0" i="0" u="none" strike="noStrike" kern="0" cap="none" spc="0" normalizeH="0" baseline="0" noProof="0" dirty="0" smtClean="0">
+                    <a:ln>
+                      <a:noFill/>
+                    </a:ln>
+                    <a:solidFill>
+                      <a:sysClr val="windowText" lastClr="000000"/>
+                    </a:solidFill>
+                    <a:effectLst/>
+                    <a:uLnTx/>
+                    <a:uFillTx/>
+                    <a:latin typeface="Calibri"/>
+                    <a:ea typeface="+mn-ea"/>
+                    <a:cs typeface="+mn-cs"/>
+                  </a:rPr>
+                  <a:t>Computation</a:t>
+                </a:r>
+                <a:endParaRPr kumimoji="0" lang="en-US" sz="1800" b="0" i="0" u="none" strike="noStrike" kern="0" cap="none" spc="0" normalizeH="0" baseline="0" noProof="0" dirty="0">
+                  <a:ln>
+                    <a:noFill/>
+                  </a:ln>
+                  <a:solidFill>
+                    <a:sysClr val="windowText" lastClr="000000"/>
+                  </a:solidFill>
+                  <a:effectLst/>
+                  <a:uLnTx/>
+                  <a:uFillTx/>
+                  <a:latin typeface="Calibri"/>
+                  <a:ea typeface="+mn-ea"/>
+                  <a:cs typeface="+mn-cs"/>
+                </a:endParaRPr>
+              </a:p>
+            </p:txBody>
+          </p:sp>
+          <p:sp>
+            <p:nvSpPr>
+              <p:cNvPr id="92" name="Rectangle 91"/>
+              <p:cNvSpPr/>
+              <p:nvPr/>
+            </p:nvSpPr>
+            <p:spPr>
+              <a:xfrm>
+                <a:off x="4043232" y="4428950"/>
+                <a:ext cx="2290374" cy="1489911"/>
+              </a:xfrm>
+              <a:prstGeom prst="rect">
+                <a:avLst/>
+              </a:prstGeom>
+              <a:noFill/>
+              <a:ln w="25400" cap="flat" cmpd="sng" algn="ctr">
+                <a:solidFill>
+                  <a:srgbClr val="4BACC6"/>
+                </a:solidFill>
+                <a:prstDash val="solid"/>
+              </a:ln>
+              <a:effectLst/>
+            </p:spPr>
+            <p:txBody>
+              <a:bodyPr rtlCol="0" anchor="ctr"/>
+              <a:lstStyle/>
+              <a:p>
+                <a:pPr marL="0" marR="0" lvl="0" indent="0" algn="ctr" defTabSz="914400" eaLnBrk="1" fontAlgn="auto" latinLnBrk="0" hangingPunct="1">
+                  <a:lnSpc>
+                    <a:spcPct val="100000"/>
+                  </a:lnSpc>
+                  <a:spcBef>
+                    <a:spcPts val="0"/>
+                  </a:spcBef>
+                  <a:spcAft>
+                    <a:spcPts val="0"/>
+                  </a:spcAft>
+                  <a:buClrTx/>
+                  <a:buSzTx/>
+                  <a:buFontTx/>
+                  <a:buNone/>
+                  <a:tabLst/>
+                  <a:defRPr/>
+                </a:pPr>
+                <a:endParaRPr kumimoji="0" lang="en-US" sz="1800" b="0" i="0" u="none" strike="noStrike" kern="0" cap="none" spc="0" normalizeH="0" baseline="0" noProof="0" dirty="0">
+                  <a:ln>
+                    <a:noFill/>
+                  </a:ln>
+                  <a:solidFill>
+                    <a:sysClr val="windowText" lastClr="000000"/>
+                  </a:solidFill>
+                  <a:effectLst/>
+                  <a:uLnTx/>
+                  <a:uFillTx/>
+                  <a:latin typeface="Calibri"/>
+                  <a:ea typeface="+mn-ea"/>
+                  <a:cs typeface="+mn-cs"/>
+                </a:endParaRPr>
+              </a:p>
+            </p:txBody>
+          </p:sp>
+        </p:grpSp>
+        <p:sp>
+          <p:nvSpPr>
+            <p:cNvPr id="66" name="TextBox 65"/>
+            <p:cNvSpPr txBox="1"/>
+            <p:nvPr/>
+          </p:nvSpPr>
+          <p:spPr>
+            <a:xfrm>
+              <a:off x="4454769" y="4415696"/>
+              <a:ext cx="646443" cy="369332"/>
+            </a:xfrm>
+            <a:prstGeom prst="rect">
+              <a:avLst/>
+            </a:prstGeom>
+            <a:noFill/>
+          </p:spPr>
+          <p:txBody>
+            <a:bodyPr wrap="none" rtlCol="0">
+              <a:spAutoFit/>
+            </a:bodyPr>
+            <a:lstStyle/>
+            <a:p>
+              <a:pPr marL="0" marR="0" lvl="0" indent="0" defTabSz="914400" eaLnBrk="1" fontAlgn="auto" latinLnBrk="0" hangingPunct="1">
+                <a:lnSpc>
+                  <a:spcPct val="100000"/>
+                </a:lnSpc>
+                <a:spcBef>
+                  <a:spcPts val="0"/>
+                </a:spcBef>
+                <a:spcAft>
+                  <a:spcPts val="0"/>
+                </a:spcAft>
+                <a:buClrTx/>
+                <a:buSzTx/>
+                <a:buFontTx/>
+                <a:buNone/>
+                <a:tabLst/>
+                <a:defRPr/>
+              </a:pPr>
+              <a:r>
+                <a:rPr kumimoji="0" lang="en-US" sz="1800" b="0" i="0" u="none" strike="noStrike" kern="0" cap="none" spc="0" normalizeH="0" baseline="0" noProof="0" dirty="0" smtClean="0">
+                  <a:ln>
+                    <a:noFill/>
+                  </a:ln>
+                  <a:solidFill>
+                    <a:sysClr val="windowText" lastClr="000000"/>
+                  </a:solidFill>
+                  <a:effectLst/>
+                  <a:uLnTx/>
+                  <a:uFillTx/>
+                </a:rPr>
+                <a:t>Loop</a:t>
+              </a:r>
+              <a:endParaRPr kumimoji="0" lang="en-US" sz="1800" b="0" i="0" u="none" strike="noStrike" kern="0" cap="none" spc="0" normalizeH="0" baseline="0" noProof="0" dirty="0">
+                <a:ln>
+                  <a:noFill/>
+                </a:ln>
+                <a:solidFill>
+                  <a:sysClr val="windowText" lastClr="000000"/>
+                </a:solidFill>
+                <a:effectLst/>
+                <a:uLnTx/>
+                <a:uFillTx/>
+              </a:endParaRPr>
+            </a:p>
+          </p:txBody>
+        </p:sp>
+        <p:sp>
+          <p:nvSpPr>
+            <p:cNvPr id="67" name="TextBox 66"/>
+            <p:cNvSpPr txBox="1"/>
+            <p:nvPr/>
+          </p:nvSpPr>
+          <p:spPr>
+            <a:xfrm>
+              <a:off x="4506261" y="1108966"/>
+              <a:ext cx="646443" cy="369331"/>
+            </a:xfrm>
+            <a:prstGeom prst="rect">
+              <a:avLst/>
+            </a:prstGeom>
+            <a:noFill/>
+          </p:spPr>
+          <p:txBody>
+            <a:bodyPr wrap="none" rtlCol="0">
+              <a:spAutoFit/>
+            </a:bodyPr>
+            <a:lstStyle/>
+            <a:p>
+              <a:pPr marL="0" marR="0" lvl="0" indent="0" defTabSz="914400" eaLnBrk="1" fontAlgn="auto" latinLnBrk="0" hangingPunct="1">
+                <a:lnSpc>
+                  <a:spcPct val="100000"/>
+                </a:lnSpc>
+                <a:spcBef>
+                  <a:spcPts val="0"/>
+                </a:spcBef>
+                <a:spcAft>
+                  <a:spcPts val="0"/>
+                </a:spcAft>
+                <a:buClrTx/>
+                <a:buSzTx/>
+                <a:buFontTx/>
+                <a:buNone/>
+                <a:tabLst/>
+                <a:defRPr/>
+              </a:pPr>
+              <a:r>
+                <a:rPr kumimoji="0" lang="en-US" sz="1800" b="0" i="0" u="none" strike="noStrike" kern="0" cap="none" spc="0" normalizeH="0" baseline="0" noProof="0" dirty="0" smtClean="0">
+                  <a:ln>
+                    <a:noFill/>
+                  </a:ln>
+                  <a:solidFill>
+                    <a:sysClr val="windowText" lastClr="000000"/>
+                  </a:solidFill>
+                  <a:effectLst/>
+                  <a:uLnTx/>
+                  <a:uFillTx/>
+                </a:rPr>
+                <a:t>Loop</a:t>
+              </a:r>
+              <a:endParaRPr kumimoji="0" lang="en-US" sz="1800" b="0" i="0" u="none" strike="noStrike" kern="0" cap="none" spc="0" normalizeH="0" baseline="0" noProof="0" dirty="0">
+                <a:ln>
+                  <a:noFill/>
+                </a:ln>
+                <a:solidFill>
+                  <a:sysClr val="windowText" lastClr="000000"/>
+                </a:solidFill>
+                <a:effectLst/>
+                <a:uLnTx/>
+                <a:uFillTx/>
+              </a:endParaRPr>
+            </a:p>
+          </p:txBody>
+        </p:sp>
+      </p:grpSp>
     </p:spTree>
     <p:extLst>
       <p:ext uri="{BB962C8B-B14F-4D97-AF65-F5344CB8AC3E}">
-        <p14:creationId xmlns:p14="http://schemas.microsoft.com/office/powerpoint/2010/main" val="3190434762"/>
+        <p14:creationId xmlns:p14="http://schemas.microsoft.com/office/powerpoint/2010/main" val="1549024392"/>
       </p:ext>
     </p:extLst>
   </p:cSld>
@@ -10759,8 +12127,12 @@
           <a:lstStyle/>
           <a:p>
             <a:r>
+              <a:rPr lang="en-US" dirty="0"/>
+              <a:t>Safety </a:t>
+            </a:r>
+            <a:r>
               <a:rPr lang="en-US" dirty="0" smtClean="0"/>
-              <a:t>Program transformation</a:t>
+              <a:t>analysis</a:t>
             </a:r>
             <a:endParaRPr lang="en-US" dirty="0"/>
           </a:p>
@@ -10778,49 +12150,128 @@
         </p:nvSpPr>
         <p:spPr>
           <a:xfrm>
-            <a:off x="467544" y="1196752"/>
-            <a:ext cx="7560839" cy="1944216"/>
+            <a:off x="498474" y="1484784"/>
+            <a:ext cx="7556313" cy="4641379"/>
           </a:xfrm>
         </p:spPr>
         <p:txBody>
-          <a:bodyPr/>
+          <a:bodyPr>
+            <a:normAutofit/>
+          </a:bodyPr>
           <a:lstStyle/>
           <a:p>
             <a:r>
               <a:rPr lang="en-US" dirty="0" smtClean="0"/>
-              <a:t>Outline and specialize function calls based on the location of the communication (</a:t>
-            </a:r>
-            <a:r>
-              <a:rPr lang="en-US" i="1" dirty="0" smtClean="0"/>
-              <a:t>Before(I)</a:t>
-            </a:r>
+              <a:t>Inline procedure calls inside the optimization target loop</a:t>
+            </a:r>
+            <a:endParaRPr lang="en-US" dirty="0"/>
+          </a:p>
+          <a:p>
             <a:r>
               <a:rPr lang="en-US" dirty="0" smtClean="0"/>
-              <a:t>, </a:t>
-            </a:r>
-            <a:r>
-              <a:rPr lang="en-US" i="1" dirty="0" smtClean="0"/>
-              <a:t>After(I), </a:t>
-            </a:r>
-            <a:r>
-              <a:rPr lang="en-US" i="1" dirty="0" err="1" smtClean="0"/>
-              <a:t>Comm</a:t>
-            </a:r>
-            <a:r>
-              <a:rPr lang="en-US" i="1" dirty="0" smtClean="0"/>
-              <a:t>(I)</a:t>
+              <a:t>Use operational developer annotations to </a:t>
             </a:r>
             <a:r>
               <a:rPr lang="en-US" dirty="0" smtClean="0"/>
-              <a:t>)</a:t>
-            </a:r>
-          </a:p>
-          <a:p>
+              <a:t>enhance </a:t>
+            </a:r>
             <a:r>
               <a:rPr lang="en-US" dirty="0" smtClean="0"/>
-              <a:t>Reorder communication and computation</a:t>
-            </a:r>
-            <a:endParaRPr lang="en-US" dirty="0"/>
+              <a:t>accuracy of dependence analysis</a:t>
+            </a:r>
+          </a:p>
+          <a:p>
+            <a:pPr lvl="1"/>
+            <a:r>
+              <a:rPr lang="en-US" sz="2000" dirty="0"/>
+              <a:t>Select branches </a:t>
+            </a:r>
+            <a:r>
+              <a:rPr lang="en-US" sz="2000" dirty="0" smtClean="0"/>
+              <a:t>taken at runtime</a:t>
+            </a:r>
+            <a:endParaRPr lang="en-US" sz="2000" dirty="0"/>
+          </a:p>
+          <a:p>
+            <a:pPr lvl="2"/>
+            <a:r>
+              <a:rPr lang="en-US" sz="2000" dirty="0"/>
+              <a:t>NAS FT: 0D, 1D, or 2D </a:t>
+            </a:r>
+            <a:r>
+              <a:rPr lang="en-US" sz="2000" dirty="0" smtClean="0"/>
+              <a:t>layout</a:t>
+            </a:r>
+            <a:r>
+              <a:rPr lang="en-US" sz="2000" dirty="0"/>
+              <a:t> </a:t>
+            </a:r>
+            <a:r>
+              <a:rPr lang="en-US" sz="2000" dirty="0" smtClean="0"/>
+              <a:t>is runtime-dependent</a:t>
+            </a:r>
+          </a:p>
+          <a:p>
+            <a:pPr lvl="1"/>
+            <a:r>
+              <a:rPr lang="en-US" sz="2000" dirty="0" smtClean="0"/>
+              <a:t>Express memory side effects for </a:t>
+            </a:r>
+            <a:r>
+              <a:rPr lang="en-US" sz="2000" dirty="0"/>
+              <a:t>MPI API </a:t>
+            </a:r>
+            <a:r>
+              <a:rPr lang="en-US" sz="2000" dirty="0" smtClean="0"/>
+              <a:t>through </a:t>
+            </a:r>
+            <a:r>
+              <a:rPr lang="en-US" sz="2000" dirty="0"/>
+              <a:t>array accesses </a:t>
+            </a:r>
+            <a:endParaRPr lang="en-US" sz="2000" dirty="0" smtClean="0"/>
+          </a:p>
+          <a:p>
+            <a:pPr lvl="2"/>
+            <a:r>
+              <a:rPr lang="en-US" sz="2000" dirty="0" smtClean="0"/>
+              <a:t>MPICH source code is encapsulated and hidden from compiler</a:t>
+            </a:r>
+            <a:endParaRPr lang="en-US" sz="2000" dirty="0"/>
+          </a:p>
+          <a:p>
+            <a:pPr lvl="1"/>
+            <a:r>
+              <a:rPr lang="en-US" sz="2000" dirty="0" smtClean="0"/>
+              <a:t>Normalize </a:t>
+            </a:r>
+            <a:r>
+              <a:rPr lang="en-US" sz="2000" dirty="0"/>
+              <a:t>array dimensions</a:t>
+            </a:r>
+          </a:p>
+          <a:p>
+            <a:pPr lvl="2"/>
+            <a:r>
+              <a:rPr lang="en-US" sz="2000" dirty="0" smtClean="0"/>
+              <a:t>Arrays used by computation </a:t>
+            </a:r>
+            <a:r>
+              <a:rPr lang="en-US" sz="2000" dirty="0"/>
+              <a:t>and </a:t>
+            </a:r>
+            <a:r>
+              <a:rPr lang="en-US" sz="2000" dirty="0" smtClean="0"/>
+              <a:t>communication could </a:t>
+            </a:r>
+            <a:r>
+              <a:rPr lang="en-US" sz="2000" dirty="0"/>
+              <a:t>have different </a:t>
+            </a:r>
+            <a:r>
+              <a:rPr lang="en-US" sz="2000" dirty="0" smtClean="0"/>
+              <a:t>dimensions</a:t>
+            </a:r>
           </a:p>
         </p:txBody>
       </p:sp>
@@ -10842,6 +12293,147 @@
             <a:fld id="{089A015A-1AD9-46F4-A47D-C723C7F63AFF}" type="slidenum">
               <a:rPr lang="en-US" smtClean="0"/>
               <a:t>11</a:t>
+            </a:fld>
+            <a:endParaRPr lang="en-US" dirty="0"/>
+          </a:p>
+        </p:txBody>
+      </p:sp>
+    </p:spTree>
+    <p:extLst>
+      <p:ext uri="{BB962C8B-B14F-4D97-AF65-F5344CB8AC3E}">
+        <p14:creationId xmlns:p14="http://schemas.microsoft.com/office/powerpoint/2010/main" val="3190434762"/>
+      </p:ext>
+    </p:extLst>
+  </p:cSld>
+  <p:clrMapOvr>
+    <a:masterClrMapping/>
+  </p:clrMapOvr>
+  <p:timing>
+    <p:tnLst>
+      <p:par>
+        <p:cTn xmlns:p14="http://schemas.microsoft.com/office/powerpoint/2010/main" id="1" dur="indefinite" restart="never" nodeType="tmRoot"/>
+      </p:par>
+    </p:tnLst>
+  </p:timing>
+</p:sld>
+</file>
+
+<file path=ppt/slides/slide12.xml><?xml version="1.0" encoding="utf-8"?>
+<p:sld xmlns:a="http://schemas.openxmlformats.org/drawingml/2006/main" xmlns:r="http://schemas.openxmlformats.org/officeDocument/2006/relationships" xmlns:p="http://schemas.openxmlformats.org/presentationml/2006/main">
+  <p:cSld>
+    <p:spTree>
+      <p:nvGrpSpPr>
+        <p:cNvPr id="1" name=""/>
+        <p:cNvGrpSpPr/>
+        <p:nvPr/>
+      </p:nvGrpSpPr>
+      <p:grpSpPr>
+        <a:xfrm>
+          <a:off x="0" y="0"/>
+          <a:ext cx="0" cy="0"/>
+          <a:chOff x="0" y="0"/>
+          <a:chExt cx="0" cy="0"/>
+        </a:xfrm>
+      </p:grpSpPr>
+      <p:sp>
+        <p:nvSpPr>
+          <p:cNvPr id="2" name="Title 1"/>
+          <p:cNvSpPr>
+            <a:spLocks noGrp="1"/>
+          </p:cNvSpPr>
+          <p:nvPr>
+            <p:ph type="title"/>
+          </p:nvPr>
+        </p:nvSpPr>
+        <p:spPr/>
+        <p:txBody>
+          <a:bodyPr/>
+          <a:lstStyle/>
+          <a:p>
+            <a:r>
+              <a:rPr lang="en-US" dirty="0" smtClean="0"/>
+              <a:t>Program transformation</a:t>
+            </a:r>
+            <a:endParaRPr lang="en-US" dirty="0"/>
+          </a:p>
+        </p:txBody>
+      </p:sp>
+      <p:sp>
+        <p:nvSpPr>
+          <p:cNvPr id="3" name="Content Placeholder 2"/>
+          <p:cNvSpPr>
+            <a:spLocks noGrp="1"/>
+          </p:cNvSpPr>
+          <p:nvPr>
+            <p:ph idx="1"/>
+          </p:nvPr>
+        </p:nvSpPr>
+        <p:spPr>
+          <a:xfrm>
+            <a:off x="467544" y="1196752"/>
+            <a:ext cx="7560839" cy="1944216"/>
+          </a:xfrm>
+        </p:spPr>
+        <p:txBody>
+          <a:bodyPr/>
+          <a:lstStyle/>
+          <a:p>
+            <a:r>
+              <a:rPr lang="en-US" dirty="0" smtClean="0"/>
+              <a:t>Outline and specialize function calls based on the location of the communication (</a:t>
+            </a:r>
+            <a:r>
+              <a:rPr lang="en-US" i="1" dirty="0" smtClean="0"/>
+              <a:t>Before(I)</a:t>
+            </a:r>
+            <a:r>
+              <a:rPr lang="en-US" dirty="0" smtClean="0"/>
+              <a:t>, </a:t>
+            </a:r>
+            <a:r>
+              <a:rPr lang="en-US" i="1" dirty="0" smtClean="0"/>
+              <a:t>After(I), </a:t>
+            </a:r>
+            <a:r>
+              <a:rPr lang="en-US" i="1" dirty="0" err="1" smtClean="0"/>
+              <a:t>Comm</a:t>
+            </a:r>
+            <a:r>
+              <a:rPr lang="en-US" i="1" dirty="0" smtClean="0"/>
+              <a:t>(I)</a:t>
+            </a:r>
+            <a:r>
+              <a:rPr lang="en-US" dirty="0" smtClean="0"/>
+              <a:t>)</a:t>
+            </a:r>
+          </a:p>
+          <a:p>
+            <a:r>
+              <a:rPr lang="en-US" dirty="0" smtClean="0"/>
+              <a:t>Reorder communication and computation</a:t>
+            </a:r>
+            <a:endParaRPr lang="en-US" dirty="0"/>
+          </a:p>
+        </p:txBody>
+      </p:sp>
+      <p:sp>
+        <p:nvSpPr>
+          <p:cNvPr id="4" name="Slide Number Placeholder 3"/>
+          <p:cNvSpPr>
+            <a:spLocks noGrp="1"/>
+          </p:cNvSpPr>
+          <p:nvPr>
+            <p:ph type="sldNum" sz="quarter" idx="12"/>
+          </p:nvPr>
+        </p:nvSpPr>
+        <p:spPr/>
+        <p:txBody>
+          <a:bodyPr/>
+          <a:lstStyle/>
+          <a:p>
+            <a:fld id="{089A015A-1AD9-46F4-A47D-C723C7F63AFF}" type="slidenum">
+              <a:rPr lang="en-US" smtClean="0"/>
+              <a:t>12</a:t>
             </a:fld>
             <a:endParaRPr lang="en-US" dirty="0"/>
           </a:p>
@@ -13338,7 +14930,7 @@
 </p:sld>
 </file>
 
-<file path=ppt/slides/slide12.xml><?xml version="1.0" encoding="utf-8"?>
+<file path=ppt/slides/slide13.xml><?xml version="1.0" encoding="utf-8"?>
 <p:sld xmlns:a="http://schemas.openxmlformats.org/drawingml/2006/main" xmlns:r="http://schemas.openxmlformats.org/officeDocument/2006/relationships" xmlns:p="http://schemas.openxmlformats.org/presentationml/2006/main">
   <p:cSld>
     <p:spTree>
@@ -13455,7 +15047,7 @@
           <a:p>
             <a:fld id="{089A015A-1AD9-46F4-A47D-C723C7F63AFF}" type="slidenum">
               <a:rPr lang="en-US" smtClean="0"/>
-              <a:t>12</a:t>
+              <a:t>13</a:t>
             </a:fld>
             <a:endParaRPr lang="en-US" dirty="0"/>
           </a:p>
@@ -15123,7 +16715,7 @@
 </p:sld>
 </file>
 
-<file path=ppt/slides/slide13.xml><?xml version="1.0" encoding="utf-8"?>
+<file path=ppt/slides/slide14.xml><?xml version="1.0" encoding="utf-8"?>
 <p:sld xmlns:a="http://schemas.openxmlformats.org/drawingml/2006/main" xmlns:r="http://schemas.openxmlformats.org/officeDocument/2006/relationships" xmlns:p="http://schemas.openxmlformats.org/presentationml/2006/main">
   <p:cSld>
     <p:spTree>
@@ -15157,7 +16749,7 @@
           <a:p>
             <a:r>
               <a:rPr lang="en-US" dirty="0" smtClean="0"/>
-              <a:t>Tuning </a:t>
+              <a:t>Empirical Tuning of </a:t>
             </a:r>
             <a:r>
               <a:rPr lang="en-US" dirty="0" err="1" smtClean="0"/>
@@ -15165,7 +16757,11 @@
             </a:r>
             <a:r>
               <a:rPr lang="en-US" dirty="0" smtClean="0"/>
-              <a:t> frequency</a:t>
+              <a:t> </a:t>
+            </a:r>
+            <a:r>
+              <a:rPr lang="en-US" dirty="0" smtClean="0"/>
+              <a:t>frequency</a:t>
             </a:r>
             <a:endParaRPr lang="en-US" dirty="0"/>
           </a:p>
@@ -15184,21 +16780,25 @@
         <p:spPr>
           <a:xfrm>
             <a:off x="498474" y="1981200"/>
-            <a:ext cx="6089750" cy="4144963"/>
+            <a:ext cx="6089750" cy="4616152"/>
           </a:xfrm>
         </p:spPr>
         <p:txBody>
           <a:bodyPr>
-            <a:normAutofit fontScale="92500" lnSpcReduction="10000"/>
+            <a:normAutofit lnSpcReduction="10000"/>
           </a:bodyPr>
           <a:lstStyle/>
           <a:p>
             <a:r>
-              <a:rPr lang="en-US" dirty="0"/>
-              <a:t>Optimal distribution of </a:t>
-            </a:r>
-            <a:r>
-              <a:rPr lang="en-US" dirty="0" err="1"/>
+              <a:rPr lang="en-US" dirty="0" smtClean="0"/>
+              <a:t>Insertion of </a:t>
+            </a:r>
+            <a:r>
+              <a:rPr lang="en-US" dirty="0" smtClean="0"/>
+              <a:t> </a:t>
+            </a:r>
+            <a:r>
+              <a:rPr lang="en-US" dirty="0" err="1" smtClean="0"/>
               <a:t>MPI_Test</a:t>
             </a:r>
             <a:endParaRPr lang="en-US" dirty="0"/>
@@ -15210,17 +16810,26 @@
               <a:t>Evenly </a:t>
             </a:r>
             <a:r>
+              <a:rPr lang="en-US" dirty="0" smtClean="0"/>
+              <a:t>distribute </a:t>
+            </a:r>
+            <a:r>
+              <a:rPr lang="en-US" dirty="0" err="1" smtClean="0"/>
+              <a:t>MPI_Test</a:t>
+            </a:r>
+            <a:r>
+              <a:rPr lang="en-US" dirty="0" smtClean="0"/>
+              <a:t> </a:t>
+            </a:r>
+            <a:r>
               <a:rPr lang="en-US" dirty="0"/>
-              <a:t>distributed of </a:t>
-            </a:r>
-            <a:r>
-              <a:rPr lang="en-US" dirty="0" err="1"/>
-              <a:t>MPI_Test</a:t>
-            </a:r>
-            <a:r>
-              <a:rPr lang="en-US" dirty="0"/>
-              <a:t> in the computation time</a:t>
-            </a:r>
+              <a:t>in the </a:t>
+            </a:r>
+            <a:r>
+              <a:rPr lang="en-US" dirty="0" smtClean="0"/>
+              <a:t>computation</a:t>
+            </a:r>
+            <a:endParaRPr lang="en-US" dirty="0"/>
           </a:p>
           <a:p>
             <a:pPr lvl="2"/>
@@ -15242,8 +16851,16 @@
           </a:p>
           <a:p>
             <a:r>
+              <a:rPr lang="en-US" dirty="0"/>
+              <a:t>P</a:t>
+            </a:r>
+            <a:r>
               <a:rPr lang="en-US" dirty="0" smtClean="0"/>
-              <a:t>Prune search space using modeled runtime</a:t>
+              <a:t>rune </a:t>
+            </a:r>
+            <a:r>
+              <a:rPr lang="en-US" dirty="0" smtClean="0"/>
+              <a:t>search space using modeled runtime</a:t>
             </a:r>
           </a:p>
           <a:p>
@@ -15299,7 +16916,7 @@
           <a:p>
             <a:fld id="{089A015A-1AD9-46F4-A47D-C723C7F63AFF}" type="slidenum">
               <a:rPr lang="en-US" smtClean="0"/>
-              <a:t>13</a:t>
+              <a:t>14</a:t>
             </a:fld>
             <a:endParaRPr lang="en-US" dirty="0"/>
           </a:p>
@@ -16107,268 +17724,6 @@
 </p:sld>
 </file>
 
-<file path=ppt/slides/slide14.xml><?xml version="1.0" encoding="utf-8"?>
-<p:sld xmlns:a="http://schemas.openxmlformats.org/drawingml/2006/main" xmlns:r="http://schemas.openxmlformats.org/officeDocument/2006/relationships" xmlns:p="http://schemas.openxmlformats.org/presentationml/2006/main">
-  <p:cSld>
-    <p:spTree>
-      <p:nvGrpSpPr>
-        <p:cNvPr id="1" name=""/>
-        <p:cNvGrpSpPr/>
-        <p:nvPr/>
-      </p:nvGrpSpPr>
-      <p:grpSpPr>
-        <a:xfrm>
-          <a:off x="0" y="0"/>
-          <a:ext cx="0" cy="0"/>
-          <a:chOff x="0" y="0"/>
-          <a:chExt cx="0" cy="0"/>
-        </a:xfrm>
-      </p:grpSpPr>
-      <p:sp>
-        <p:nvSpPr>
-          <p:cNvPr id="2" name="Title 1"/>
-          <p:cNvSpPr>
-            <a:spLocks noGrp="1"/>
-          </p:cNvSpPr>
-          <p:nvPr>
-            <p:ph type="title"/>
-          </p:nvPr>
-        </p:nvSpPr>
-        <p:spPr/>
-        <p:txBody>
-          <a:bodyPr/>
-          <a:lstStyle/>
-          <a:p>
-            <a:r>
-              <a:rPr lang="en-US" dirty="0" smtClean="0"/>
-              <a:t>Experiment design</a:t>
-            </a:r>
-            <a:endParaRPr lang="en-US" dirty="0"/>
-          </a:p>
-        </p:txBody>
-      </p:sp>
-      <p:sp>
-        <p:nvSpPr>
-          <p:cNvPr id="3" name="Content Placeholder 2"/>
-          <p:cNvSpPr>
-            <a:spLocks noGrp="1"/>
-          </p:cNvSpPr>
-          <p:nvPr>
-            <p:ph idx="1"/>
-          </p:nvPr>
-        </p:nvSpPr>
-        <p:spPr/>
-        <p:txBody>
-          <a:bodyPr>
-            <a:normAutofit/>
-          </a:bodyPr>
-          <a:lstStyle/>
-          <a:p>
-            <a:r>
-              <a:rPr lang="en-US" dirty="0" smtClean="0"/>
-              <a:t>Clusters and compilers</a:t>
-            </a:r>
-          </a:p>
-          <a:p>
-            <a:pPr lvl="1"/>
-            <a:r>
-              <a:rPr lang="en-US" dirty="0" smtClean="0"/>
-              <a:t>Intel </a:t>
-            </a:r>
-            <a:r>
-              <a:rPr lang="fr-FR" dirty="0" smtClean="0"/>
-              <a:t>Xeon </a:t>
-            </a:r>
-            <a:r>
-              <a:rPr lang="en-US" dirty="0" smtClean="0"/>
-              <a:t>x86 cluster, </a:t>
-            </a:r>
-            <a:r>
-              <a:rPr lang="en-US" dirty="0" err="1" smtClean="0">
-                <a:solidFill>
-                  <a:srgbClr val="0000FF"/>
-                </a:solidFill>
-              </a:rPr>
-              <a:t>Infiniband</a:t>
-            </a:r>
-            <a:r>
-              <a:rPr lang="en-US" dirty="0" smtClean="0"/>
-              <a:t>, 2.6GHz (</a:t>
-            </a:r>
-            <a:r>
-              <a:rPr lang="en-US" dirty="0"/>
-              <a:t>hyper threading </a:t>
-            </a:r>
-            <a:r>
-              <a:rPr lang="en-US" dirty="0" smtClean="0"/>
-              <a:t>disabled), 64GB RAM, ICC/</a:t>
-            </a:r>
-            <a:r>
-              <a:rPr lang="en-US" dirty="0" err="1" smtClean="0"/>
-              <a:t>IFort</a:t>
-            </a:r>
-            <a:r>
-              <a:rPr lang="en-US" dirty="0" smtClean="0"/>
-              <a:t> 13.1</a:t>
-            </a:r>
-          </a:p>
-          <a:p>
-            <a:pPr lvl="1"/>
-            <a:r>
-              <a:rPr lang="en-US" dirty="0" smtClean="0"/>
-              <a:t>Intel </a:t>
-            </a:r>
-            <a:r>
-              <a:rPr lang="fr-FR" dirty="0" smtClean="0"/>
-              <a:t>Xeon </a:t>
-            </a:r>
-            <a:r>
-              <a:rPr lang="en-US" dirty="0" smtClean="0"/>
-              <a:t>x64 cluster</a:t>
-            </a:r>
-            <a:r>
-              <a:rPr lang="en-US" smtClean="0"/>
-              <a:t>, </a:t>
-            </a:r>
-            <a:r>
-              <a:rPr lang="en-US" smtClean="0">
-                <a:solidFill>
-                  <a:srgbClr val="0000FF"/>
-                </a:solidFill>
-              </a:rPr>
-              <a:t>1 </a:t>
-            </a:r>
-            <a:r>
-              <a:rPr lang="en-US" dirty="0" err="1">
-                <a:solidFill>
-                  <a:srgbClr val="0000FF"/>
-                </a:solidFill>
-              </a:rPr>
-              <a:t>Gbps</a:t>
-            </a:r>
-            <a:r>
-              <a:rPr lang="en-US" dirty="0">
-                <a:solidFill>
-                  <a:srgbClr val="0000FF"/>
-                </a:solidFill>
-              </a:rPr>
-              <a:t> </a:t>
-            </a:r>
-            <a:r>
-              <a:rPr lang="en-US" dirty="0" smtClean="0">
-                <a:solidFill>
-                  <a:srgbClr val="0000FF"/>
-                </a:solidFill>
-              </a:rPr>
-              <a:t>Ethernet</a:t>
-            </a:r>
-            <a:r>
-              <a:rPr lang="en-US" dirty="0" smtClean="0"/>
-              <a:t>, </a:t>
-            </a:r>
-            <a:r>
-              <a:rPr lang="fr-FR" dirty="0"/>
-              <a:t>3.2GHz, </a:t>
-            </a:r>
-            <a:r>
-              <a:rPr lang="en-US" dirty="0"/>
-              <a:t>16GB </a:t>
-            </a:r>
-            <a:r>
-              <a:rPr lang="en-US" dirty="0" smtClean="0"/>
-              <a:t>RAM, GCC/</a:t>
-            </a:r>
-            <a:r>
-              <a:rPr lang="en-US" dirty="0" err="1" smtClean="0"/>
-              <a:t>Gfortran</a:t>
-            </a:r>
-            <a:r>
-              <a:rPr lang="en-US" dirty="0" smtClean="0"/>
-              <a:t> 4.4.7</a:t>
-            </a:r>
-          </a:p>
-          <a:p>
-            <a:r>
-              <a:rPr lang="en-US" dirty="0" smtClean="0"/>
-              <a:t>MPICH 3.1.1</a:t>
-            </a:r>
-          </a:p>
-          <a:p>
-            <a:r>
-              <a:rPr lang="en-US" dirty="0" smtClean="0"/>
-              <a:t>Nodes: 2 ~ 9, 1 process per node</a:t>
-            </a:r>
-          </a:p>
-          <a:p>
-            <a:r>
-              <a:rPr lang="en-US" dirty="0" smtClean="0"/>
-              <a:t>NAS Parallel Benchmark (NPB) 3.3.1, excluding </a:t>
-            </a:r>
-            <a:r>
-              <a:rPr lang="en-US" dirty="0"/>
-              <a:t>DT and </a:t>
-            </a:r>
-            <a:r>
-              <a:rPr lang="en-US" dirty="0" smtClean="0"/>
-              <a:t>EP</a:t>
-            </a:r>
-          </a:p>
-          <a:p>
-            <a:r>
-              <a:rPr lang="en-US" dirty="0"/>
-              <a:t>Profilers: Tau and Instrumented </a:t>
-            </a:r>
-            <a:r>
-              <a:rPr lang="en-US" dirty="0" smtClean="0"/>
-              <a:t>timers</a:t>
-            </a:r>
-            <a:endParaRPr lang="en-US" dirty="0"/>
-          </a:p>
-        </p:txBody>
-      </p:sp>
-      <p:sp>
-        <p:nvSpPr>
-          <p:cNvPr id="4" name="Slide Number Placeholder 3"/>
-          <p:cNvSpPr>
-            <a:spLocks noGrp="1"/>
-          </p:cNvSpPr>
-          <p:nvPr>
-            <p:ph type="sldNum" sz="quarter" idx="12"/>
-          </p:nvPr>
-        </p:nvSpPr>
-        <p:spPr/>
-        <p:txBody>
-          <a:bodyPr/>
-          <a:lstStyle/>
-          <a:p>
-            <a:fld id="{089A015A-1AD9-46F4-A47D-C723C7F63AFF}" type="slidenum">
-              <a:rPr lang="en-US" smtClean="0"/>
-              <a:t>14</a:t>
-            </a:fld>
-            <a:endParaRPr lang="en-US" dirty="0"/>
-          </a:p>
-        </p:txBody>
-      </p:sp>
-    </p:spTree>
-    <p:extLst>
-      <p:ext uri="{BB962C8B-B14F-4D97-AF65-F5344CB8AC3E}">
-        <p14:creationId xmlns:p14="http://schemas.microsoft.com/office/powerpoint/2010/main" val="3922350014"/>
-      </p:ext>
-    </p:extLst>
-  </p:cSld>
-  <p:clrMapOvr>
-    <a:masterClrMapping/>
-  </p:clrMapOvr>
-  <p:timing>
-    <p:tnLst>
-      <p:par>
-        <p:cTn xmlns:p14="http://schemas.microsoft.com/office/powerpoint/2010/main" id="1" dur="indefinite" restart="never" nodeType="tmRoot"/>
-      </p:par>
-    </p:tnLst>
-  </p:timing>
-</p:sld>
-</file>
-
 <file path=ppt/slides/slide15.xml><?xml version="1.0" encoding="utf-8"?>
 <p:sld xmlns:a="http://schemas.openxmlformats.org/drawingml/2006/main" xmlns:r="http://schemas.openxmlformats.org/officeDocument/2006/relationships" xmlns:p="http://schemas.openxmlformats.org/presentationml/2006/main">
   <p:cSld>
@@ -16403,7 +17758,11 @@
           <a:p>
             <a:r>
               <a:rPr lang="en-US" dirty="0" smtClean="0"/>
-              <a:t>Optimization speedup</a:t>
+              <a:t>Experimental </a:t>
+            </a:r>
+            <a:r>
+              <a:rPr lang="en-US" dirty="0" smtClean="0"/>
+              <a:t>design</a:t>
             </a:r>
             <a:endParaRPr lang="en-US" dirty="0"/>
           </a:p>
@@ -16421,113 +17780,168 @@
         </p:nvSpPr>
         <p:spPr/>
         <p:txBody>
-          <a:bodyPr/>
+          <a:bodyPr>
+            <a:normAutofit/>
+          </a:bodyPr>
           <a:lstStyle/>
           <a:p>
             <a:r>
               <a:rPr lang="en-US" dirty="0" smtClean="0"/>
-              <a:t>Relative execution time for </a:t>
+              <a:t>Clusters and compilers</a:t>
+            </a:r>
+          </a:p>
+          <a:p>
+            <a:pPr lvl="1"/>
+            <a:r>
+              <a:rPr lang="en-US" dirty="0" smtClean="0"/>
+              <a:t>Intel </a:t>
+            </a:r>
+            <a:r>
+              <a:rPr lang="fr-FR" dirty="0" smtClean="0"/>
+              <a:t>Xeon </a:t>
+            </a:r>
+            <a:r>
+              <a:rPr lang="en-US" dirty="0" smtClean="0"/>
+              <a:t>x86 cluster, </a:t>
+            </a:r>
+            <a:r>
+              <a:rPr lang="en-US" dirty="0" err="1" smtClean="0">
+                <a:solidFill>
+                  <a:srgbClr val="0000FF"/>
+                </a:solidFill>
+              </a:rPr>
+              <a:t>Infiniband</a:t>
+            </a:r>
+            <a:r>
+              <a:rPr lang="en-US" dirty="0" smtClean="0"/>
+              <a:t>, 2.6GHz (</a:t>
             </a:r>
             <a:r>
               <a:rPr lang="en-US" dirty="0"/>
-              <a:t>NPB 3.1.1 </a:t>
-            </a:r>
-            <a:r>
-              <a:rPr lang="en-US" i="1" dirty="0"/>
-              <a:t>(excluding DT and </a:t>
-            </a:r>
-            <a:r>
-              <a:rPr lang="en-US" i="1" dirty="0" smtClean="0"/>
-              <a:t>EP)</a:t>
+              <a:t>hyper threading </a:t>
+            </a:r>
+            <a:r>
+              <a:rPr lang="en-US" dirty="0" smtClean="0"/>
+              <a:t>disabled), 64GB RAM, ICC/</a:t>
+            </a:r>
+            <a:r>
+              <a:rPr lang="en-US" dirty="0" err="1" smtClean="0"/>
+              <a:t>IFort</a:t>
+            </a:r>
+            <a:r>
+              <a:rPr lang="en-US" dirty="0" smtClean="0"/>
+              <a:t> 13.1</a:t>
             </a:r>
           </a:p>
           <a:p>
             <a:pPr lvl="1"/>
             <a:r>
+              <a:rPr lang="en-US" dirty="0" smtClean="0"/>
+              <a:t>Intel </a:t>
+            </a:r>
+            <a:r>
+              <a:rPr lang="fr-FR" dirty="0" smtClean="0"/>
+              <a:t>Xeon </a:t>
+            </a:r>
+            <a:r>
+              <a:rPr lang="en-US" dirty="0" smtClean="0"/>
+              <a:t>x64 cluster</a:t>
+            </a:r>
+            <a:r>
+              <a:rPr lang="en-US" smtClean="0"/>
+              <a:t>, </a:t>
+            </a:r>
+            <a:r>
+              <a:rPr lang="en-US" smtClean="0">
+                <a:solidFill>
+                  <a:srgbClr val="0000FF"/>
+                </a:solidFill>
+              </a:rPr>
+              <a:t>1 </a:t>
+            </a:r>
+            <a:r>
+              <a:rPr lang="en-US" dirty="0" err="1">
+                <a:solidFill>
+                  <a:srgbClr val="0000FF"/>
+                </a:solidFill>
+              </a:rPr>
+              <a:t>Gbps</a:t>
+            </a:r>
+            <a:r>
+              <a:rPr lang="en-US" dirty="0">
+                <a:solidFill>
+                  <a:srgbClr val="0000FF"/>
+                </a:solidFill>
+              </a:rPr>
+              <a:t> </a:t>
+            </a:r>
+            <a:r>
+              <a:rPr lang="en-US" dirty="0" smtClean="0">
+                <a:solidFill>
+                  <a:srgbClr val="0000FF"/>
+                </a:solidFill>
+              </a:rPr>
+              <a:t>Ethernet</a:t>
+            </a:r>
+            <a:r>
+              <a:rPr lang="en-US" dirty="0" smtClean="0"/>
+              <a:t>, </a:t>
+            </a:r>
+            <a:r>
+              <a:rPr lang="fr-FR" dirty="0"/>
+              <a:t>3.2GHz, </a:t>
+            </a:r>
+            <a:r>
               <a:rPr lang="en-US" dirty="0"/>
-              <a:t>Intel </a:t>
-            </a:r>
-            <a:r>
-              <a:rPr lang="fr-FR" dirty="0"/>
-              <a:t>Xeon </a:t>
+              <a:t>16GB </a:t>
+            </a:r>
+            <a:r>
+              <a:rPr lang="en-US" dirty="0" smtClean="0"/>
+              <a:t>RAM, GCC/</a:t>
+            </a:r>
+            <a:r>
+              <a:rPr lang="en-US" dirty="0" err="1" smtClean="0"/>
+              <a:t>Gfortran</a:t>
+            </a:r>
+            <a:r>
+              <a:rPr lang="en-US" dirty="0" smtClean="0"/>
+              <a:t> 4.4.7</a:t>
+            </a:r>
+          </a:p>
+          <a:p>
+            <a:r>
+              <a:rPr lang="en-US" dirty="0" smtClean="0"/>
+              <a:t>MPICH 3.1.1</a:t>
+            </a:r>
+          </a:p>
+          <a:p>
+            <a:r>
+              <a:rPr lang="en-US" dirty="0" smtClean="0"/>
+              <a:t>Nodes: 2 ~ 9, 1 process per node</a:t>
+            </a:r>
+          </a:p>
+          <a:p>
+            <a:r>
+              <a:rPr lang="en-US" dirty="0" smtClean="0"/>
+              <a:t>NAS Parallel Benchmark (NPB) 3.3.1, excluding </a:t>
             </a:r>
             <a:r>
               <a:rPr lang="en-US" dirty="0"/>
-              <a:t>x86 </a:t>
+              <a:t>DT and </a:t>
             </a:r>
             <a:r>
               <a:rPr lang="en-US" dirty="0" smtClean="0"/>
-              <a:t>cluster (</a:t>
-            </a:r>
-            <a:r>
-              <a:rPr lang="en-US" dirty="0" err="1" smtClean="0"/>
-              <a:t>Infiniband</a:t>
+              <a:t>EP</a:t>
+            </a:r>
+          </a:p>
+          <a:p>
+            <a:r>
+              <a:rPr lang="en-US" dirty="0"/>
+              <a:t>Profilers: Tau and Instrumented </a:t>
             </a:r>
             <a:r>
               <a:rPr lang="en-US" dirty="0" smtClean="0"/>
-              <a:t>)</a:t>
-            </a:r>
-          </a:p>
-          <a:p>
-            <a:pPr lvl="2"/>
-            <a:r>
-              <a:rPr lang="en-US" dirty="0" smtClean="0"/>
-              <a:t>Up </a:t>
-            </a:r>
-            <a:r>
-              <a:rPr lang="en-US" dirty="0"/>
-              <a:t>to x1.84 </a:t>
-            </a:r>
-            <a:r>
-              <a:rPr lang="en-US" dirty="0" smtClean="0"/>
-              <a:t>faster</a:t>
-            </a:r>
-            <a:endParaRPr lang="en-US" dirty="0"/>
-          </a:p>
-          <a:p>
-            <a:pPr lvl="1"/>
-            <a:r>
-              <a:rPr lang="en-US" dirty="0"/>
-              <a:t>Intel </a:t>
-            </a:r>
-            <a:r>
-              <a:rPr lang="fr-FR" dirty="0"/>
-              <a:t>Xeon </a:t>
-            </a:r>
-            <a:r>
-              <a:rPr lang="en-US" dirty="0"/>
-              <a:t>x64 </a:t>
-            </a:r>
-            <a:r>
-              <a:rPr lang="en-US" dirty="0" smtClean="0"/>
-              <a:t>cluster</a:t>
-            </a:r>
-            <a:r>
-              <a:rPr lang="en-US" dirty="0"/>
-              <a:t> </a:t>
-            </a:r>
-            <a:r>
-              <a:rPr lang="en-US" dirty="0" smtClean="0"/>
-              <a:t>(1 </a:t>
-            </a:r>
-            <a:r>
-              <a:rPr lang="en-US" dirty="0" err="1"/>
-              <a:t>Gbps</a:t>
-            </a:r>
-            <a:r>
-              <a:rPr lang="en-US" dirty="0"/>
-              <a:t> </a:t>
-            </a:r>
-            <a:r>
-              <a:rPr lang="en-US" dirty="0" smtClean="0"/>
-              <a:t>Ethernet)</a:t>
-            </a:r>
-          </a:p>
-          <a:p>
-            <a:pPr lvl="2"/>
-            <a:r>
-              <a:rPr lang="en-US" dirty="0" smtClean="0"/>
-              <a:t>Up to x1.79 faster</a:t>
+              <a:t>timers</a:t>
             </a:r>
             <a:endParaRPr lang="en-US" dirty="0"/>
           </a:p>
@@ -16556,156 +17970,10 @@
           </a:p>
         </p:txBody>
       </p:sp>
-      <p:sp>
-        <p:nvSpPr>
-          <p:cNvPr id="8" name="TextBox 7"/>
-          <p:cNvSpPr txBox="1"/>
-          <p:nvPr/>
-        </p:nvSpPr>
-        <p:spPr>
-          <a:xfrm>
-            <a:off x="6070381" y="6444044"/>
-            <a:ext cx="2038652" cy="369332"/>
-          </a:xfrm>
-          <a:prstGeom prst="rect">
-            <a:avLst/>
-          </a:prstGeom>
-          <a:noFill/>
-        </p:spPr>
-        <p:txBody>
-          <a:bodyPr wrap="none" rtlCol="0">
-            <a:spAutoFit/>
-          </a:bodyPr>
-          <a:lstStyle/>
-          <a:p>
-            <a:r>
-              <a:rPr lang="en-US" dirty="0" smtClean="0"/>
-              <a:t>Intel x64 (class B)</a:t>
-            </a:r>
-            <a:endParaRPr lang="en-US" dirty="0"/>
-          </a:p>
-        </p:txBody>
-      </p:sp>
-      <p:sp>
-        <p:nvSpPr>
-          <p:cNvPr id="9" name="TextBox 8"/>
-          <p:cNvSpPr txBox="1"/>
-          <p:nvPr/>
-        </p:nvSpPr>
-        <p:spPr>
-          <a:xfrm>
-            <a:off x="1317853" y="6444044"/>
-            <a:ext cx="2038652" cy="369332"/>
-          </a:xfrm>
-          <a:prstGeom prst="rect">
-            <a:avLst/>
-          </a:prstGeom>
-          <a:noFill/>
-        </p:spPr>
-        <p:txBody>
-          <a:bodyPr wrap="none" rtlCol="0">
-            <a:spAutoFit/>
-          </a:bodyPr>
-          <a:lstStyle/>
-          <a:p>
-            <a:r>
-              <a:rPr lang="en-US" dirty="0" smtClean="0"/>
-              <a:t>Intel x86 (class B)</a:t>
-            </a:r>
-            <a:endParaRPr lang="en-US" dirty="0"/>
-          </a:p>
-        </p:txBody>
-      </p:sp>
-      <p:pic>
-        <p:nvPicPr>
-          <p:cNvPr id="12" name="Picture 11" descr="npb_disco_B.png"/>
-          <p:cNvPicPr>
-            <a:picLocks noChangeAspect="1"/>
-          </p:cNvPicPr>
-          <p:nvPr/>
-        </p:nvPicPr>
-        <p:blipFill>
-          <a:blip r:embed="rId3">
-            <a:extLst>
-              <a:ext uri="{28A0092B-C50C-407E-A947-70E740481C1C}">
-                <a14:useLocalDpi xmlns:a14="http://schemas.microsoft.com/office/drawing/2010/main" val="0"/>
-              </a:ext>
-            </a:extLst>
-          </a:blip>
-          <a:stretch>
-            <a:fillRect/>
-          </a:stretch>
-        </p:blipFill>
-        <p:spPr>
-          <a:xfrm>
-            <a:off x="4673978" y="3906675"/>
-            <a:ext cx="4362518" cy="2618669"/>
-          </a:xfrm>
-          <a:prstGeom prst="rect">
-            <a:avLst/>
-          </a:prstGeom>
-        </p:spPr>
-      </p:pic>
-      <p:pic>
-        <p:nvPicPr>
-          <p:cNvPr id="13" name="Picture 12" descr="npb_blues_B.png"/>
-          <p:cNvPicPr>
-            <a:picLocks noChangeAspect="1"/>
-          </p:cNvPicPr>
-          <p:nvPr/>
-        </p:nvPicPr>
-        <p:blipFill>
-          <a:blip r:embed="rId4">
-            <a:extLst>
-              <a:ext uri="{28A0092B-C50C-407E-A947-70E740481C1C}">
-                <a14:useLocalDpi xmlns:a14="http://schemas.microsoft.com/office/drawing/2010/main" val="0"/>
-              </a:ext>
-            </a:extLst>
-          </a:blip>
-          <a:stretch>
-            <a:fillRect/>
-          </a:stretch>
-        </p:blipFill>
-        <p:spPr>
-          <a:xfrm>
-            <a:off x="101978" y="3885368"/>
-            <a:ext cx="4398014" cy="2639976"/>
-          </a:xfrm>
-          <a:prstGeom prst="rect">
-            <a:avLst/>
-          </a:prstGeom>
-        </p:spPr>
-      </p:pic>
-      <p:sp>
-        <p:nvSpPr>
-          <p:cNvPr id="6" name="TextBox 5"/>
-          <p:cNvSpPr txBox="1"/>
-          <p:nvPr/>
-        </p:nvSpPr>
-        <p:spPr>
-          <a:xfrm>
-            <a:off x="8524875" y="2555875"/>
-            <a:ext cx="184666" cy="369332"/>
-          </a:xfrm>
-          <a:prstGeom prst="rect">
-            <a:avLst/>
-          </a:prstGeom>
-          <a:noFill/>
-        </p:spPr>
-        <p:txBody>
-          <a:bodyPr wrap="none" rtlCol="0">
-            <a:spAutoFit/>
-          </a:bodyPr>
-          <a:lstStyle/>
-          <a:p>
-            <a:endParaRPr lang="en-US" dirty="0"/>
-          </a:p>
-        </p:txBody>
-      </p:sp>
     </p:spTree>
     <p:extLst>
       <p:ext uri="{BB962C8B-B14F-4D97-AF65-F5344CB8AC3E}">
-        <p14:creationId xmlns:p14="http://schemas.microsoft.com/office/powerpoint/2010/main" val="1720617979"/>
+        <p14:creationId xmlns:p14="http://schemas.microsoft.com/office/powerpoint/2010/main" val="3922350014"/>
       </p:ext>
     </p:extLst>
   </p:cSld>
@@ -16756,7 +18024,7 @@
           <a:p>
             <a:r>
               <a:rPr lang="en-US" dirty="0" smtClean="0"/>
-              <a:t>Future work</a:t>
+              <a:t>Optimization speedup</a:t>
             </a:r>
             <a:endParaRPr lang="en-US" dirty="0"/>
           </a:p>
@@ -16772,31 +18040,68 @@
             <p:ph idx="1"/>
           </p:nvPr>
         </p:nvSpPr>
-        <p:spPr/>
+        <p:spPr>
+          <a:xfrm>
+            <a:off x="498474" y="1412777"/>
+            <a:ext cx="7556313" cy="1008111"/>
+          </a:xfrm>
+        </p:spPr>
         <p:txBody>
           <a:bodyPr/>
           <a:lstStyle/>
           <a:p>
             <a:r>
               <a:rPr lang="en-US" dirty="0" smtClean="0"/>
-              <a:t>Automate the program transformation</a:t>
-            </a:r>
-          </a:p>
-          <a:p>
+              <a:t>Relative execution time for </a:t>
+            </a:r>
+            <a:r>
+              <a:rPr lang="en-US" dirty="0"/>
+              <a:t>NPB 3.1.1 </a:t>
+            </a:r>
+            <a:r>
+              <a:rPr lang="en-US" i="1" dirty="0"/>
+              <a:t>(excluding DT and </a:t>
+            </a:r>
+            <a:r>
+              <a:rPr lang="en-US" i="1" dirty="0" smtClean="0"/>
+              <a:t>EP)</a:t>
+            </a:r>
+          </a:p>
+          <a:p>
+            <a:pPr lvl="1"/>
+            <a:r>
+              <a:rPr lang="en-US" dirty="0"/>
+              <a:t>Intel </a:t>
+            </a:r>
+            <a:r>
+              <a:rPr lang="fr-FR" dirty="0"/>
+              <a:t>Xeon </a:t>
+            </a:r>
+            <a:r>
+              <a:rPr lang="en-US" dirty="0"/>
+              <a:t>x86 </a:t>
+            </a:r>
             <a:r>
               <a:rPr lang="en-US" dirty="0" smtClean="0"/>
-              <a:t>Support more CCO patterns</a:t>
-            </a:r>
-          </a:p>
-          <a:p>
+              <a:t>cluster (</a:t>
+            </a:r>
+            <a:r>
+              <a:rPr lang="en-US" dirty="0" err="1" smtClean="0"/>
+              <a:t>Infiniband</a:t>
+            </a:r>
+            <a:r>
+              <a:rPr lang="en-US" dirty="0" smtClean="0"/>
+              <a:t>): up </a:t>
+            </a:r>
             <a:r>
               <a:rPr lang="en-US" dirty="0"/>
-              <a:t>Model </a:t>
+              <a:t>to </a:t>
             </a:r>
             <a:r>
               <a:rPr lang="en-US" dirty="0" smtClean="0"/>
-              <a:t>multiple cores on single node and the unbalanced communication time</a:t>
-            </a:r>
+              <a:t>1.84x faster</a:t>
+            </a:r>
+            <a:endParaRPr lang="en-US" dirty="0"/>
           </a:p>
         </p:txBody>
       </p:sp>
@@ -16823,10 +18128,66 @@
           </a:p>
         </p:txBody>
       </p:sp>
+      <p:pic>
+        <p:nvPicPr>
+          <p:cNvPr id="13" name="Picture 12" descr="npb_blues_B.png"/>
+          <p:cNvPicPr>
+            <a:picLocks noChangeAspect="1"/>
+          </p:cNvPicPr>
+          <p:nvPr/>
+        </p:nvPicPr>
+        <p:blipFill>
+          <a:blip r:embed="rId3">
+            <a:extLst>
+              <a:ext uri="{28A0092B-C50C-407E-A947-70E740481C1C}">
+                <a14:useLocalDpi xmlns:a14="http://schemas.microsoft.com/office/drawing/2010/main" val="0"/>
+              </a:ext>
+            </a:extLst>
+          </a:blip>
+          <a:stretch>
+            <a:fillRect/>
+          </a:stretch>
+        </p:blipFill>
+        <p:spPr>
+          <a:xfrm>
+            <a:off x="101978" y="2348880"/>
+            <a:ext cx="8646486" cy="4176464"/>
+          </a:xfrm>
+          <a:prstGeom prst="rect">
+            <a:avLst/>
+          </a:prstGeom>
+        </p:spPr>
+      </p:pic>
+      <p:sp>
+        <p:nvSpPr>
+          <p:cNvPr id="6" name="TextBox 5"/>
+          <p:cNvSpPr txBox="1"/>
+          <p:nvPr/>
+        </p:nvSpPr>
+        <p:spPr>
+          <a:xfrm>
+            <a:off x="8524875" y="2555875"/>
+            <a:ext cx="184666" cy="369332"/>
+          </a:xfrm>
+          <a:prstGeom prst="rect">
+            <a:avLst/>
+          </a:prstGeom>
+          <a:noFill/>
+        </p:spPr>
+        <p:txBody>
+          <a:bodyPr wrap="none" rtlCol="0">
+            <a:spAutoFit/>
+          </a:bodyPr>
+          <a:lstStyle/>
+          <a:p>
+            <a:endParaRPr lang="en-US" dirty="0"/>
+          </a:p>
+        </p:txBody>
+      </p:sp>
     </p:spTree>
     <p:extLst>
       <p:ext uri="{BB962C8B-B14F-4D97-AF65-F5344CB8AC3E}">
-        <p14:creationId xmlns:p14="http://schemas.microsoft.com/office/powerpoint/2010/main" val="2656203916"/>
+        <p14:creationId xmlns:p14="http://schemas.microsoft.com/office/powerpoint/2010/main" val="1720617979"/>
       </p:ext>
     </p:extLst>
   </p:cSld>
@@ -16877,7 +18238,7 @@
           <a:p>
             <a:r>
               <a:rPr lang="en-US" dirty="0" smtClean="0"/>
-              <a:t>Backup slides</a:t>
+              <a:t>Optimization speedup</a:t>
             </a:r>
             <a:endParaRPr lang="en-US" dirty="0"/>
           </a:p>
@@ -16893,12 +18254,88 @@
             <p:ph idx="1"/>
           </p:nvPr>
         </p:nvSpPr>
-        <p:spPr/>
+        <p:spPr>
+          <a:xfrm>
+            <a:off x="498474" y="1412777"/>
+            <a:ext cx="7556313" cy="1224135"/>
+          </a:xfrm>
+        </p:spPr>
         <p:txBody>
           <a:bodyPr/>
           <a:lstStyle/>
           <a:p>
-            <a:endParaRPr lang="en-US"/>
+            <a:r>
+              <a:rPr lang="en-US" dirty="0" smtClean="0"/>
+              <a:t>Relative execution time for </a:t>
+            </a:r>
+            <a:r>
+              <a:rPr lang="en-US" dirty="0"/>
+              <a:t>NPB 3.1.1 </a:t>
+            </a:r>
+            <a:r>
+              <a:rPr lang="en-US" i="1" dirty="0"/>
+              <a:t>(excluding DT and </a:t>
+            </a:r>
+            <a:r>
+              <a:rPr lang="en-US" i="1" dirty="0" smtClean="0"/>
+              <a:t>EP)</a:t>
+            </a:r>
+          </a:p>
+          <a:p>
+            <a:pPr lvl="1"/>
+            <a:r>
+              <a:rPr lang="en-US" dirty="0" smtClean="0"/>
+              <a:t>Intel </a:t>
+            </a:r>
+            <a:r>
+              <a:rPr lang="fr-FR" dirty="0"/>
+              <a:t>Xeon </a:t>
+            </a:r>
+            <a:r>
+              <a:rPr lang="en-US" dirty="0"/>
+              <a:t>x64 </a:t>
+            </a:r>
+            <a:r>
+              <a:rPr lang="en-US" dirty="0" smtClean="0"/>
+              <a:t>cluster</a:t>
+            </a:r>
+            <a:r>
+              <a:rPr lang="en-US" dirty="0"/>
+              <a:t> </a:t>
+            </a:r>
+            <a:r>
+              <a:rPr lang="en-US" dirty="0" smtClean="0"/>
+              <a:t>(1 </a:t>
+            </a:r>
+            <a:r>
+              <a:rPr lang="en-US" dirty="0" err="1"/>
+              <a:t>Gbps</a:t>
+            </a:r>
+            <a:r>
+              <a:rPr lang="en-US" dirty="0"/>
+              <a:t> </a:t>
+            </a:r>
+            <a:r>
+              <a:rPr lang="en-US" dirty="0" smtClean="0"/>
+              <a:t>Ethernet</a:t>
+            </a:r>
+            <a:r>
+              <a:rPr lang="en-US" dirty="0" smtClean="0"/>
+              <a:t>): Up </a:t>
+            </a:r>
+            <a:r>
+              <a:rPr lang="en-US" dirty="0" smtClean="0"/>
+              <a:t>to </a:t>
+            </a:r>
+            <a:r>
+              <a:rPr lang="en-US" dirty="0" smtClean="0"/>
+              <a:t>1.79x </a:t>
+            </a:r>
+            <a:r>
+              <a:rPr lang="en-US" dirty="0" smtClean="0"/>
+              <a:t>faster</a:t>
+            </a:r>
+            <a:endParaRPr lang="en-US" dirty="0"/>
           </a:p>
         </p:txBody>
       </p:sp>
@@ -16925,10 +18362,66 @@
           </a:p>
         </p:txBody>
       </p:sp>
+      <p:pic>
+        <p:nvPicPr>
+          <p:cNvPr id="12" name="Picture 11" descr="npb_disco_B.png"/>
+          <p:cNvPicPr>
+            <a:picLocks noChangeAspect="1"/>
+          </p:cNvPicPr>
+          <p:nvPr/>
+        </p:nvPicPr>
+        <p:blipFill>
+          <a:blip r:embed="rId3">
+            <a:extLst>
+              <a:ext uri="{28A0092B-C50C-407E-A947-70E740481C1C}">
+                <a14:useLocalDpi xmlns:a14="http://schemas.microsoft.com/office/drawing/2010/main" val="0"/>
+              </a:ext>
+            </a:extLst>
+          </a:blip>
+          <a:stretch>
+            <a:fillRect/>
+          </a:stretch>
+        </p:blipFill>
+        <p:spPr>
+          <a:xfrm>
+            <a:off x="323528" y="2132856"/>
+            <a:ext cx="8136904" cy="4319843"/>
+          </a:xfrm>
+          <a:prstGeom prst="rect">
+            <a:avLst/>
+          </a:prstGeom>
+        </p:spPr>
+      </p:pic>
+      <p:sp>
+        <p:nvSpPr>
+          <p:cNvPr id="6" name="TextBox 5"/>
+          <p:cNvSpPr txBox="1"/>
+          <p:nvPr/>
+        </p:nvSpPr>
+        <p:spPr>
+          <a:xfrm>
+            <a:off x="8524875" y="2555875"/>
+            <a:ext cx="184666" cy="369332"/>
+          </a:xfrm>
+          <a:prstGeom prst="rect">
+            <a:avLst/>
+          </a:prstGeom>
+          <a:noFill/>
+        </p:spPr>
+        <p:txBody>
+          <a:bodyPr wrap="none" rtlCol="0">
+            <a:spAutoFit/>
+          </a:bodyPr>
+          <a:lstStyle/>
+          <a:p>
+            <a:endParaRPr lang="en-US" dirty="0"/>
+          </a:p>
+        </p:txBody>
+      </p:sp>
     </p:spTree>
     <p:extLst>
       <p:ext uri="{BB962C8B-B14F-4D97-AF65-F5344CB8AC3E}">
-        <p14:creationId xmlns:p14="http://schemas.microsoft.com/office/powerpoint/2010/main" val="1313715358"/>
+        <p14:creationId xmlns:p14="http://schemas.microsoft.com/office/powerpoint/2010/main" val="376485325"/>
       </p:ext>
     </p:extLst>
   </p:cSld>
@@ -16979,7 +18472,7 @@
           <a:p>
             <a:r>
               <a:rPr lang="en-US" dirty="0" smtClean="0"/>
-              <a:t>Related work</a:t>
+              <a:t>Future work</a:t>
             </a:r>
             <a:endParaRPr lang="en-US" dirty="0"/>
           </a:p>
@@ -16997,153 +18490,29 @@
         </p:nvSpPr>
         <p:spPr/>
         <p:txBody>
-          <a:bodyPr>
-            <a:normAutofit fontScale="85000" lnSpcReduction="10000"/>
-          </a:bodyPr>
+          <a:bodyPr/>
           <a:lstStyle/>
           <a:p>
             <a:r>
+              <a:rPr lang="en-US" dirty="0" smtClean="0"/>
+              <a:t>Automate the program transformation</a:t>
+            </a:r>
+          </a:p>
+          <a:p>
+            <a:r>
+              <a:rPr lang="en-US" dirty="0" smtClean="0"/>
+              <a:t>Support more CCO patterns</a:t>
+            </a:r>
+          </a:p>
+          <a:p>
+            <a:r>
               <a:rPr lang="en-US" dirty="0"/>
-              <a:t>MPI-aware compiler </a:t>
+              <a:t>Model </a:t>
             </a:r>
             <a:r>
               <a:rPr lang="en-US" dirty="0" smtClean="0"/>
-              <a:t>optimization</a:t>
-            </a:r>
-          </a:p>
-          <a:p>
-            <a:pPr lvl="1"/>
-            <a:r>
-              <a:rPr lang="en-US" dirty="0" smtClean="0"/>
-              <a:t>Transformations </a:t>
-            </a:r>
-            <a:r>
-              <a:rPr lang="en-US" dirty="0"/>
-              <a:t>to Parallel Codes for Communication-Computation Overlap, SC’05</a:t>
-            </a:r>
-            <a:r>
-              <a:rPr lang="en-US" dirty="0" smtClean="0"/>
-              <a:t>, </a:t>
-            </a:r>
-          </a:p>
-          <a:p>
-            <a:pPr lvl="1"/>
-            <a:r>
-              <a:rPr lang="en-US" dirty="0" smtClean="0"/>
-              <a:t>Exact </a:t>
-            </a:r>
-            <a:r>
-              <a:rPr lang="en-US" dirty="0"/>
-              <a:t>Dependence Analysis for Increased Communication </a:t>
-            </a:r>
-            <a:r>
-              <a:rPr lang="en-US" dirty="0" smtClean="0"/>
-              <a:t>Overlap, EuroMPI</a:t>
-            </a:r>
-            <a:r>
-              <a:rPr lang="en-US" dirty="0"/>
-              <a:t>’</a:t>
-            </a:r>
-            <a:r>
-              <a:rPr lang="en-US" dirty="0" smtClean="0"/>
-              <a:t>12</a:t>
-            </a:r>
-          </a:p>
-          <a:p>
-            <a:r>
-              <a:rPr lang="en-US" dirty="0" smtClean="0"/>
-              <a:t>Model</a:t>
-            </a:r>
-            <a:r>
-              <a:rPr lang="en-US" dirty="0"/>
-              <a:t>-based </a:t>
-            </a:r>
-            <a:r>
-              <a:rPr lang="en-US" dirty="0" smtClean="0"/>
-              <a:t>approaches</a:t>
-            </a:r>
-          </a:p>
-          <a:p>
-            <a:pPr lvl="1"/>
-            <a:r>
-              <a:rPr lang="en-US" dirty="0" smtClean="0"/>
-              <a:t>Automatic </a:t>
-            </a:r>
-            <a:r>
-              <a:rPr lang="en-US" dirty="0"/>
-              <a:t>Transformation for Overlapping Communication and Computation, NPC’</a:t>
-            </a:r>
-            <a:r>
-              <a:rPr lang="en-US" dirty="0" smtClean="0"/>
-              <a:t>08</a:t>
-            </a:r>
-          </a:p>
-          <a:p>
-            <a:r>
-              <a:rPr lang="en-US" dirty="0" smtClean="0"/>
-              <a:t>Overlapping with threads</a:t>
-            </a:r>
-          </a:p>
-          <a:p>
-            <a:pPr lvl="1"/>
-            <a:r>
-              <a:rPr lang="en-US" dirty="0" smtClean="0"/>
-              <a:t>Overlapping </a:t>
-            </a:r>
-            <a:r>
-              <a:rPr lang="en-US" dirty="0"/>
-              <a:t>Communication and Computation with </a:t>
-            </a:r>
-            <a:r>
-              <a:rPr lang="en-US" dirty="0" err="1"/>
-              <a:t>OpenMP</a:t>
-            </a:r>
-            <a:r>
-              <a:rPr lang="en-US" dirty="0"/>
-              <a:t> and </a:t>
-            </a:r>
-            <a:r>
-              <a:rPr lang="en-US" dirty="0" smtClean="0"/>
-              <a:t>MPI, SP</a:t>
-            </a:r>
-            <a:r>
-              <a:rPr lang="en-US" dirty="0"/>
-              <a:t>’</a:t>
-            </a:r>
-            <a:r>
-              <a:rPr lang="en-US" dirty="0" smtClean="0"/>
-              <a:t>01</a:t>
-            </a:r>
-          </a:p>
-          <a:p>
-            <a:r>
-              <a:rPr lang="en-US" dirty="0" smtClean="0"/>
-              <a:t>Overlapping for one-sided communication</a:t>
-            </a:r>
-          </a:p>
-          <a:p>
-            <a:pPr lvl="1"/>
-            <a:r>
-              <a:rPr lang="en-US" dirty="0" smtClean="0"/>
-              <a:t>Optimizing </a:t>
-            </a:r>
-            <a:r>
-              <a:rPr lang="en-US" dirty="0"/>
-              <a:t>Bandwidth Limited Problems Using One-sided Communication and Overlap, IPDPS’</a:t>
-            </a:r>
-            <a:r>
-              <a:rPr lang="en-US" dirty="0" smtClean="0"/>
-              <a:t>06</a:t>
-            </a:r>
-            <a:endParaRPr lang="en-US" dirty="0"/>
-          </a:p>
-          <a:p>
-            <a:pPr lvl="1"/>
-            <a:endParaRPr lang="en-US" dirty="0" smtClean="0"/>
-          </a:p>
-          <a:p>
-            <a:pPr lvl="1"/>
-            <a:endParaRPr lang="en-US" dirty="0" smtClean="0"/>
+              <a:t>multiple cores on single node and the unbalanced communication time</a:t>
+            </a:r>
           </a:p>
         </p:txBody>
       </p:sp>
@@ -17173,7 +18542,109 @@
     </p:spTree>
     <p:extLst>
       <p:ext uri="{BB962C8B-B14F-4D97-AF65-F5344CB8AC3E}">
-        <p14:creationId xmlns:p14="http://schemas.microsoft.com/office/powerpoint/2010/main" val="3040465132"/>
+        <p14:creationId xmlns:p14="http://schemas.microsoft.com/office/powerpoint/2010/main" val="2656203916"/>
+      </p:ext>
+    </p:extLst>
+  </p:cSld>
+  <p:clrMapOvr>
+    <a:masterClrMapping/>
+  </p:clrMapOvr>
+  <p:timing>
+    <p:tnLst>
+      <p:par>
+        <p:cTn xmlns:p14="http://schemas.microsoft.com/office/powerpoint/2010/main" id="1" dur="indefinite" restart="never" nodeType="tmRoot"/>
+      </p:par>
+    </p:tnLst>
+  </p:timing>
+</p:sld>
+</file>
+
+<file path=ppt/slides/slide19.xml><?xml version="1.0" encoding="utf-8"?>
+<p:sld xmlns:a="http://schemas.openxmlformats.org/drawingml/2006/main" xmlns:r="http://schemas.openxmlformats.org/officeDocument/2006/relationships" xmlns:p="http://schemas.openxmlformats.org/presentationml/2006/main">
+  <p:cSld>
+    <p:spTree>
+      <p:nvGrpSpPr>
+        <p:cNvPr id="1" name=""/>
+        <p:cNvGrpSpPr/>
+        <p:nvPr/>
+      </p:nvGrpSpPr>
+      <p:grpSpPr>
+        <a:xfrm>
+          <a:off x="0" y="0"/>
+          <a:ext cx="0" cy="0"/>
+          <a:chOff x="0" y="0"/>
+          <a:chExt cx="0" cy="0"/>
+        </a:xfrm>
+      </p:grpSpPr>
+      <p:sp>
+        <p:nvSpPr>
+          <p:cNvPr id="2" name="Title 1"/>
+          <p:cNvSpPr>
+            <a:spLocks noGrp="1"/>
+          </p:cNvSpPr>
+          <p:nvPr>
+            <p:ph type="title"/>
+          </p:nvPr>
+        </p:nvSpPr>
+        <p:spPr/>
+        <p:txBody>
+          <a:bodyPr/>
+          <a:lstStyle/>
+          <a:p>
+            <a:r>
+              <a:rPr lang="en-US" dirty="0" smtClean="0"/>
+              <a:t>Backup slides</a:t>
+            </a:r>
+            <a:endParaRPr lang="en-US" dirty="0"/>
+          </a:p>
+        </p:txBody>
+      </p:sp>
+      <p:sp>
+        <p:nvSpPr>
+          <p:cNvPr id="3" name="Content Placeholder 2"/>
+          <p:cNvSpPr>
+            <a:spLocks noGrp="1"/>
+          </p:cNvSpPr>
+          <p:nvPr>
+            <p:ph idx="1"/>
+          </p:nvPr>
+        </p:nvSpPr>
+        <p:spPr/>
+        <p:txBody>
+          <a:bodyPr/>
+          <a:lstStyle/>
+          <a:p>
+            <a:endParaRPr lang="en-US"/>
+          </a:p>
+        </p:txBody>
+      </p:sp>
+      <p:sp>
+        <p:nvSpPr>
+          <p:cNvPr id="4" name="Slide Number Placeholder 3"/>
+          <p:cNvSpPr>
+            <a:spLocks noGrp="1"/>
+          </p:cNvSpPr>
+          <p:nvPr>
+            <p:ph type="sldNum" sz="quarter" idx="12"/>
+          </p:nvPr>
+        </p:nvSpPr>
+        <p:spPr/>
+        <p:txBody>
+          <a:bodyPr/>
+          <a:lstStyle/>
+          <a:p>
+            <a:fld id="{089A015A-1AD9-46F4-A47D-C723C7F63AFF}" type="slidenum">
+              <a:rPr lang="en-US" smtClean="0"/>
+              <a:t>19</a:t>
+            </a:fld>
+            <a:endParaRPr lang="en-US" dirty="0"/>
+          </a:p>
+        </p:txBody>
+      </p:sp>
+    </p:spTree>
+    <p:extLst>
+      <p:ext uri="{BB962C8B-B14F-4D97-AF65-F5344CB8AC3E}">
+        <p14:creationId xmlns:p14="http://schemas.microsoft.com/office/powerpoint/2010/main" val="1313715358"/>
       </p:ext>
     </p:extLst>
   </p:cSld>
@@ -17224,7 +18695,15 @@
           <a:p>
             <a:r>
               <a:rPr lang="en-US" dirty="0" smtClean="0"/>
-              <a:t>Optimization challenges</a:t>
+              <a:t>Overlapping </a:t>
+            </a:r>
+            <a:r>
+              <a:rPr lang="en-US" dirty="0" smtClean="0"/>
+              <a:t>computation and </a:t>
+            </a:r>
+            <a:r>
+              <a:rPr lang="en-US" dirty="0" smtClean="0"/>
+              <a:t>communication</a:t>
             </a:r>
             <a:endParaRPr lang="en-US" dirty="0"/>
           </a:p>
@@ -17240,7 +18719,12 @@
             <p:ph idx="1"/>
           </p:nvPr>
         </p:nvSpPr>
-        <p:spPr/>
+        <p:spPr>
+          <a:xfrm>
+            <a:off x="498474" y="1700808"/>
+            <a:ext cx="8538022" cy="2016224"/>
+          </a:xfrm>
+        </p:spPr>
         <p:txBody>
           <a:bodyPr>
             <a:normAutofit/>
@@ -17248,111 +18732,41 @@
           <a:lstStyle/>
           <a:p>
             <a:r>
+              <a:rPr lang="en-US" dirty="0" smtClean="0"/>
+              <a:t>Goal: enhance performance portability of MPI applications </a:t>
+            </a:r>
+          </a:p>
+          <a:p>
+            <a:pPr lvl="1"/>
+            <a:r>
               <a:rPr lang="en-US" dirty="0"/>
-              <a:t>Safety constraints</a:t>
+              <a:t>N</a:t>
+            </a:r>
+            <a:r>
+              <a:rPr lang="en-US" dirty="0" smtClean="0"/>
+              <a:t>etwork </a:t>
+            </a:r>
+            <a:r>
+              <a:rPr lang="en-US" dirty="0" smtClean="0"/>
+              <a:t>communication latency unpredictable a priori</a:t>
             </a:r>
           </a:p>
           <a:p>
             <a:pPr lvl="1"/>
             <a:r>
-              <a:rPr lang="en-US" dirty="0"/>
-              <a:t>Accuracy of the data dependence analysis</a:t>
-            </a:r>
-          </a:p>
-          <a:p>
-            <a:pPr lvl="2"/>
-            <a:r>
-              <a:rPr lang="en-US" dirty="0"/>
-              <a:t>Inter-procedural analysis</a:t>
-            </a:r>
-          </a:p>
-          <a:p>
-            <a:pPr lvl="2"/>
-            <a:r>
               <a:rPr lang="en-US" dirty="0" smtClean="0"/>
-              <a:t>Runtime </a:t>
-            </a:r>
-            <a:r>
-              <a:rPr lang="en-US" dirty="0"/>
-              <a:t>code path and data access patterns</a:t>
-            </a:r>
-          </a:p>
-          <a:p>
+              <a:t>No longer true --- e</a:t>
+            </a:r>
             <a:r>
               <a:rPr lang="en-US" dirty="0" smtClean="0"/>
-              <a:t>Profitability </a:t>
-            </a:r>
-            <a:r>
-              <a:rPr lang="en-US" dirty="0"/>
-              <a:t>constraints</a:t>
-            </a:r>
-          </a:p>
-          <a:p>
-            <a:pPr lvl="1"/>
-            <a:r>
-              <a:rPr lang="en-US" dirty="0"/>
-              <a:t>Hide </a:t>
-            </a:r>
+              <a:t>qual work means equal time</a:t>
+            </a:r>
+          </a:p>
+          <a:p>
             <a:r>
               <a:rPr lang="en-US" dirty="0" smtClean="0"/>
-              <a:t>communication overhead</a:t>
-            </a:r>
-            <a:endParaRPr lang="en-US" dirty="0"/>
-          </a:p>
-          <a:p>
-            <a:pPr lvl="2"/>
-            <a:r>
-              <a:rPr lang="en-US" dirty="0"/>
-              <a:t>Non-blocking </a:t>
-            </a:r>
-            <a:r>
-              <a:rPr lang="en-US" dirty="0" smtClean="0"/>
-              <a:t>could </a:t>
-            </a:r>
-            <a:r>
-              <a:rPr lang="en-US" dirty="0"/>
-              <a:t>be slower than blocking </a:t>
-            </a:r>
-            <a:r>
-              <a:rPr lang="en-US" dirty="0" smtClean="0"/>
-              <a:t>communication</a:t>
-            </a:r>
-            <a:endParaRPr lang="en-US" dirty="0"/>
-          </a:p>
-          <a:p>
-            <a:pPr lvl="2"/>
-            <a:r>
-              <a:rPr lang="en-US" dirty="0"/>
-              <a:t>Require more buffers</a:t>
-            </a:r>
-          </a:p>
-          <a:p>
-            <a:pPr lvl="1"/>
-            <a:r>
-              <a:rPr lang="en-US" dirty="0"/>
-              <a:t>Distribution of </a:t>
-            </a:r>
-            <a:r>
-              <a:rPr lang="en-US" dirty="0" err="1"/>
-              <a:t>MPI_Test</a:t>
-            </a:r>
-            <a:endParaRPr lang="en-US" dirty="0"/>
-          </a:p>
-          <a:p>
-            <a:pPr lvl="2"/>
-            <a:r>
-              <a:rPr lang="en-US" dirty="0"/>
-              <a:t>When too few: insufficient to complete communication</a:t>
-            </a:r>
-          </a:p>
-          <a:p>
-            <a:pPr lvl="2"/>
-            <a:r>
-              <a:rPr lang="en-US" dirty="0"/>
-              <a:t>When too many: slowdown the computation</a:t>
-            </a:r>
-          </a:p>
-          <a:p>
+              <a:t>Approach: overlap computation and communication from different loop iterations</a:t>
+            </a:r>
             <a:endParaRPr lang="en-US" dirty="0"/>
           </a:p>
         </p:txBody>
@@ -17380,10 +18794,1566 @@
           </a:p>
         </p:txBody>
       </p:sp>
+      <p:sp>
+        <p:nvSpPr>
+          <p:cNvPr id="75" name="TextBox 74"/>
+          <p:cNvSpPr txBox="1"/>
+          <p:nvPr/>
+        </p:nvSpPr>
+        <p:spPr>
+          <a:xfrm>
+            <a:off x="695158" y="4010526"/>
+            <a:ext cx="184666" cy="369332"/>
+          </a:xfrm>
+          <a:prstGeom prst="rect">
+            <a:avLst/>
+          </a:prstGeom>
+          <a:noFill/>
+        </p:spPr>
+        <p:txBody>
+          <a:bodyPr wrap="none" rtlCol="0">
+            <a:spAutoFit/>
+          </a:bodyPr>
+          <a:lstStyle/>
+          <a:p>
+            <a:endParaRPr lang="en-US" dirty="0"/>
+          </a:p>
+        </p:txBody>
+      </p:sp>
+      <p:sp>
+        <p:nvSpPr>
+          <p:cNvPr id="76" name="TextBox 75"/>
+          <p:cNvSpPr txBox="1"/>
+          <p:nvPr/>
+        </p:nvSpPr>
+        <p:spPr>
+          <a:xfrm>
+            <a:off x="334211" y="3876842"/>
+            <a:ext cx="184666" cy="369332"/>
+          </a:xfrm>
+          <a:prstGeom prst="rect">
+            <a:avLst/>
+          </a:prstGeom>
+          <a:noFill/>
+        </p:spPr>
+        <p:txBody>
+          <a:bodyPr wrap="none" rtlCol="0">
+            <a:spAutoFit/>
+          </a:bodyPr>
+          <a:lstStyle/>
+          <a:p>
+            <a:endParaRPr lang="en-US" dirty="0"/>
+          </a:p>
+        </p:txBody>
+      </p:sp>
+      <p:grpSp>
+        <p:nvGrpSpPr>
+          <p:cNvPr id="104" name="Group 103"/>
+          <p:cNvGrpSpPr/>
+          <p:nvPr/>
+        </p:nvGrpSpPr>
+        <p:grpSpPr>
+          <a:xfrm>
+            <a:off x="150941" y="3717032"/>
+            <a:ext cx="8885555" cy="3046268"/>
+            <a:chOff x="35805" y="2713801"/>
+            <a:chExt cx="8885555" cy="3703632"/>
+          </a:xfrm>
+        </p:grpSpPr>
+        <p:cxnSp>
+          <p:nvCxnSpPr>
+            <p:cNvPr id="105" name="Straight Connector 104"/>
+            <p:cNvCxnSpPr>
+              <a:stCxn id="123" idx="1"/>
+              <a:endCxn id="123" idx="1"/>
+            </p:cNvCxnSpPr>
+            <p:nvPr/>
+          </p:nvCxnSpPr>
+          <p:spPr>
+            <a:xfrm>
+              <a:off x="1216004" y="4059244"/>
+              <a:ext cx="0" cy="0"/>
+            </a:xfrm>
+            <a:prstGeom prst="line">
+              <a:avLst/>
+            </a:prstGeom>
+            <a:noFill/>
+            <a:ln w="25400" cap="flat" cmpd="sng" algn="ctr">
+              <a:solidFill>
+                <a:srgbClr val="4F81BD"/>
+              </a:solidFill>
+              <a:prstDash val="solid"/>
+            </a:ln>
+            <a:effectLst>
+              <a:outerShdw blurRad="40000" dist="20000" dir="5400000" rotWithShape="0">
+                <a:srgbClr val="000000">
+                  <a:alpha val="38000"/>
+                </a:srgbClr>
+              </a:outerShdw>
+            </a:effectLst>
+          </p:spPr>
+        </p:cxnSp>
+        <p:grpSp>
+          <p:nvGrpSpPr>
+            <p:cNvPr id="106" name="Group 105"/>
+            <p:cNvGrpSpPr/>
+            <p:nvPr/>
+          </p:nvGrpSpPr>
+          <p:grpSpPr>
+            <a:xfrm>
+              <a:off x="58606" y="2713801"/>
+              <a:ext cx="8862754" cy="3334300"/>
+              <a:chOff x="58606" y="2713801"/>
+              <a:chExt cx="8862754" cy="3334300"/>
+            </a:xfrm>
+          </p:grpSpPr>
+          <p:grpSp>
+            <p:nvGrpSpPr>
+              <p:cNvPr id="110" name="Group 109"/>
+              <p:cNvGrpSpPr/>
+              <p:nvPr/>
+            </p:nvGrpSpPr>
+            <p:grpSpPr>
+              <a:xfrm>
+                <a:off x="58606" y="2713801"/>
+                <a:ext cx="8862754" cy="3334300"/>
+                <a:chOff x="58606" y="2713801"/>
+                <a:chExt cx="8862754" cy="3334300"/>
+              </a:xfrm>
+            </p:grpSpPr>
+            <p:grpSp>
+              <p:nvGrpSpPr>
+                <p:cNvPr id="119" name="Group 118"/>
+                <p:cNvGrpSpPr/>
+                <p:nvPr/>
+              </p:nvGrpSpPr>
+              <p:grpSpPr>
+                <a:xfrm>
+                  <a:off x="58606" y="3765865"/>
+                  <a:ext cx="8862754" cy="2169986"/>
+                  <a:chOff x="175834" y="1616685"/>
+                  <a:chExt cx="8862754" cy="2169986"/>
+                </a:xfrm>
+              </p:grpSpPr>
+              <p:sp>
+                <p:nvSpPr>
+                  <p:cNvPr id="122" name="Rectangle 121"/>
+                  <p:cNvSpPr/>
+                  <p:nvPr/>
+                </p:nvSpPr>
+                <p:spPr>
+                  <a:xfrm>
+                    <a:off x="3193502" y="1616685"/>
+                    <a:ext cx="996461" cy="576064"/>
+                  </a:xfrm>
+                  <a:prstGeom prst="rect">
+                    <a:avLst/>
+                  </a:prstGeom>
+                  <a:noFill/>
+                  <a:ln w="25400" cap="flat" cmpd="sng" algn="ctr">
+                    <a:solidFill>
+                      <a:srgbClr val="F79646"/>
+                    </a:solidFill>
+                    <a:prstDash val="solid"/>
+                  </a:ln>
+                  <a:effectLst/>
+                </p:spPr>
+                <p:txBody>
+                  <a:bodyPr rtlCol="0" anchor="ctr"/>
+                  <a:lstStyle/>
+                  <a:p>
+                    <a:pPr marL="0" marR="0" lvl="0" indent="0" algn="ctr" defTabSz="914400" eaLnBrk="1" fontAlgn="auto" latinLnBrk="0" hangingPunct="1">
+                      <a:lnSpc>
+                        <a:spcPct val="100000"/>
+                      </a:lnSpc>
+                      <a:spcBef>
+                        <a:spcPts val="0"/>
+                      </a:spcBef>
+                      <a:spcAft>
+                        <a:spcPts val="0"/>
+                      </a:spcAft>
+                      <a:buClrTx/>
+                      <a:buSzTx/>
+                      <a:buFontTx/>
+                      <a:buNone/>
+                      <a:tabLst/>
+                      <a:defRPr/>
+                    </a:pPr>
+                    <a:r>
+                      <a:rPr kumimoji="0" lang="en-US" sz="1800" b="0" i="0" u="none" strike="noStrike" kern="0" cap="none" spc="0" normalizeH="0" baseline="0" noProof="0" dirty="0" smtClean="0">
+                        <a:ln>
+                          <a:noFill/>
+                        </a:ln>
+                        <a:solidFill>
+                          <a:sysClr val="windowText" lastClr="000000"/>
+                        </a:solidFill>
+                        <a:effectLst/>
+                        <a:uLnTx/>
+                        <a:uFillTx/>
+                        <a:latin typeface="Calibri"/>
+                        <a:ea typeface="+mn-ea"/>
+                        <a:cs typeface="+mn-cs"/>
+                      </a:rPr>
+                      <a:t>Wait1</a:t>
+                    </a:r>
+                  </a:p>
+                </p:txBody>
+              </p:sp>
+              <p:sp>
+                <p:nvSpPr>
+                  <p:cNvPr id="123" name="Rectangle 122"/>
+                  <p:cNvSpPr/>
+                  <p:nvPr/>
+                </p:nvSpPr>
+                <p:spPr>
+                  <a:xfrm>
+                    <a:off x="1333232" y="1622032"/>
+                    <a:ext cx="996461" cy="576064"/>
+                  </a:xfrm>
+                  <a:prstGeom prst="rect">
+                    <a:avLst/>
+                  </a:prstGeom>
+                  <a:noFill/>
+                  <a:ln w="25400" cap="flat" cmpd="sng" algn="ctr">
+                    <a:solidFill>
+                      <a:srgbClr val="F79646"/>
+                    </a:solidFill>
+                    <a:prstDash val="solid"/>
+                  </a:ln>
+                  <a:effectLst/>
+                </p:spPr>
+                <p:txBody>
+                  <a:bodyPr rtlCol="0" anchor="ctr"/>
+                  <a:lstStyle/>
+                  <a:p>
+                    <a:pPr marL="0" marR="0" lvl="0" indent="0" algn="ctr" defTabSz="914400" eaLnBrk="1" fontAlgn="auto" latinLnBrk="0" hangingPunct="1">
+                      <a:lnSpc>
+                        <a:spcPct val="100000"/>
+                      </a:lnSpc>
+                      <a:spcBef>
+                        <a:spcPts val="0"/>
+                      </a:spcBef>
+                      <a:spcAft>
+                        <a:spcPts val="0"/>
+                      </a:spcAft>
+                      <a:buClrTx/>
+                      <a:buSzTx/>
+                      <a:buFontTx/>
+                      <a:buNone/>
+                      <a:tabLst/>
+                      <a:defRPr/>
+                    </a:pPr>
+                    <a:r>
+                      <a:rPr kumimoji="0" lang="en-US" sz="1800" b="0" i="0" u="none" strike="noStrike" kern="0" cap="none" spc="0" normalizeH="0" baseline="0" noProof="0" dirty="0" smtClean="0">
+                        <a:ln>
+                          <a:noFill/>
+                        </a:ln>
+                        <a:solidFill>
+                          <a:sysClr val="windowText" lastClr="000000"/>
+                        </a:solidFill>
+                        <a:effectLst/>
+                        <a:uLnTx/>
+                        <a:uFillTx/>
+                        <a:latin typeface="Calibri"/>
+                        <a:ea typeface="+mn-ea"/>
+                        <a:cs typeface="+mn-cs"/>
+                      </a:rPr>
+                      <a:t>Ialltoall1</a:t>
+                    </a:r>
+                  </a:p>
+                </p:txBody>
+              </p:sp>
+              <p:sp>
+                <p:nvSpPr>
+                  <p:cNvPr id="124" name="Rectangle 123"/>
+                  <p:cNvSpPr/>
+                  <p:nvPr/>
+                </p:nvSpPr>
+                <p:spPr>
+                  <a:xfrm>
+                    <a:off x="175834" y="1620237"/>
+                    <a:ext cx="996461" cy="576064"/>
+                  </a:xfrm>
+                  <a:prstGeom prst="rect">
+                    <a:avLst/>
+                  </a:prstGeom>
+                  <a:noFill/>
+                  <a:ln w="25400" cap="flat" cmpd="sng" algn="ctr">
+                    <a:solidFill>
+                      <a:srgbClr val="9BBB59"/>
+                    </a:solidFill>
+                    <a:prstDash val="solid"/>
+                  </a:ln>
+                  <a:effectLst/>
+                </p:spPr>
+                <p:txBody>
+                  <a:bodyPr rtlCol="0" anchor="ctr"/>
+                  <a:lstStyle/>
+                  <a:p>
+                    <a:pPr marL="0" marR="0" lvl="0" indent="0" algn="ctr" defTabSz="914400" eaLnBrk="1" fontAlgn="auto" latinLnBrk="0" hangingPunct="1">
+                      <a:lnSpc>
+                        <a:spcPct val="100000"/>
+                      </a:lnSpc>
+                      <a:spcBef>
+                        <a:spcPts val="0"/>
+                      </a:spcBef>
+                      <a:spcAft>
+                        <a:spcPts val="0"/>
+                      </a:spcAft>
+                      <a:buClrTx/>
+                      <a:buSzTx/>
+                      <a:buFontTx/>
+                      <a:buNone/>
+                      <a:tabLst/>
+                      <a:defRPr/>
+                    </a:pPr>
+                    <a:r>
+                      <a:rPr kumimoji="0" lang="en-US" sz="1800" b="0" i="0" u="none" strike="noStrike" kern="0" cap="none" spc="0" normalizeH="0" baseline="0" noProof="0" dirty="0" smtClean="0">
+                        <a:ln>
+                          <a:noFill/>
+                        </a:ln>
+                        <a:solidFill>
+                          <a:sysClr val="windowText" lastClr="000000"/>
+                        </a:solidFill>
+                        <a:effectLst/>
+                        <a:uLnTx/>
+                        <a:uFillTx/>
+                        <a:latin typeface="Calibri"/>
+                        <a:ea typeface="+mn-ea"/>
+                        <a:cs typeface="+mn-cs"/>
+                      </a:rPr>
+                      <a:t>Before1</a:t>
+                    </a:r>
+                  </a:p>
+                </p:txBody>
+              </p:sp>
+              <p:sp>
+                <p:nvSpPr>
+                  <p:cNvPr id="125" name="Rectangle 124"/>
+                  <p:cNvSpPr/>
+                  <p:nvPr/>
+                </p:nvSpPr>
+                <p:spPr>
+                  <a:xfrm>
+                    <a:off x="5119584" y="1641570"/>
+                    <a:ext cx="996461" cy="576064"/>
+                  </a:xfrm>
+                  <a:prstGeom prst="rect">
+                    <a:avLst/>
+                  </a:prstGeom>
+                  <a:noFill/>
+                  <a:ln w="25400" cap="flat" cmpd="sng" algn="ctr">
+                    <a:solidFill>
+                      <a:srgbClr val="4BACC6"/>
+                    </a:solidFill>
+                    <a:prstDash val="solid"/>
+                  </a:ln>
+                  <a:effectLst/>
+                </p:spPr>
+                <p:txBody>
+                  <a:bodyPr rtlCol="0" anchor="ctr"/>
+                  <a:lstStyle/>
+                  <a:p>
+                    <a:pPr marL="0" marR="0" lvl="0" indent="0" algn="ctr" defTabSz="914400" eaLnBrk="1" fontAlgn="auto" latinLnBrk="0" hangingPunct="1">
+                      <a:lnSpc>
+                        <a:spcPct val="100000"/>
+                      </a:lnSpc>
+                      <a:spcBef>
+                        <a:spcPts val="0"/>
+                      </a:spcBef>
+                      <a:spcAft>
+                        <a:spcPts val="0"/>
+                      </a:spcAft>
+                      <a:buClrTx/>
+                      <a:buSzTx/>
+                      <a:buFontTx/>
+                      <a:buNone/>
+                      <a:tabLst/>
+                      <a:defRPr/>
+                    </a:pPr>
+                    <a:r>
+                      <a:rPr kumimoji="0" lang="en-US" sz="1800" b="0" i="0" u="none" strike="noStrike" kern="0" cap="none" spc="0" normalizeH="0" baseline="0" noProof="0" dirty="0" smtClean="0">
+                        <a:ln>
+                          <a:noFill/>
+                        </a:ln>
+                        <a:solidFill>
+                          <a:sysClr val="windowText" lastClr="000000"/>
+                        </a:solidFill>
+                        <a:effectLst/>
+                        <a:uLnTx/>
+                        <a:uFillTx/>
+                        <a:latin typeface="Calibri"/>
+                        <a:ea typeface="+mn-ea"/>
+                        <a:cs typeface="+mn-cs"/>
+                      </a:rPr>
+                      <a:t>After1</a:t>
+                    </a:r>
+                  </a:p>
+                </p:txBody>
+              </p:sp>
+              <p:sp>
+                <p:nvSpPr>
+                  <p:cNvPr id="126" name="Rectangle 125"/>
+                  <p:cNvSpPr/>
+                  <p:nvPr/>
+                </p:nvSpPr>
+                <p:spPr>
+                  <a:xfrm>
+                    <a:off x="4149859" y="2410051"/>
+                    <a:ext cx="996461" cy="576064"/>
+                  </a:xfrm>
+                  <a:prstGeom prst="rect">
+                    <a:avLst/>
+                  </a:prstGeom>
+                  <a:noFill/>
+                  <a:ln w="25400" cap="flat" cmpd="sng" algn="ctr">
+                    <a:solidFill>
+                      <a:srgbClr val="F79646"/>
+                    </a:solidFill>
+                    <a:prstDash val="solid"/>
+                  </a:ln>
+                  <a:effectLst/>
+                </p:spPr>
+                <p:txBody>
+                  <a:bodyPr rtlCol="0" anchor="ctr"/>
+                  <a:lstStyle/>
+                  <a:p>
+                    <a:pPr marL="0" marR="0" lvl="0" indent="0" algn="ctr" defTabSz="914400" eaLnBrk="1" fontAlgn="auto" latinLnBrk="0" hangingPunct="1">
+                      <a:lnSpc>
+                        <a:spcPct val="100000"/>
+                      </a:lnSpc>
+                      <a:spcBef>
+                        <a:spcPts val="0"/>
+                      </a:spcBef>
+                      <a:spcAft>
+                        <a:spcPts val="0"/>
+                      </a:spcAft>
+                      <a:buClrTx/>
+                      <a:buSzTx/>
+                      <a:buFontTx/>
+                      <a:buNone/>
+                      <a:tabLst/>
+                      <a:defRPr/>
+                    </a:pPr>
+                    <a:r>
+                      <a:rPr kumimoji="0" lang="en-US" sz="1800" b="0" i="0" u="none" strike="noStrike" kern="0" cap="none" spc="0" normalizeH="0" baseline="0" noProof="0" dirty="0" smtClean="0">
+                        <a:ln>
+                          <a:noFill/>
+                        </a:ln>
+                        <a:solidFill>
+                          <a:sysClr val="windowText" lastClr="000000"/>
+                        </a:solidFill>
+                        <a:effectLst/>
+                        <a:uLnTx/>
+                        <a:uFillTx/>
+                        <a:latin typeface="Calibri"/>
+                        <a:ea typeface="+mn-ea"/>
+                        <a:cs typeface="+mn-cs"/>
+                      </a:rPr>
+                      <a:t>Ialltoall2</a:t>
+                    </a:r>
+                  </a:p>
+                </p:txBody>
+              </p:sp>
+              <p:sp>
+                <p:nvSpPr>
+                  <p:cNvPr id="127" name="Rectangle 126"/>
+                  <p:cNvSpPr/>
+                  <p:nvPr/>
+                </p:nvSpPr>
+                <p:spPr>
+                  <a:xfrm>
+                    <a:off x="2249485" y="2410051"/>
+                    <a:ext cx="996461" cy="576064"/>
+                  </a:xfrm>
+                  <a:prstGeom prst="rect">
+                    <a:avLst/>
+                  </a:prstGeom>
+                  <a:noFill/>
+                  <a:ln w="25400" cap="flat" cmpd="sng" algn="ctr">
+                    <a:solidFill>
+                      <a:srgbClr val="9BBB59"/>
+                    </a:solidFill>
+                    <a:prstDash val="solid"/>
+                  </a:ln>
+                  <a:effectLst/>
+                </p:spPr>
+                <p:txBody>
+                  <a:bodyPr rtlCol="0" anchor="ctr"/>
+                  <a:lstStyle/>
+                  <a:p>
+                    <a:pPr marL="0" marR="0" lvl="0" indent="0" algn="ctr" defTabSz="914400" eaLnBrk="1" fontAlgn="auto" latinLnBrk="0" hangingPunct="1">
+                      <a:lnSpc>
+                        <a:spcPct val="100000"/>
+                      </a:lnSpc>
+                      <a:spcBef>
+                        <a:spcPts val="0"/>
+                      </a:spcBef>
+                      <a:spcAft>
+                        <a:spcPts val="0"/>
+                      </a:spcAft>
+                      <a:buClrTx/>
+                      <a:buSzTx/>
+                      <a:buFontTx/>
+                      <a:buNone/>
+                      <a:tabLst/>
+                      <a:defRPr/>
+                    </a:pPr>
+                    <a:r>
+                      <a:rPr kumimoji="0" lang="en-US" sz="1800" b="0" i="0" u="none" strike="noStrike" kern="0" cap="none" spc="0" normalizeH="0" baseline="0" noProof="0" dirty="0" smtClean="0">
+                        <a:ln>
+                          <a:noFill/>
+                        </a:ln>
+                        <a:solidFill>
+                          <a:sysClr val="windowText" lastClr="000000"/>
+                        </a:solidFill>
+                        <a:effectLst/>
+                        <a:uLnTx/>
+                        <a:uFillTx/>
+                        <a:latin typeface="Calibri"/>
+                        <a:ea typeface="+mn-ea"/>
+                        <a:cs typeface="+mn-cs"/>
+                      </a:rPr>
+                      <a:t>Before2</a:t>
+                    </a:r>
+                  </a:p>
+                </p:txBody>
+              </p:sp>
+              <p:sp>
+                <p:nvSpPr>
+                  <p:cNvPr id="128" name="Rectangle 127"/>
+                  <p:cNvSpPr/>
+                  <p:nvPr/>
+                </p:nvSpPr>
+                <p:spPr>
+                  <a:xfrm>
+                    <a:off x="7059034" y="2410051"/>
+                    <a:ext cx="996461" cy="576064"/>
+                  </a:xfrm>
+                  <a:prstGeom prst="rect">
+                    <a:avLst/>
+                  </a:prstGeom>
+                  <a:noFill/>
+                  <a:ln w="25400" cap="flat" cmpd="sng" algn="ctr">
+                    <a:solidFill>
+                      <a:srgbClr val="F79646"/>
+                    </a:solidFill>
+                    <a:prstDash val="solid"/>
+                  </a:ln>
+                  <a:effectLst/>
+                </p:spPr>
+                <p:txBody>
+                  <a:bodyPr rtlCol="0" anchor="ctr"/>
+                  <a:lstStyle/>
+                  <a:p>
+                    <a:pPr marL="0" marR="0" lvl="0" indent="0" algn="ctr" defTabSz="914400" eaLnBrk="1" fontAlgn="auto" latinLnBrk="0" hangingPunct="1">
+                      <a:lnSpc>
+                        <a:spcPct val="100000"/>
+                      </a:lnSpc>
+                      <a:spcBef>
+                        <a:spcPts val="0"/>
+                      </a:spcBef>
+                      <a:spcAft>
+                        <a:spcPts val="0"/>
+                      </a:spcAft>
+                      <a:buClrTx/>
+                      <a:buSzTx/>
+                      <a:buFontTx/>
+                      <a:buNone/>
+                      <a:tabLst/>
+                      <a:defRPr/>
+                    </a:pPr>
+                    <a:r>
+                      <a:rPr kumimoji="0" lang="en-US" sz="1800" b="0" i="0" u="none" strike="noStrike" kern="0" cap="none" spc="0" normalizeH="0" baseline="0" noProof="0" dirty="0" smtClean="0">
+                        <a:ln>
+                          <a:noFill/>
+                        </a:ln>
+                        <a:solidFill>
+                          <a:sysClr val="windowText" lastClr="000000"/>
+                        </a:solidFill>
+                        <a:effectLst/>
+                        <a:uLnTx/>
+                        <a:uFillTx/>
+                        <a:latin typeface="Calibri"/>
+                        <a:ea typeface="+mn-ea"/>
+                        <a:cs typeface="+mn-cs"/>
+                      </a:rPr>
+                      <a:t>Wait2</a:t>
+                    </a:r>
+                  </a:p>
+                </p:txBody>
+              </p:sp>
+              <p:sp>
+                <p:nvSpPr>
+                  <p:cNvPr id="129" name="Rectangle 128"/>
+                  <p:cNvSpPr/>
+                  <p:nvPr/>
+                </p:nvSpPr>
+                <p:spPr>
+                  <a:xfrm>
+                    <a:off x="8042127" y="3210607"/>
+                    <a:ext cx="996461" cy="576064"/>
+                  </a:xfrm>
+                  <a:prstGeom prst="rect">
+                    <a:avLst/>
+                  </a:prstGeom>
+                  <a:noFill/>
+                  <a:ln w="25400" cap="flat" cmpd="sng" algn="ctr">
+                    <a:solidFill>
+                      <a:srgbClr val="F79646"/>
+                    </a:solidFill>
+                    <a:prstDash val="solid"/>
+                  </a:ln>
+                  <a:effectLst/>
+                </p:spPr>
+                <p:txBody>
+                  <a:bodyPr rtlCol="0" anchor="ctr"/>
+                  <a:lstStyle/>
+                  <a:p>
+                    <a:pPr marL="0" marR="0" lvl="0" indent="0" algn="ctr" defTabSz="914400" eaLnBrk="1" fontAlgn="auto" latinLnBrk="0" hangingPunct="1">
+                      <a:lnSpc>
+                        <a:spcPct val="100000"/>
+                      </a:lnSpc>
+                      <a:spcBef>
+                        <a:spcPts val="0"/>
+                      </a:spcBef>
+                      <a:spcAft>
+                        <a:spcPts val="0"/>
+                      </a:spcAft>
+                      <a:buClrTx/>
+                      <a:buSzTx/>
+                      <a:buFontTx/>
+                      <a:buNone/>
+                      <a:tabLst/>
+                      <a:defRPr/>
+                    </a:pPr>
+                    <a:r>
+                      <a:rPr kumimoji="0" lang="en-US" sz="1800" b="0" i="0" u="none" strike="noStrike" kern="0" cap="none" spc="0" normalizeH="0" baseline="0" noProof="0" dirty="0" smtClean="0">
+                        <a:ln>
+                          <a:noFill/>
+                        </a:ln>
+                        <a:solidFill>
+                          <a:sysClr val="windowText" lastClr="000000"/>
+                        </a:solidFill>
+                        <a:effectLst/>
+                        <a:uLnTx/>
+                        <a:uFillTx/>
+                        <a:latin typeface="Calibri"/>
+                        <a:ea typeface="+mn-ea"/>
+                        <a:cs typeface="+mn-cs"/>
+                      </a:rPr>
+                      <a:t>Ialltoall3</a:t>
+                    </a:r>
+                  </a:p>
+                </p:txBody>
+              </p:sp>
+              <p:sp>
+                <p:nvSpPr>
+                  <p:cNvPr id="130" name="Rectangle 129"/>
+                  <p:cNvSpPr/>
+                  <p:nvPr/>
+                </p:nvSpPr>
+                <p:spPr>
+                  <a:xfrm>
+                    <a:off x="6102677" y="3167929"/>
+                    <a:ext cx="996461" cy="576064"/>
+                  </a:xfrm>
+                  <a:prstGeom prst="rect">
+                    <a:avLst/>
+                  </a:prstGeom>
+                  <a:noFill/>
+                  <a:ln w="25400" cap="flat" cmpd="sng" algn="ctr">
+                    <a:solidFill>
+                      <a:srgbClr val="9BBB59"/>
+                    </a:solidFill>
+                    <a:prstDash val="solid"/>
+                  </a:ln>
+                  <a:effectLst/>
+                </p:spPr>
+                <p:txBody>
+                  <a:bodyPr rtlCol="0" anchor="ctr"/>
+                  <a:lstStyle/>
+                  <a:p>
+                    <a:pPr marL="0" marR="0" lvl="0" indent="0" algn="ctr" defTabSz="914400" eaLnBrk="1" fontAlgn="auto" latinLnBrk="0" hangingPunct="1">
+                      <a:lnSpc>
+                        <a:spcPct val="100000"/>
+                      </a:lnSpc>
+                      <a:spcBef>
+                        <a:spcPts val="0"/>
+                      </a:spcBef>
+                      <a:spcAft>
+                        <a:spcPts val="0"/>
+                      </a:spcAft>
+                      <a:buClrTx/>
+                      <a:buSzTx/>
+                      <a:buFontTx/>
+                      <a:buNone/>
+                      <a:tabLst/>
+                      <a:defRPr/>
+                    </a:pPr>
+                    <a:r>
+                      <a:rPr kumimoji="0" lang="en-US" sz="1800" b="0" i="0" u="none" strike="noStrike" kern="0" cap="none" spc="0" normalizeH="0" baseline="0" noProof="0" dirty="0" smtClean="0">
+                        <a:ln>
+                          <a:noFill/>
+                        </a:ln>
+                        <a:solidFill>
+                          <a:sysClr val="windowText" lastClr="000000"/>
+                        </a:solidFill>
+                        <a:effectLst/>
+                        <a:uLnTx/>
+                        <a:uFillTx/>
+                        <a:latin typeface="Calibri"/>
+                        <a:ea typeface="+mn-ea"/>
+                        <a:cs typeface="+mn-cs"/>
+                      </a:rPr>
+                      <a:t>Before3</a:t>
+                    </a:r>
+                  </a:p>
+                </p:txBody>
+              </p:sp>
+            </p:grpSp>
+            <p:sp>
+              <p:nvSpPr>
+                <p:cNvPr id="120" name="Rectangle 119"/>
+                <p:cNvSpPr/>
+                <p:nvPr/>
+              </p:nvSpPr>
+              <p:spPr>
+                <a:xfrm>
+                  <a:off x="4415700" y="3165228"/>
+                  <a:ext cx="3145693" cy="2882873"/>
+                </a:xfrm>
+                <a:prstGeom prst="rect">
+                  <a:avLst/>
+                </a:prstGeom>
+                <a:noFill/>
+                <a:ln w="25400" cap="flat" cmpd="sng" algn="ctr">
+                  <a:solidFill>
+                    <a:srgbClr val="4F81BD"/>
+                  </a:solidFill>
+                  <a:prstDash val="dash"/>
+                </a:ln>
+                <a:effectLst/>
+              </p:spPr>
+              <p:txBody>
+                <a:bodyPr rtlCol="0" anchor="ctr"/>
+                <a:lstStyle/>
+                <a:p>
+                  <a:pPr marL="0" marR="0" lvl="0" indent="0" algn="ctr" defTabSz="914400" eaLnBrk="1" fontAlgn="auto" latinLnBrk="0" hangingPunct="1">
+                    <a:lnSpc>
+                      <a:spcPct val="100000"/>
+                    </a:lnSpc>
+                    <a:spcBef>
+                      <a:spcPts val="0"/>
+                    </a:spcBef>
+                    <a:spcAft>
+                      <a:spcPts val="0"/>
+                    </a:spcAft>
+                    <a:buClrTx/>
+                    <a:buSzTx/>
+                    <a:buFontTx/>
+                    <a:buNone/>
+                    <a:tabLst/>
+                    <a:defRPr/>
+                  </a:pPr>
+                  <a:endParaRPr kumimoji="0" lang="en-US" sz="1800" b="0" i="0" u="none" strike="noStrike" kern="0" cap="none" spc="0" normalizeH="0" baseline="0" noProof="0" smtClean="0">
+                    <a:ln>
+                      <a:noFill/>
+                    </a:ln>
+                    <a:solidFill>
+                      <a:sysClr val="windowText" lastClr="000000"/>
+                    </a:solidFill>
+                    <a:effectLst/>
+                    <a:uLnTx/>
+                    <a:uFillTx/>
+                    <a:latin typeface="Calibri"/>
+                    <a:ea typeface="+mn-ea"/>
+                    <a:cs typeface="+mn-cs"/>
+                  </a:endParaRPr>
+                </a:p>
+              </p:txBody>
+            </p:sp>
+            <p:sp>
+              <p:nvSpPr>
+                <p:cNvPr id="121" name="TextBox 120"/>
+                <p:cNvSpPr txBox="1"/>
+                <p:nvPr/>
+              </p:nvSpPr>
+              <p:spPr>
+                <a:xfrm>
+                  <a:off x="4056820" y="2713801"/>
+                  <a:ext cx="4004559" cy="369332"/>
+                </a:xfrm>
+                <a:prstGeom prst="rect">
+                  <a:avLst/>
+                </a:prstGeom>
+                <a:noFill/>
+              </p:spPr>
+              <p:txBody>
+                <a:bodyPr wrap="none" rtlCol="0">
+                  <a:spAutoFit/>
+                </a:bodyPr>
+                <a:lstStyle/>
+                <a:p>
+                  <a:pPr marL="0" marR="0" lvl="0" indent="0" defTabSz="914400" eaLnBrk="1" fontAlgn="auto" latinLnBrk="0" hangingPunct="1">
+                    <a:lnSpc>
+                      <a:spcPct val="100000"/>
+                    </a:lnSpc>
+                    <a:spcBef>
+                      <a:spcPts val="0"/>
+                    </a:spcBef>
+                    <a:spcAft>
+                      <a:spcPts val="0"/>
+                    </a:spcAft>
+                    <a:buClrTx/>
+                    <a:buSzTx/>
+                    <a:buFontTx/>
+                    <a:buNone/>
+                    <a:tabLst/>
+                    <a:defRPr/>
+                  </a:pPr>
+                  <a:r>
+                    <a:rPr kumimoji="0" lang="en-US" sz="1800" b="0" i="0" u="none" strike="noStrike" kern="0" cap="none" spc="0" normalizeH="0" baseline="0" noProof="0" dirty="0" smtClean="0">
+                      <a:ln>
+                        <a:noFill/>
+                      </a:ln>
+                      <a:solidFill>
+                        <a:sysClr val="windowText" lastClr="000000"/>
+                      </a:solidFill>
+                      <a:effectLst/>
+                      <a:uLnTx/>
+                      <a:uFillTx/>
+                    </a:rPr>
+                    <a:t>Overlap Alltoal2 with Before3 and After1</a:t>
+                  </a:r>
+                </a:p>
+              </p:txBody>
+            </p:sp>
+          </p:grpSp>
+          <p:cxnSp>
+            <p:nvCxnSpPr>
+              <p:cNvPr id="111" name="Straight Arrow Connector 110"/>
+              <p:cNvCxnSpPr>
+                <a:stCxn id="124" idx="3"/>
+                <a:endCxn id="123" idx="1"/>
+              </p:cNvCxnSpPr>
+              <p:nvPr/>
+            </p:nvCxnSpPr>
+            <p:spPr>
+              <a:xfrm>
+                <a:off x="1055067" y="4057449"/>
+                <a:ext cx="160937" cy="1795"/>
+              </a:xfrm>
+              <a:prstGeom prst="straightConnector1">
+                <a:avLst/>
+              </a:prstGeom>
+              <a:noFill/>
+              <a:ln w="25400" cap="flat" cmpd="sng" algn="ctr">
+                <a:solidFill>
+                  <a:srgbClr val="4F81BD"/>
+                </a:solidFill>
+                <a:prstDash val="solid"/>
+                <a:tailEnd type="arrow"/>
+              </a:ln>
+              <a:effectLst>
+                <a:outerShdw blurRad="40000" dist="20000" dir="5400000" rotWithShape="0">
+                  <a:srgbClr val="000000">
+                    <a:alpha val="38000"/>
+                  </a:srgbClr>
+                </a:outerShdw>
+              </a:effectLst>
+            </p:spPr>
+          </p:cxnSp>
+          <p:cxnSp>
+            <p:nvCxnSpPr>
+              <p:cNvPr id="112" name="Elbow Connector 111"/>
+              <p:cNvCxnSpPr>
+                <a:stCxn id="123" idx="3"/>
+                <a:endCxn id="127" idx="1"/>
+              </p:cNvCxnSpPr>
+              <p:nvPr/>
+            </p:nvCxnSpPr>
+            <p:spPr>
+              <a:xfrm flipH="1">
+                <a:off x="2132257" y="4059244"/>
+                <a:ext cx="80208" cy="788019"/>
+              </a:xfrm>
+              <a:prstGeom prst="bentConnector5">
+                <a:avLst>
+                  <a:gd name="adj1" fmla="val -285009"/>
+                  <a:gd name="adj2" fmla="val 50000"/>
+                  <a:gd name="adj3" fmla="val 385009"/>
+                </a:avLst>
+              </a:prstGeom>
+              <a:noFill/>
+              <a:ln w="25400" cap="flat" cmpd="sng" algn="ctr">
+                <a:solidFill>
+                  <a:srgbClr val="4F81BD"/>
+                </a:solidFill>
+                <a:prstDash val="solid"/>
+                <a:tailEnd type="arrow"/>
+              </a:ln>
+              <a:effectLst>
+                <a:outerShdw blurRad="40000" dist="20000" dir="5400000" rotWithShape="0">
+                  <a:srgbClr val="000000">
+                    <a:alpha val="38000"/>
+                  </a:srgbClr>
+                </a:outerShdw>
+              </a:effectLst>
+            </p:spPr>
+          </p:cxnSp>
+          <p:cxnSp>
+            <p:nvCxnSpPr>
+              <p:cNvPr id="113" name="Elbow Connector 112"/>
+              <p:cNvCxnSpPr>
+                <a:stCxn id="127" idx="3"/>
+                <a:endCxn id="122" idx="1"/>
+              </p:cNvCxnSpPr>
+              <p:nvPr/>
+            </p:nvCxnSpPr>
+            <p:spPr>
+              <a:xfrm flipH="1" flipV="1">
+                <a:off x="3076274" y="4053897"/>
+                <a:ext cx="52444" cy="793366"/>
+              </a:xfrm>
+              <a:prstGeom prst="bentConnector5">
+                <a:avLst>
+                  <a:gd name="adj1" fmla="val -435894"/>
+                  <a:gd name="adj2" fmla="val 50000"/>
+                  <a:gd name="adj3" fmla="val 535894"/>
+                </a:avLst>
+              </a:prstGeom>
+              <a:noFill/>
+              <a:ln w="25400" cap="flat" cmpd="sng" algn="ctr">
+                <a:solidFill>
+                  <a:srgbClr val="4F81BD"/>
+                </a:solidFill>
+                <a:prstDash val="solid"/>
+                <a:tailEnd type="arrow"/>
+              </a:ln>
+              <a:effectLst>
+                <a:outerShdw blurRad="40000" dist="20000" dir="5400000" rotWithShape="0">
+                  <a:srgbClr val="000000">
+                    <a:alpha val="38000"/>
+                  </a:srgbClr>
+                </a:outerShdw>
+              </a:effectLst>
+            </p:spPr>
+          </p:cxnSp>
+          <p:cxnSp>
+            <p:nvCxnSpPr>
+              <p:cNvPr id="114" name="Elbow Connector 113"/>
+              <p:cNvCxnSpPr>
+                <a:stCxn id="122" idx="3"/>
+                <a:endCxn id="126" idx="1"/>
+              </p:cNvCxnSpPr>
+              <p:nvPr/>
+            </p:nvCxnSpPr>
+            <p:spPr>
+              <a:xfrm flipH="1">
+                <a:off x="4032631" y="4053897"/>
+                <a:ext cx="40104" cy="793366"/>
+              </a:xfrm>
+              <a:prstGeom prst="bentConnector5">
+                <a:avLst>
+                  <a:gd name="adj1" fmla="val -570018"/>
+                  <a:gd name="adj2" fmla="val 50000"/>
+                  <a:gd name="adj3" fmla="val 670018"/>
+                </a:avLst>
+              </a:prstGeom>
+              <a:noFill/>
+              <a:ln w="25400" cap="flat" cmpd="sng" algn="ctr">
+                <a:solidFill>
+                  <a:srgbClr val="4F81BD"/>
+                </a:solidFill>
+                <a:prstDash val="solid"/>
+                <a:tailEnd type="arrow"/>
+              </a:ln>
+              <a:effectLst>
+                <a:outerShdw blurRad="40000" dist="20000" dir="5400000" rotWithShape="0">
+                  <a:srgbClr val="000000">
+                    <a:alpha val="38000"/>
+                  </a:srgbClr>
+                </a:outerShdw>
+              </a:effectLst>
+            </p:spPr>
+          </p:cxnSp>
+          <p:cxnSp>
+            <p:nvCxnSpPr>
+              <p:cNvPr id="115" name="Elbow Connector 114"/>
+              <p:cNvCxnSpPr>
+                <a:stCxn id="126" idx="3"/>
+                <a:endCxn id="125" idx="1"/>
+              </p:cNvCxnSpPr>
+              <p:nvPr/>
+            </p:nvCxnSpPr>
+            <p:spPr>
+              <a:xfrm flipH="1" flipV="1">
+                <a:off x="5002356" y="4078782"/>
+                <a:ext cx="26736" cy="768481"/>
+              </a:xfrm>
+              <a:prstGeom prst="bentConnector5">
+                <a:avLst>
+                  <a:gd name="adj1" fmla="val -855027"/>
+                  <a:gd name="adj2" fmla="val 50000"/>
+                  <a:gd name="adj3" fmla="val 955027"/>
+                </a:avLst>
+              </a:prstGeom>
+              <a:noFill/>
+              <a:ln w="25400" cap="flat" cmpd="sng" algn="ctr">
+                <a:solidFill>
+                  <a:srgbClr val="4F81BD"/>
+                </a:solidFill>
+                <a:prstDash val="solid"/>
+                <a:tailEnd type="arrow"/>
+              </a:ln>
+              <a:effectLst>
+                <a:outerShdw blurRad="40000" dist="20000" dir="5400000" rotWithShape="0">
+                  <a:srgbClr val="000000">
+                    <a:alpha val="38000"/>
+                  </a:srgbClr>
+                </a:outerShdw>
+              </a:effectLst>
+            </p:spPr>
+          </p:cxnSp>
+          <p:cxnSp>
+            <p:nvCxnSpPr>
+              <p:cNvPr id="116" name="Elbow Connector 115"/>
+              <p:cNvCxnSpPr>
+                <a:stCxn id="125" idx="3"/>
+                <a:endCxn id="130" idx="1"/>
+              </p:cNvCxnSpPr>
+              <p:nvPr/>
+            </p:nvCxnSpPr>
+            <p:spPr>
+              <a:xfrm flipH="1">
+                <a:off x="5985449" y="4078782"/>
+                <a:ext cx="13368" cy="1526359"/>
+              </a:xfrm>
+              <a:prstGeom prst="bentConnector5">
+                <a:avLst>
+                  <a:gd name="adj1" fmla="val -1710054"/>
+                  <a:gd name="adj2" fmla="val 50000"/>
+                  <a:gd name="adj3" fmla="val 1810054"/>
+                </a:avLst>
+              </a:prstGeom>
+              <a:noFill/>
+              <a:ln w="25400" cap="flat" cmpd="sng" algn="ctr">
+                <a:solidFill>
+                  <a:srgbClr val="4F81BD"/>
+                </a:solidFill>
+                <a:prstDash val="solid"/>
+                <a:tailEnd type="arrow"/>
+              </a:ln>
+              <a:effectLst>
+                <a:outerShdw blurRad="40000" dist="20000" dir="5400000" rotWithShape="0">
+                  <a:srgbClr val="000000">
+                    <a:alpha val="38000"/>
+                  </a:srgbClr>
+                </a:outerShdw>
+              </a:effectLst>
+            </p:spPr>
+          </p:cxnSp>
+          <p:cxnSp>
+            <p:nvCxnSpPr>
+              <p:cNvPr id="117" name="Elbow Connector 116"/>
+              <p:cNvCxnSpPr>
+                <a:stCxn id="130" idx="3"/>
+                <a:endCxn id="128" idx="1"/>
+              </p:cNvCxnSpPr>
+              <p:nvPr/>
+            </p:nvCxnSpPr>
+            <p:spPr>
+              <a:xfrm flipH="1" flipV="1">
+                <a:off x="6941806" y="4847263"/>
+                <a:ext cx="40104" cy="757878"/>
+              </a:xfrm>
+              <a:prstGeom prst="bentConnector5">
+                <a:avLst>
+                  <a:gd name="adj1" fmla="val -570018"/>
+                  <a:gd name="adj2" fmla="val 50000"/>
+                  <a:gd name="adj3" fmla="val 670018"/>
+                </a:avLst>
+              </a:prstGeom>
+              <a:noFill/>
+              <a:ln w="25400" cap="flat" cmpd="sng" algn="ctr">
+                <a:solidFill>
+                  <a:srgbClr val="4F81BD"/>
+                </a:solidFill>
+                <a:prstDash val="solid"/>
+                <a:tailEnd type="arrow"/>
+              </a:ln>
+              <a:effectLst>
+                <a:outerShdw blurRad="40000" dist="20000" dir="5400000" rotWithShape="0">
+                  <a:srgbClr val="000000">
+                    <a:alpha val="38000"/>
+                  </a:srgbClr>
+                </a:outerShdw>
+              </a:effectLst>
+            </p:spPr>
+          </p:cxnSp>
+          <p:cxnSp>
+            <p:nvCxnSpPr>
+              <p:cNvPr id="118" name="Elbow Connector 117"/>
+              <p:cNvCxnSpPr>
+                <a:stCxn id="128" idx="3"/>
+                <a:endCxn id="129" idx="1"/>
+              </p:cNvCxnSpPr>
+              <p:nvPr/>
+            </p:nvCxnSpPr>
+            <p:spPr>
+              <a:xfrm flipH="1">
+                <a:off x="7924899" y="4847263"/>
+                <a:ext cx="13368" cy="800556"/>
+              </a:xfrm>
+              <a:prstGeom prst="bentConnector5">
+                <a:avLst>
+                  <a:gd name="adj1" fmla="val -1710054"/>
+                  <a:gd name="adj2" fmla="val 50000"/>
+                  <a:gd name="adj3" fmla="val 1810054"/>
+                </a:avLst>
+              </a:prstGeom>
+              <a:noFill/>
+              <a:ln w="25400" cap="flat" cmpd="sng" algn="ctr">
+                <a:solidFill>
+                  <a:srgbClr val="4F81BD"/>
+                </a:solidFill>
+                <a:prstDash val="solid"/>
+                <a:tailEnd type="arrow"/>
+              </a:ln>
+              <a:effectLst>
+                <a:outerShdw blurRad="40000" dist="20000" dir="5400000" rotWithShape="0">
+                  <a:srgbClr val="000000">
+                    <a:alpha val="38000"/>
+                  </a:srgbClr>
+                </a:outerShdw>
+              </a:effectLst>
+            </p:spPr>
+          </p:cxnSp>
+        </p:grpSp>
+        <p:sp>
+          <p:nvSpPr>
+            <p:cNvPr id="107" name="TextBox 106"/>
+            <p:cNvSpPr txBox="1"/>
+            <p:nvPr/>
+          </p:nvSpPr>
+          <p:spPr>
+            <a:xfrm>
+              <a:off x="35805" y="4477931"/>
+              <a:ext cx="1293478" cy="369332"/>
+            </a:xfrm>
+            <a:prstGeom prst="rect">
+              <a:avLst/>
+            </a:prstGeom>
+            <a:noFill/>
+          </p:spPr>
+          <p:txBody>
+            <a:bodyPr wrap="none" rtlCol="0">
+              <a:spAutoFit/>
+            </a:bodyPr>
+            <a:lstStyle/>
+            <a:p>
+              <a:pPr marL="0" marR="0" lvl="0" indent="0" defTabSz="914400" eaLnBrk="1" fontAlgn="auto" latinLnBrk="0" hangingPunct="1">
+                <a:lnSpc>
+                  <a:spcPct val="100000"/>
+                </a:lnSpc>
+                <a:spcBef>
+                  <a:spcPts val="0"/>
+                </a:spcBef>
+                <a:spcAft>
+                  <a:spcPts val="0"/>
+                </a:spcAft>
+                <a:buClrTx/>
+                <a:buSzTx/>
+                <a:buFontTx/>
+                <a:buNone/>
+                <a:tabLst/>
+                <a:defRPr/>
+              </a:pPr>
+              <a:r>
+                <a:rPr kumimoji="0" lang="en-US" sz="1800" b="0" i="1" u="none" strike="noStrike" kern="0" cap="none" spc="0" normalizeH="0" baseline="0" noProof="0" dirty="0" smtClean="0">
+                  <a:ln>
+                    <a:noFill/>
+                  </a:ln>
+                  <a:solidFill>
+                    <a:sysClr val="windowText" lastClr="000000"/>
+                  </a:solidFill>
+                  <a:effectLst/>
+                  <a:uLnTx/>
+                  <a:uFillTx/>
+                </a:rPr>
+                <a:t>Iteration 1</a:t>
+              </a:r>
+            </a:p>
+          </p:txBody>
+        </p:sp>
+        <p:sp>
+          <p:nvSpPr>
+            <p:cNvPr id="108" name="TextBox 107"/>
+            <p:cNvSpPr txBox="1"/>
+            <p:nvPr/>
+          </p:nvSpPr>
+          <p:spPr>
+            <a:xfrm>
+              <a:off x="2104998" y="5251751"/>
+              <a:ext cx="1293478" cy="369332"/>
+            </a:xfrm>
+            <a:prstGeom prst="rect">
+              <a:avLst/>
+            </a:prstGeom>
+            <a:noFill/>
+          </p:spPr>
+          <p:txBody>
+            <a:bodyPr wrap="none" rtlCol="0">
+              <a:spAutoFit/>
+            </a:bodyPr>
+            <a:lstStyle/>
+            <a:p>
+              <a:pPr marL="0" marR="0" lvl="0" indent="0" defTabSz="914400" eaLnBrk="1" fontAlgn="auto" latinLnBrk="0" hangingPunct="1">
+                <a:lnSpc>
+                  <a:spcPct val="100000"/>
+                </a:lnSpc>
+                <a:spcBef>
+                  <a:spcPts val="0"/>
+                </a:spcBef>
+                <a:spcAft>
+                  <a:spcPts val="0"/>
+                </a:spcAft>
+                <a:buClrTx/>
+                <a:buSzTx/>
+                <a:buFontTx/>
+                <a:buNone/>
+                <a:tabLst/>
+                <a:defRPr/>
+              </a:pPr>
+              <a:r>
+                <a:rPr kumimoji="0" lang="en-US" sz="1800" b="0" i="1" u="none" strike="noStrike" kern="0" cap="none" spc="0" normalizeH="0" baseline="0" noProof="0" dirty="0" smtClean="0">
+                  <a:ln>
+                    <a:noFill/>
+                  </a:ln>
+                  <a:solidFill>
+                    <a:sysClr val="windowText" lastClr="000000"/>
+                  </a:solidFill>
+                  <a:effectLst/>
+                  <a:uLnTx/>
+                  <a:uFillTx/>
+                </a:rPr>
+                <a:t>Iteration 2</a:t>
+              </a:r>
+            </a:p>
+          </p:txBody>
+        </p:sp>
+        <p:sp>
+          <p:nvSpPr>
+            <p:cNvPr id="109" name="TextBox 108"/>
+            <p:cNvSpPr txBox="1"/>
+            <p:nvPr/>
+          </p:nvSpPr>
+          <p:spPr>
+            <a:xfrm>
+              <a:off x="5999324" y="6048101"/>
+              <a:ext cx="1293478" cy="369332"/>
+            </a:xfrm>
+            <a:prstGeom prst="rect">
+              <a:avLst/>
+            </a:prstGeom>
+            <a:noFill/>
+          </p:spPr>
+          <p:txBody>
+            <a:bodyPr wrap="none" rtlCol="0">
+              <a:spAutoFit/>
+            </a:bodyPr>
+            <a:lstStyle/>
+            <a:p>
+              <a:pPr marL="0" marR="0" lvl="0" indent="0" defTabSz="914400" eaLnBrk="1" fontAlgn="auto" latinLnBrk="0" hangingPunct="1">
+                <a:lnSpc>
+                  <a:spcPct val="100000"/>
+                </a:lnSpc>
+                <a:spcBef>
+                  <a:spcPts val="0"/>
+                </a:spcBef>
+                <a:spcAft>
+                  <a:spcPts val="0"/>
+                </a:spcAft>
+                <a:buClrTx/>
+                <a:buSzTx/>
+                <a:buFontTx/>
+                <a:buNone/>
+                <a:tabLst/>
+                <a:defRPr/>
+              </a:pPr>
+              <a:r>
+                <a:rPr kumimoji="0" lang="en-US" sz="1800" b="0" i="1" u="none" strike="noStrike" kern="0" cap="none" spc="0" normalizeH="0" baseline="0" noProof="0" dirty="0" smtClean="0">
+                  <a:ln>
+                    <a:noFill/>
+                  </a:ln>
+                  <a:solidFill>
+                    <a:sysClr val="windowText" lastClr="000000"/>
+                  </a:solidFill>
+                  <a:effectLst/>
+                  <a:uLnTx/>
+                  <a:uFillTx/>
+                </a:rPr>
+                <a:t>Iteration 3</a:t>
+              </a:r>
+            </a:p>
+          </p:txBody>
+        </p:sp>
+      </p:grpSp>
     </p:spTree>
     <p:extLst>
       <p:ext uri="{BB962C8B-B14F-4D97-AF65-F5344CB8AC3E}">
-        <p14:creationId xmlns:p14="http://schemas.microsoft.com/office/powerpoint/2010/main" val="1955702663"/>
+        <p14:creationId xmlns:p14="http://schemas.microsoft.com/office/powerpoint/2010/main" val="1775715292"/>
+      </p:ext>
+    </p:extLst>
+  </p:cSld>
+  <p:clrMapOvr>
+    <a:masterClrMapping/>
+  </p:clrMapOvr>
+  <p:timing>
+    <p:tnLst>
+      <p:par>
+        <p:cTn xmlns:p14="http://schemas.microsoft.com/office/powerpoint/2010/main" id="1" dur="indefinite" restart="never" nodeType="tmRoot"/>
+      </p:par>
+    </p:tnLst>
+  </p:timing>
+</p:sld>
+</file>
+
+<file path=ppt/slides/slide20.xml><?xml version="1.0" encoding="utf-8"?>
+<p:sld xmlns:a="http://schemas.openxmlformats.org/drawingml/2006/main" xmlns:r="http://schemas.openxmlformats.org/officeDocument/2006/relationships" xmlns:p="http://schemas.openxmlformats.org/presentationml/2006/main">
+  <p:cSld>
+    <p:spTree>
+      <p:nvGrpSpPr>
+        <p:cNvPr id="1" name=""/>
+        <p:cNvGrpSpPr/>
+        <p:nvPr/>
+      </p:nvGrpSpPr>
+      <p:grpSpPr>
+        <a:xfrm>
+          <a:off x="0" y="0"/>
+          <a:ext cx="0" cy="0"/>
+          <a:chOff x="0" y="0"/>
+          <a:chExt cx="0" cy="0"/>
+        </a:xfrm>
+      </p:grpSpPr>
+      <p:sp>
+        <p:nvSpPr>
+          <p:cNvPr id="2" name="Title 1"/>
+          <p:cNvSpPr>
+            <a:spLocks noGrp="1"/>
+          </p:cNvSpPr>
+          <p:nvPr>
+            <p:ph type="title"/>
+          </p:nvPr>
+        </p:nvSpPr>
+        <p:spPr/>
+        <p:txBody>
+          <a:bodyPr/>
+          <a:lstStyle/>
+          <a:p>
+            <a:r>
+              <a:rPr lang="en-US" dirty="0" smtClean="0"/>
+              <a:t>Related work</a:t>
+            </a:r>
+            <a:endParaRPr lang="en-US" dirty="0"/>
+          </a:p>
+        </p:txBody>
+      </p:sp>
+      <p:sp>
+        <p:nvSpPr>
+          <p:cNvPr id="3" name="Content Placeholder 2"/>
+          <p:cNvSpPr>
+            <a:spLocks noGrp="1"/>
+          </p:cNvSpPr>
+          <p:nvPr>
+            <p:ph idx="1"/>
+          </p:nvPr>
+        </p:nvSpPr>
+        <p:spPr>
+          <a:xfrm>
+            <a:off x="498474" y="1556792"/>
+            <a:ext cx="7556313" cy="4569371"/>
+          </a:xfrm>
+        </p:spPr>
+        <p:txBody>
+          <a:bodyPr>
+            <a:normAutofit fontScale="92500" lnSpcReduction="20000"/>
+          </a:bodyPr>
+          <a:lstStyle/>
+          <a:p>
+            <a:r>
+              <a:rPr lang="en-US" dirty="0"/>
+              <a:t>MPI-aware compiler </a:t>
+            </a:r>
+            <a:r>
+              <a:rPr lang="en-US" dirty="0" smtClean="0"/>
+              <a:t>optimization</a:t>
+            </a:r>
+          </a:p>
+          <a:p>
+            <a:pPr lvl="1"/>
+            <a:r>
+              <a:rPr lang="en-US" dirty="0" smtClean="0"/>
+              <a:t>Transformations </a:t>
+            </a:r>
+            <a:r>
+              <a:rPr lang="en-US" dirty="0"/>
+              <a:t>to Parallel Codes for Communication-Computation Overlap, SC’05</a:t>
+            </a:r>
+            <a:r>
+              <a:rPr lang="en-US" dirty="0" smtClean="0"/>
+              <a:t>, </a:t>
+            </a:r>
+          </a:p>
+          <a:p>
+            <a:pPr lvl="1"/>
+            <a:r>
+              <a:rPr lang="en-US" dirty="0" smtClean="0"/>
+              <a:t>Exact </a:t>
+            </a:r>
+            <a:r>
+              <a:rPr lang="en-US" dirty="0"/>
+              <a:t>Dependence Analysis for Increased Communication </a:t>
+            </a:r>
+            <a:r>
+              <a:rPr lang="en-US" dirty="0" smtClean="0"/>
+              <a:t>Overlap, EuroMPI</a:t>
+            </a:r>
+            <a:r>
+              <a:rPr lang="en-US" dirty="0"/>
+              <a:t>’</a:t>
+            </a:r>
+            <a:r>
+              <a:rPr lang="en-US" dirty="0" smtClean="0"/>
+              <a:t>12</a:t>
+            </a:r>
+          </a:p>
+          <a:p>
+            <a:r>
+              <a:rPr lang="en-US" dirty="0" smtClean="0"/>
+              <a:t>Model</a:t>
+            </a:r>
+            <a:r>
+              <a:rPr lang="en-US" dirty="0"/>
+              <a:t>-based </a:t>
+            </a:r>
+            <a:r>
+              <a:rPr lang="en-US" dirty="0" smtClean="0"/>
+              <a:t>approaches</a:t>
+            </a:r>
+          </a:p>
+          <a:p>
+            <a:pPr lvl="1"/>
+            <a:r>
+              <a:rPr lang="en-US" dirty="0" smtClean="0"/>
+              <a:t>Automatic </a:t>
+            </a:r>
+            <a:r>
+              <a:rPr lang="en-US" dirty="0"/>
+              <a:t>Transformation for Overlapping Communication and Computation, NPC’</a:t>
+            </a:r>
+            <a:r>
+              <a:rPr lang="en-US" dirty="0" smtClean="0"/>
+              <a:t>08</a:t>
+            </a:r>
+          </a:p>
+          <a:p>
+            <a:r>
+              <a:rPr lang="en-US" dirty="0" smtClean="0"/>
+              <a:t>Overlapping with threads</a:t>
+            </a:r>
+          </a:p>
+          <a:p>
+            <a:pPr lvl="1"/>
+            <a:r>
+              <a:rPr lang="en-US" dirty="0" smtClean="0"/>
+              <a:t>Overlapping </a:t>
+            </a:r>
+            <a:r>
+              <a:rPr lang="en-US" dirty="0"/>
+              <a:t>Communication and Computation with </a:t>
+            </a:r>
+            <a:r>
+              <a:rPr lang="en-US" dirty="0" err="1"/>
+              <a:t>OpenMP</a:t>
+            </a:r>
+            <a:r>
+              <a:rPr lang="en-US" dirty="0"/>
+              <a:t> and </a:t>
+            </a:r>
+            <a:r>
+              <a:rPr lang="en-US" dirty="0" smtClean="0"/>
+              <a:t>MPI, SP</a:t>
+            </a:r>
+            <a:r>
+              <a:rPr lang="en-US" dirty="0"/>
+              <a:t>’</a:t>
+            </a:r>
+            <a:r>
+              <a:rPr lang="en-US" dirty="0" smtClean="0"/>
+              <a:t>01</a:t>
+            </a:r>
+          </a:p>
+          <a:p>
+            <a:r>
+              <a:rPr lang="en-US" dirty="0" smtClean="0"/>
+              <a:t>Overlapping for one-sided communication</a:t>
+            </a:r>
+          </a:p>
+          <a:p>
+            <a:pPr lvl="1"/>
+            <a:r>
+              <a:rPr lang="en-US" dirty="0" smtClean="0"/>
+              <a:t>Optimizing </a:t>
+            </a:r>
+            <a:r>
+              <a:rPr lang="en-US" dirty="0"/>
+              <a:t>Bandwidth Limited Problems Using One-sided Communication and Overlap, IPDPS’</a:t>
+            </a:r>
+            <a:r>
+              <a:rPr lang="en-US" dirty="0" smtClean="0"/>
+              <a:t>06</a:t>
+            </a:r>
+            <a:endParaRPr lang="en-US" dirty="0"/>
+          </a:p>
+          <a:p>
+            <a:pPr lvl="1"/>
+            <a:endParaRPr lang="en-US" dirty="0" smtClean="0"/>
+          </a:p>
+          <a:p>
+            <a:pPr lvl="1"/>
+            <a:endParaRPr lang="en-US" dirty="0" smtClean="0"/>
+          </a:p>
+        </p:txBody>
+      </p:sp>
+      <p:sp>
+        <p:nvSpPr>
+          <p:cNvPr id="4" name="Slide Number Placeholder 3"/>
+          <p:cNvSpPr>
+            <a:spLocks noGrp="1"/>
+          </p:cNvSpPr>
+          <p:nvPr>
+            <p:ph type="sldNum" sz="quarter" idx="12"/>
+          </p:nvPr>
+        </p:nvSpPr>
+        <p:spPr/>
+        <p:txBody>
+          <a:bodyPr/>
+          <a:lstStyle/>
+          <a:p>
+            <a:fld id="{089A015A-1AD9-46F4-A47D-C723C7F63AFF}" type="slidenum">
+              <a:rPr lang="en-US" smtClean="0"/>
+              <a:t>20</a:t>
+            </a:fld>
+            <a:endParaRPr lang="en-US" dirty="0"/>
+          </a:p>
+        </p:txBody>
+      </p:sp>
+    </p:spTree>
+    <p:extLst>
+      <p:ext uri="{BB962C8B-B14F-4D97-AF65-F5344CB8AC3E}">
+        <p14:creationId xmlns:p14="http://schemas.microsoft.com/office/powerpoint/2010/main" val="3040465132"/>
       </p:ext>
     </p:extLst>
   </p:cSld>
@@ -17434,7 +20404,11 @@
           <a:p>
             <a:r>
               <a:rPr lang="en-US" dirty="0" smtClean="0"/>
-              <a:t>Outline</a:t>
+              <a:t>Compiler Optimization </a:t>
+            </a:r>
+            <a:r>
+              <a:rPr lang="en-US" dirty="0" smtClean="0"/>
+              <a:t>challenges</a:t>
             </a:r>
             <a:endParaRPr lang="en-US" dirty="0"/>
           </a:p>
@@ -17450,73 +20424,128 @@
             <p:ph idx="1"/>
           </p:nvPr>
         </p:nvSpPr>
-        <p:spPr/>
+        <p:spPr>
+          <a:xfrm>
+            <a:off x="498474" y="1484784"/>
+            <a:ext cx="7556313" cy="4641379"/>
+          </a:xfrm>
+        </p:spPr>
         <p:txBody>
           <a:bodyPr>
-            <a:noAutofit/>
+            <a:normAutofit lnSpcReduction="10000"/>
           </a:bodyPr>
           <a:lstStyle/>
           <a:p>
             <a:r>
-              <a:rPr lang="en-US" sz="2400" dirty="0" smtClean="0"/>
-              <a:t>Optimization workflow</a:t>
-            </a:r>
-          </a:p>
-          <a:p>
-            <a:r>
-              <a:rPr lang="en-US" sz="2400" dirty="0" smtClean="0"/>
-              <a:t>Hot path extraction and profitability analysis</a:t>
-            </a:r>
-          </a:p>
-          <a:p>
-            <a:r>
-              <a:rPr lang="en-US" sz="2400" dirty="0" smtClean="0"/>
-              <a:t>Safety analysis with annotation</a:t>
-            </a:r>
-          </a:p>
-          <a:p>
-            <a:r>
-              <a:rPr lang="en-US" sz="2400" dirty="0" smtClean="0"/>
-              <a:t>Tuning </a:t>
-            </a:r>
-            <a:r>
-              <a:rPr lang="en-US" sz="2400" dirty="0" err="1" smtClean="0"/>
+              <a:rPr lang="en-US" dirty="0" smtClean="0"/>
+              <a:t>Profitability --- where to optimize?</a:t>
+            </a:r>
+            <a:endParaRPr lang="en-US" dirty="0"/>
+          </a:p>
+          <a:p>
+            <a:pPr lvl="1"/>
+            <a:r>
+              <a:rPr lang="en-US" dirty="0" smtClean="0"/>
+              <a:t>Where are the expensive communications? </a:t>
+            </a:r>
+          </a:p>
+          <a:p>
+            <a:pPr lvl="2"/>
+            <a:r>
+              <a:rPr lang="en-US" dirty="0" smtClean="0"/>
+              <a:t>Need to take sufficiently long to be overlapped</a:t>
+            </a:r>
+            <a:endParaRPr lang="en-US" dirty="0"/>
+          </a:p>
+          <a:p>
+            <a:pPr lvl="1"/>
+            <a:r>
+              <a:rPr lang="en-US" dirty="0" smtClean="0"/>
+              <a:t>Is overlapping necessary? </a:t>
+            </a:r>
+            <a:endParaRPr lang="en-US" dirty="0"/>
+          </a:p>
+          <a:p>
+            <a:pPr lvl="2"/>
+            <a:r>
+              <a:rPr lang="en-US" dirty="0"/>
+              <a:t>B</a:t>
+            </a:r>
+            <a:r>
+              <a:rPr lang="en-US" dirty="0" smtClean="0"/>
+              <a:t>locking communication is faster on fast network connections</a:t>
+            </a:r>
+          </a:p>
+          <a:p>
+            <a:r>
+              <a:rPr lang="en-US" dirty="0" smtClean="0"/>
+              <a:t>Safety: are there computations to overlap?</a:t>
+            </a:r>
+          </a:p>
+          <a:p>
+            <a:pPr lvl="1"/>
+            <a:r>
+              <a:rPr lang="en-US" dirty="0" smtClean="0"/>
+              <a:t>Cannot violate dependence constraints</a:t>
+            </a:r>
+          </a:p>
+          <a:p>
+            <a:pPr lvl="2"/>
+            <a:r>
+              <a:rPr lang="en-US" dirty="0"/>
+              <a:t>N</a:t>
+            </a:r>
+            <a:r>
+              <a:rPr lang="en-US" dirty="0" smtClean="0"/>
+              <a:t>eed  inter-procedural analysis</a:t>
+            </a:r>
+          </a:p>
+          <a:p>
+            <a:pPr lvl="2"/>
+            <a:r>
+              <a:rPr lang="en-US" dirty="0" smtClean="0"/>
+              <a:t>Need to consider runtime </a:t>
+            </a:r>
+            <a:r>
+              <a:rPr lang="en-US" dirty="0"/>
+              <a:t>code path and data access </a:t>
+            </a:r>
+            <a:r>
+              <a:rPr lang="en-US" dirty="0" smtClean="0"/>
+              <a:t>patterns</a:t>
+            </a:r>
+            <a:endParaRPr lang="en-US" dirty="0"/>
+          </a:p>
+          <a:p>
+            <a:r>
+              <a:rPr lang="en-US" dirty="0" smtClean="0"/>
+              <a:t>How to perform the optimization?</a:t>
+            </a:r>
+            <a:endParaRPr lang="en-US" dirty="0"/>
+          </a:p>
+          <a:p>
+            <a:pPr lvl="1"/>
+            <a:r>
+              <a:rPr lang="en-US" dirty="0" smtClean="0"/>
+              <a:t>May require replication of communication buffers</a:t>
+            </a:r>
+            <a:endParaRPr lang="en-US" dirty="0"/>
+          </a:p>
+          <a:p>
+            <a:pPr lvl="1"/>
+            <a:r>
+              <a:rPr lang="en-US" dirty="0" smtClean="0"/>
+              <a:t>Need to insert </a:t>
+            </a:r>
+            <a:r>
+              <a:rPr lang="en-US" dirty="0" err="1" smtClean="0"/>
               <a:t>MPI_Test</a:t>
             </a:r>
-            <a:endParaRPr lang="en-US" sz="2400" dirty="0" smtClean="0"/>
-          </a:p>
-          <a:p>
-            <a:r>
-              <a:rPr lang="en-US" sz="2400" dirty="0" smtClean="0"/>
-              <a:t>Experiment re</a:t>
-            </a:r>
-            <a:r>
-              <a:rPr lang="en-US" sz="2400" dirty="0"/>
-              <a:t>s</a:t>
-            </a:r>
-            <a:r>
-              <a:rPr lang="en-US" sz="2400" dirty="0" smtClean="0"/>
-              <a:t>ults</a:t>
-            </a:r>
-          </a:p>
-          <a:p>
-            <a:r>
-              <a:rPr lang="en-US" sz="2400" smtClean="0"/>
-              <a:t>Related work</a:t>
-            </a:r>
-            <a:endParaRPr lang="en-US" sz="2400" dirty="0" smtClean="0"/>
-          </a:p>
-          <a:p>
-            <a:pPr marL="0" indent="0">
-              <a:buNone/>
-            </a:pPr>
-            <a:r>
-              <a:rPr lang="en-US" sz="2400" dirty="0"/>
-              <a:t>	</a:t>
-            </a:r>
-          </a:p>
-          <a:p>
-            <a:endParaRPr lang="en-US" sz="2400" dirty="0"/>
+            <a:r>
+              <a:rPr lang="en-US" dirty="0" smtClean="0"/>
+              <a:t> at the right frequency to avoid slowdowns</a:t>
+            </a:r>
+            <a:endParaRPr lang="en-US" dirty="0"/>
           </a:p>
         </p:txBody>
       </p:sp>
@@ -17546,7 +20575,7 @@
     </p:spTree>
     <p:extLst>
       <p:ext uri="{BB962C8B-B14F-4D97-AF65-F5344CB8AC3E}">
-        <p14:creationId xmlns:p14="http://schemas.microsoft.com/office/powerpoint/2010/main" val="2476698051"/>
+        <p14:creationId xmlns:p14="http://schemas.microsoft.com/office/powerpoint/2010/main" val="1955702663"/>
       </p:ext>
     </p:extLst>
   </p:cSld>
@@ -17597,9 +20626,89 @@
           <a:p>
             <a:r>
               <a:rPr lang="en-US" dirty="0" smtClean="0"/>
-              <a:t>CCO optimization workflow</a:t>
+              <a:t>Outline</a:t>
             </a:r>
             <a:endParaRPr lang="en-US" dirty="0"/>
+          </a:p>
+        </p:txBody>
+      </p:sp>
+      <p:sp>
+        <p:nvSpPr>
+          <p:cNvPr id="3" name="Content Placeholder 2"/>
+          <p:cNvSpPr>
+            <a:spLocks noGrp="1"/>
+          </p:cNvSpPr>
+          <p:nvPr>
+            <p:ph idx="1"/>
+          </p:nvPr>
+        </p:nvSpPr>
+        <p:spPr/>
+        <p:txBody>
+          <a:bodyPr>
+            <a:noAutofit/>
+          </a:bodyPr>
+          <a:lstStyle/>
+          <a:p>
+            <a:r>
+              <a:rPr lang="en-US" sz="2400" dirty="0" smtClean="0"/>
+              <a:t>Optimization workflow</a:t>
+            </a:r>
+          </a:p>
+          <a:p>
+            <a:r>
+              <a:rPr lang="en-US" sz="2400" dirty="0" smtClean="0"/>
+              <a:t>Hot path extraction and profitability analysis</a:t>
+            </a:r>
+          </a:p>
+          <a:p>
+            <a:r>
+              <a:rPr lang="en-US" sz="2400" dirty="0" smtClean="0"/>
+              <a:t>Safety analysis with annotation</a:t>
+            </a:r>
+          </a:p>
+          <a:p>
+            <a:r>
+              <a:rPr lang="en-US" sz="2400" dirty="0" smtClean="0"/>
+              <a:t>Tuning </a:t>
+            </a:r>
+            <a:r>
+              <a:rPr lang="en-US" sz="2400" dirty="0" err="1" smtClean="0"/>
+              <a:t>MPI_Test</a:t>
+            </a:r>
+            <a:endParaRPr lang="en-US" sz="2400" dirty="0" smtClean="0"/>
+          </a:p>
+          <a:p>
+            <a:r>
+              <a:rPr lang="en-US" sz="2400" dirty="0" smtClean="0"/>
+              <a:t>Experiment re</a:t>
+            </a:r>
+            <a:r>
+              <a:rPr lang="en-US" sz="2400" dirty="0"/>
+              <a:t>s</a:t>
+            </a:r>
+            <a:r>
+              <a:rPr lang="en-US" sz="2400" dirty="0" smtClean="0"/>
+              <a:t>ults</a:t>
+            </a:r>
+          </a:p>
+          <a:p>
+            <a:r>
+              <a:rPr lang="en-US" sz="2400" smtClean="0"/>
+              <a:t>Related work</a:t>
+            </a:r>
+            <a:endParaRPr lang="en-US" sz="2400" dirty="0" smtClean="0"/>
+          </a:p>
+          <a:p>
+            <a:pPr marL="0" indent="0">
+              <a:buNone/>
+            </a:pPr>
+            <a:r>
+              <a:rPr lang="en-US" sz="2400" dirty="0"/>
+              <a:t>	</a:t>
+            </a:r>
+          </a:p>
+          <a:p>
+            <a:endParaRPr lang="en-US" sz="2400" dirty="0"/>
           </a:p>
         </p:txBody>
       </p:sp>
@@ -17621,6 +20730,97 @@
             <a:fld id="{089A015A-1AD9-46F4-A47D-C723C7F63AFF}" type="slidenum">
               <a:rPr lang="en-US" smtClean="0"/>
               <a:t>4</a:t>
+            </a:fld>
+            <a:endParaRPr lang="en-US" dirty="0"/>
+          </a:p>
+        </p:txBody>
+      </p:sp>
+    </p:spTree>
+    <p:extLst>
+      <p:ext uri="{BB962C8B-B14F-4D97-AF65-F5344CB8AC3E}">
+        <p14:creationId xmlns:p14="http://schemas.microsoft.com/office/powerpoint/2010/main" val="2476698051"/>
+      </p:ext>
+    </p:extLst>
+  </p:cSld>
+  <p:clrMapOvr>
+    <a:masterClrMapping/>
+  </p:clrMapOvr>
+  <p:timing>
+    <p:tnLst>
+      <p:par>
+        <p:cTn xmlns:p14="http://schemas.microsoft.com/office/powerpoint/2010/main" id="1" dur="indefinite" restart="never" nodeType="tmRoot"/>
+      </p:par>
+    </p:tnLst>
+  </p:timing>
+</p:sld>
+</file>
+
+<file path=ppt/slides/slide5.xml><?xml version="1.0" encoding="utf-8"?>
+<p:sld xmlns:a="http://schemas.openxmlformats.org/drawingml/2006/main" xmlns:r="http://schemas.openxmlformats.org/officeDocument/2006/relationships" xmlns:p="http://schemas.openxmlformats.org/presentationml/2006/main">
+  <p:cSld>
+    <p:spTree>
+      <p:nvGrpSpPr>
+        <p:cNvPr id="1" name=""/>
+        <p:cNvGrpSpPr/>
+        <p:nvPr/>
+      </p:nvGrpSpPr>
+      <p:grpSpPr>
+        <a:xfrm>
+          <a:off x="0" y="0"/>
+          <a:ext cx="0" cy="0"/>
+          <a:chOff x="0" y="0"/>
+          <a:chExt cx="0" cy="0"/>
+        </a:xfrm>
+      </p:grpSpPr>
+      <p:sp>
+        <p:nvSpPr>
+          <p:cNvPr id="2" name="Title 1"/>
+          <p:cNvSpPr>
+            <a:spLocks noGrp="1"/>
+          </p:cNvSpPr>
+          <p:nvPr>
+            <p:ph type="title"/>
+          </p:nvPr>
+        </p:nvSpPr>
+        <p:spPr/>
+        <p:txBody>
+          <a:bodyPr/>
+          <a:lstStyle/>
+          <a:p>
+            <a:r>
+              <a:rPr lang="en-US" dirty="0" smtClean="0"/>
+              <a:t>Optimization </a:t>
+            </a:r>
+            <a:r>
+              <a:rPr lang="en-US" dirty="0"/>
+              <a:t>W</a:t>
+            </a:r>
+            <a:r>
+              <a:rPr lang="en-US" dirty="0" smtClean="0"/>
+              <a:t>orkflow</a:t>
+            </a:r>
+            <a:endParaRPr lang="en-US" dirty="0"/>
+          </a:p>
+        </p:txBody>
+      </p:sp>
+      <p:sp>
+        <p:nvSpPr>
+          <p:cNvPr id="4" name="Slide Number Placeholder 3"/>
+          <p:cNvSpPr>
+            <a:spLocks noGrp="1"/>
+          </p:cNvSpPr>
+          <p:nvPr>
+            <p:ph type="sldNum" sz="quarter" idx="12"/>
+          </p:nvPr>
+        </p:nvSpPr>
+        <p:spPr/>
+        <p:txBody>
+          <a:bodyPr/>
+          <a:lstStyle/>
+          <a:p>
+            <a:fld id="{089A015A-1AD9-46F4-A47D-C723C7F63AFF}" type="slidenum">
+              <a:rPr lang="en-US" smtClean="0"/>
+              <a:t>5</a:t>
             </a:fld>
             <a:endParaRPr lang="en-US" dirty="0"/>
           </a:p>
@@ -18685,7 +21885,7 @@
         <p:spPr>
           <a:xfrm>
             <a:off x="4538366" y="3861048"/>
-            <a:ext cx="4136492" cy="646331"/>
+            <a:ext cx="4189917" cy="646331"/>
           </a:xfrm>
           <a:prstGeom prst="rect">
             <a:avLst/>
@@ -18710,7 +21910,23 @@
             </a:r>
             <a:r>
               <a:rPr lang="en-US" i="1" dirty="0" smtClean="0"/>
-              <a:t>with annotation-based inlining)</a:t>
+              <a:t>with </a:t>
+            </a:r>
+            <a:r>
+              <a:rPr lang="en-US" i="1" dirty="0" smtClean="0"/>
+              <a:t>procedural annotation </a:t>
+            </a:r>
+            <a:r>
+              <a:rPr lang="en-US" i="1" dirty="0" smtClean="0"/>
+              <a:t>&amp; </a:t>
+            </a:r>
+            <a:r>
+              <a:rPr lang="en-US" i="1" dirty="0" err="1" smtClean="0"/>
+              <a:t>inlining</a:t>
+            </a:r>
+            <a:r>
+              <a:rPr lang="en-US" i="1" dirty="0" smtClean="0"/>
+              <a:t>)</a:t>
             </a:r>
             <a:endParaRPr lang="en-US" i="1" dirty="0"/>
           </a:p>
@@ -18758,290 +21974,6 @@
     <p:extLst>
       <p:ext uri="{BB962C8B-B14F-4D97-AF65-F5344CB8AC3E}">
         <p14:creationId xmlns:p14="http://schemas.microsoft.com/office/powerpoint/2010/main" val="57480934"/>
-      </p:ext>
-    </p:extLst>
-  </p:cSld>
-  <p:clrMapOvr>
-    <a:masterClrMapping/>
-  </p:clrMapOvr>
-  <p:timing>
-    <p:tnLst>
-      <p:par>
-        <p:cTn xmlns:p14="http://schemas.microsoft.com/office/powerpoint/2010/main" id="1" dur="indefinite" restart="never" nodeType="tmRoot"/>
-      </p:par>
-    </p:tnLst>
-  </p:timing>
-</p:sld>
-</file>
-
-<file path=ppt/slides/slide5.xml><?xml version="1.0" encoding="utf-8"?>
-<p:sld xmlns:a="http://schemas.openxmlformats.org/drawingml/2006/main" xmlns:r="http://schemas.openxmlformats.org/officeDocument/2006/relationships" xmlns:p="http://schemas.openxmlformats.org/presentationml/2006/main">
-  <p:cSld>
-    <p:spTree>
-      <p:nvGrpSpPr>
-        <p:cNvPr id="1" name=""/>
-        <p:cNvGrpSpPr/>
-        <p:nvPr/>
-      </p:nvGrpSpPr>
-      <p:grpSpPr>
-        <a:xfrm>
-          <a:off x="0" y="0"/>
-          <a:ext cx="0" cy="0"/>
-          <a:chOff x="0" y="0"/>
-          <a:chExt cx="0" cy="0"/>
-        </a:xfrm>
-      </p:grpSpPr>
-      <p:sp>
-        <p:nvSpPr>
-          <p:cNvPr id="2" name="Title 1"/>
-          <p:cNvSpPr>
-            <a:spLocks noGrp="1"/>
-          </p:cNvSpPr>
-          <p:nvPr>
-            <p:ph type="title"/>
-          </p:nvPr>
-        </p:nvSpPr>
-        <p:spPr/>
-        <p:txBody>
-          <a:bodyPr/>
-          <a:lstStyle/>
-          <a:p>
-            <a:r>
-              <a:rPr lang="en-US" dirty="0" err="1" smtClean="0"/>
-              <a:t>LogGP</a:t>
-            </a:r>
-            <a:r>
-              <a:rPr lang="en-US" dirty="0" smtClean="0"/>
-              <a:t> communication model</a:t>
-            </a:r>
-            <a:endParaRPr lang="en-US" dirty="0"/>
-          </a:p>
-        </p:txBody>
-      </p:sp>
-      <p:sp>
-        <p:nvSpPr>
-          <p:cNvPr id="3" name="Content Placeholder 2"/>
-          <p:cNvSpPr>
-            <a:spLocks noGrp="1"/>
-          </p:cNvSpPr>
-          <p:nvPr>
-            <p:ph idx="1"/>
-          </p:nvPr>
-        </p:nvSpPr>
-        <p:spPr/>
-        <p:txBody>
-          <a:bodyPr>
-            <a:normAutofit fontScale="85000" lnSpcReduction="20000"/>
-          </a:bodyPr>
-          <a:lstStyle/>
-          <a:p>
-            <a:r>
-              <a:rPr lang="en-US" dirty="0" smtClean="0"/>
-              <a:t>Model communication cost of messages</a:t>
-            </a:r>
-            <a:endParaRPr lang="en-US" dirty="0"/>
-          </a:p>
-          <a:p>
-            <a:pPr lvl="1"/>
-            <a:r>
-              <a:rPr lang="en-US" dirty="0" smtClean="0"/>
-              <a:t>Pt2pt</a:t>
-            </a:r>
-          </a:p>
-          <a:p>
-            <a:pPr lvl="1"/>
-            <a:endParaRPr lang="en-US" dirty="0" smtClean="0"/>
-          </a:p>
-          <a:p>
-            <a:pPr lvl="2"/>
-            <a:r>
-              <a:rPr lang="en-US" b="1" i="1" dirty="0" smtClean="0"/>
-              <a:t>alpha</a:t>
-            </a:r>
-            <a:r>
-              <a:rPr lang="en-US" dirty="0" smtClean="0"/>
-              <a:t>: </a:t>
-            </a:r>
-            <a:r>
-              <a:rPr lang="en-US" dirty="0"/>
-              <a:t>startup cost per </a:t>
-            </a:r>
-            <a:r>
-              <a:rPr lang="en-US" dirty="0" smtClean="0"/>
-              <a:t>message</a:t>
-            </a:r>
-          </a:p>
-          <a:p>
-            <a:pPr lvl="2"/>
-            <a:r>
-              <a:rPr lang="en-US" b="1" i="1" dirty="0" smtClean="0"/>
-              <a:t>beta</a:t>
-            </a:r>
-            <a:r>
-              <a:rPr lang="en-US" dirty="0" smtClean="0"/>
-              <a:t>: </a:t>
-            </a:r>
-            <a:r>
-              <a:rPr lang="en-US" dirty="0"/>
-              <a:t>reciprocal of </a:t>
-            </a:r>
-            <a:r>
-              <a:rPr lang="en-US" dirty="0" smtClean="0"/>
-              <a:t>bandwidth, </a:t>
-            </a:r>
-            <a:r>
-              <a:rPr lang="en-US" dirty="0"/>
-              <a:t>i.e. cost per byte for long </a:t>
-            </a:r>
-            <a:r>
-              <a:rPr lang="en-US" dirty="0" smtClean="0"/>
-              <a:t>messages</a:t>
-            </a:r>
-          </a:p>
-          <a:p>
-            <a:pPr lvl="2"/>
-            <a:endParaRPr lang="en-US" dirty="0"/>
-          </a:p>
-          <a:p>
-            <a:pPr lvl="1"/>
-            <a:r>
-              <a:rPr lang="en-US" dirty="0" smtClean="0"/>
-              <a:t>All2all</a:t>
-            </a:r>
-          </a:p>
-          <a:p>
-            <a:pPr lvl="1"/>
-            <a:endParaRPr lang="en-US" dirty="0"/>
-          </a:p>
-          <a:p>
-            <a:pPr lvl="1"/>
-            <a:endParaRPr lang="en-US" dirty="0" smtClean="0"/>
-          </a:p>
-          <a:p>
-            <a:pPr lvl="1"/>
-            <a:endParaRPr lang="en-US" dirty="0"/>
-          </a:p>
-          <a:p>
-            <a:pPr lvl="1"/>
-            <a:r>
-              <a:rPr lang="en-US" dirty="0" smtClean="0"/>
-              <a:t>In general</a:t>
-            </a:r>
-          </a:p>
-          <a:p>
-            <a:pPr marL="228600" lvl="1" indent="0">
-              <a:buNone/>
-            </a:pPr>
-            <a:endParaRPr lang="en-US" dirty="0" smtClean="0"/>
-          </a:p>
-          <a:p>
-            <a:r>
-              <a:rPr lang="en-US" dirty="0" smtClean="0"/>
-              <a:t>Communication cost does not include wait time between unbalanced processes</a:t>
-            </a:r>
-            <a:endParaRPr lang="en-US" dirty="0"/>
-          </a:p>
-        </p:txBody>
-      </p:sp>
-      <p:sp>
-        <p:nvSpPr>
-          <p:cNvPr id="4" name="Slide Number Placeholder 3"/>
-          <p:cNvSpPr>
-            <a:spLocks noGrp="1"/>
-          </p:cNvSpPr>
-          <p:nvPr>
-            <p:ph type="sldNum" sz="quarter" idx="12"/>
-          </p:nvPr>
-        </p:nvSpPr>
-        <p:spPr/>
-        <p:txBody>
-          <a:bodyPr/>
-          <a:lstStyle/>
-          <a:p>
-            <a:fld id="{089A015A-1AD9-46F4-A47D-C723C7F63AFF}" type="slidenum">
-              <a:rPr lang="en-US" smtClean="0"/>
-              <a:t>5</a:t>
-            </a:fld>
-            <a:endParaRPr lang="en-US" dirty="0"/>
-          </a:p>
-        </p:txBody>
-      </p:sp>
-      <p:pic>
-        <p:nvPicPr>
-          <p:cNvPr id="10" name="Picture 9"/>
-          <p:cNvPicPr>
-            <a:picLocks noChangeAspect="1"/>
-          </p:cNvPicPr>
-          <p:nvPr/>
-        </p:nvPicPr>
-        <p:blipFill>
-          <a:blip r:embed="rId3"/>
-          <a:stretch>
-            <a:fillRect/>
-          </a:stretch>
-        </p:blipFill>
-        <p:spPr>
-          <a:xfrm>
-            <a:off x="1979712" y="2318782"/>
-            <a:ext cx="3672408" cy="462146"/>
-          </a:xfrm>
-          <a:prstGeom prst="rect">
-            <a:avLst/>
-          </a:prstGeom>
-        </p:spPr>
-      </p:pic>
-      <p:pic>
-        <p:nvPicPr>
-          <p:cNvPr id="12" name="Picture 11"/>
-          <p:cNvPicPr>
-            <a:picLocks noChangeAspect="1"/>
-          </p:cNvPicPr>
-          <p:nvPr/>
-        </p:nvPicPr>
-        <p:blipFill>
-          <a:blip r:embed="rId4"/>
-          <a:stretch>
-            <a:fillRect/>
-          </a:stretch>
-        </p:blipFill>
-        <p:spPr>
-          <a:xfrm>
-            <a:off x="2123728" y="3501008"/>
-            <a:ext cx="6528725" cy="979309"/>
-          </a:xfrm>
-          <a:prstGeom prst="rect">
-            <a:avLst/>
-          </a:prstGeom>
-        </p:spPr>
-      </p:pic>
-      <p:pic>
-        <p:nvPicPr>
-          <p:cNvPr id="13" name="Picture 12"/>
-          <p:cNvPicPr>
-            <a:picLocks noChangeAspect="1"/>
-          </p:cNvPicPr>
-          <p:nvPr/>
-        </p:nvPicPr>
-        <p:blipFill>
-          <a:blip r:embed="rId5"/>
-          <a:stretch>
-            <a:fillRect/>
-          </a:stretch>
-        </p:blipFill>
-        <p:spPr>
-          <a:xfrm>
-            <a:off x="2123728" y="4704277"/>
-            <a:ext cx="4807620" cy="524923"/>
-          </a:xfrm>
-          <a:prstGeom prst="rect">
-            <a:avLst/>
-          </a:prstGeom>
-        </p:spPr>
-      </p:pic>
-    </p:spTree>
-    <p:extLst>
-      <p:ext uri="{BB962C8B-B14F-4D97-AF65-F5344CB8AC3E}">
-        <p14:creationId xmlns:p14="http://schemas.microsoft.com/office/powerpoint/2010/main" val="4190063490"/>
       </p:ext>
     </p:extLst>
   </p:cSld>
@@ -19092,7 +22024,7 @@
           <a:p>
             <a:r>
               <a:rPr lang="en-US" dirty="0" smtClean="0"/>
-              <a:t>Profitability analysis</a:t>
+              <a:t>Analytical Performance Modeling</a:t>
             </a:r>
             <a:endParaRPr lang="en-US" dirty="0"/>
           </a:p>
@@ -19110,12 +22042,14 @@
         </p:nvSpPr>
         <p:spPr>
           <a:xfrm>
-            <a:off x="498474" y="1444277"/>
-            <a:ext cx="7556313" cy="4144963"/>
+            <a:off x="0" y="1268760"/>
+            <a:ext cx="3960439" cy="3384376"/>
           </a:xfrm>
         </p:spPr>
         <p:txBody>
-          <a:bodyPr/>
+          <a:bodyPr>
+            <a:normAutofit lnSpcReduction="10000"/>
+          </a:bodyPr>
           <a:lstStyle/>
           <a:p>
             <a:r>
@@ -19140,16 +22074,65 @@
             </a:r>
             <a:r>
               <a:rPr lang="en-US" dirty="0" smtClean="0"/>
-              <a:t>communication hot spots</a:t>
-            </a:r>
-          </a:p>
-          <a:p>
+              <a:t>communication hot </a:t>
+            </a:r>
             <a:r>
               <a:rPr lang="en-US" dirty="0" smtClean="0"/>
-              <a:t>Find enclosing loop for each hot spot</a:t>
-            </a:r>
-          </a:p>
-          <a:p>
+              <a:t>spots</a:t>
+            </a:r>
+          </a:p>
+          <a:p>
+            <a:pPr lvl="1"/>
+            <a:r>
+              <a:rPr lang="en-US" dirty="0" smtClean="0"/>
+              <a:t>Through extensions to the </a:t>
+            </a:r>
+            <a:r>
+              <a:rPr lang="en-US" dirty="0" err="1" smtClean="0"/>
+              <a:t>Skope</a:t>
+            </a:r>
+            <a:r>
+              <a:rPr lang="en-US" dirty="0" smtClean="0"/>
+              <a:t> framework by </a:t>
+            </a:r>
+            <a:r>
+              <a:rPr lang="en-US" dirty="0" err="1" smtClean="0"/>
+              <a:t>Guo</a:t>
+            </a:r>
+            <a:r>
+              <a:rPr lang="en-US" dirty="0" smtClean="0"/>
+              <a:t> and </a:t>
+            </a:r>
+            <a:r>
+              <a:rPr lang="en-US" dirty="0" err="1" smtClean="0"/>
+              <a:t>Meng</a:t>
+            </a:r>
+            <a:r>
+              <a:rPr lang="en-US" dirty="0" smtClean="0"/>
+              <a:t> et. al</a:t>
+            </a:r>
+            <a:endParaRPr lang="en-US" dirty="0" smtClean="0"/>
+          </a:p>
+          <a:p>
+            <a:r>
+              <a:rPr lang="en-US" dirty="0" smtClean="0"/>
+              <a:t>For eac</a:t>
+            </a:r>
+            <a:r>
+              <a:rPr lang="en-US" dirty="0" smtClean="0"/>
+              <a:t>h communication hot spot</a:t>
+            </a:r>
+          </a:p>
+          <a:p>
+            <a:pPr lvl="1"/>
+            <a:r>
+              <a:rPr lang="en-US" dirty="0" smtClean="0"/>
+              <a:t>Find its enclosing loops</a:t>
+            </a:r>
+            <a:endParaRPr lang="en-US" dirty="0" smtClean="0"/>
+          </a:p>
+          <a:p>
+            <a:pPr lvl="1"/>
             <a:r>
               <a:rPr lang="en-US" dirty="0" smtClean="0"/>
               <a:t>Find </a:t>
@@ -19172,10 +22155,8 @@
             </a:r>
             <a:r>
               <a:rPr lang="en-US" dirty="0" smtClean="0"/>
-              <a:t>computation hot spots</a:t>
-            </a:r>
-          </a:p>
-          <a:p>
+              <a:t>computation in the loops</a:t>
+            </a:r>
             <a:endParaRPr lang="en-US" dirty="0" smtClean="0"/>
           </a:p>
         </p:txBody>
@@ -19211,8 +22192,8 @@
         </p:nvGrpSpPr>
         <p:grpSpPr>
           <a:xfrm>
-            <a:off x="1691680" y="1844824"/>
-            <a:ext cx="7416824" cy="4968552"/>
+            <a:off x="1331640" y="1340768"/>
+            <a:ext cx="7560840" cy="5328592"/>
             <a:chOff x="1619672" y="1340768"/>
             <a:chExt cx="7416824" cy="4968552"/>
           </a:xfrm>
@@ -19673,8 +22654,8 @@
           </p:nvSpPr>
           <p:spPr>
             <a:xfrm>
-              <a:off x="3563888" y="4005064"/>
-              <a:ext cx="1512168" cy="504056"/>
+              <a:off x="3563889" y="4005064"/>
+              <a:ext cx="1512167" cy="504056"/>
             </a:xfrm>
             <a:prstGeom prst="roundRect">
               <a:avLst/>
@@ -20791,8 +23772,8 @@
         </p:nvSpPr>
         <p:spPr>
           <a:xfrm>
-            <a:off x="755576" y="4365104"/>
-            <a:ext cx="2394005" cy="338554"/>
+            <a:off x="6660232" y="1988840"/>
+            <a:ext cx="3779912" cy="400110"/>
           </a:xfrm>
           <a:prstGeom prst="rect">
             <a:avLst/>
@@ -20800,46 +23781,16 @@
           <a:noFill/>
         </p:spPr>
         <p:txBody>
-          <a:bodyPr wrap="none" rtlCol="0">
+          <a:bodyPr wrap="square" rtlCol="0">
             <a:spAutoFit/>
           </a:bodyPr>
           <a:lstStyle/>
           <a:p>
             <a:r>
-              <a:rPr lang="en-US" sz="1600" dirty="0" smtClean="0"/>
-              <a:t>Example BET of NAS FT</a:t>
-            </a:r>
-            <a:endParaRPr lang="en-US" sz="1600" dirty="0"/>
-          </a:p>
-        </p:txBody>
-      </p:sp>
-      <p:sp>
-        <p:nvSpPr>
-          <p:cNvPr id="46" name="TextBox 45"/>
-          <p:cNvSpPr txBox="1"/>
-          <p:nvPr/>
-        </p:nvSpPr>
-        <p:spPr>
-          <a:xfrm>
-            <a:off x="6732240" y="2204864"/>
-            <a:ext cx="2165902" cy="369332"/>
-          </a:xfrm>
-          <a:prstGeom prst="rect">
-            <a:avLst/>
-          </a:prstGeom>
-          <a:noFill/>
-        </p:spPr>
-        <p:txBody>
-          <a:bodyPr wrap="none" rtlCol="0">
-            <a:spAutoFit/>
-          </a:bodyPr>
-          <a:lstStyle/>
-          <a:p>
-            <a:r>
-              <a:rPr lang="en-US" i="1" dirty="0" smtClean="0"/>
+              <a:rPr lang="en-US" sz="2000" dirty="0" smtClean="0"/>
               <a:t>NAS FT (1D layout)</a:t>
             </a:r>
-            <a:endParaRPr lang="en-US" i="1" dirty="0"/>
+            <a:endParaRPr lang="en-US" sz="2000" dirty="0"/>
           </a:p>
         </p:txBody>
       </p:sp>
@@ -20916,15 +23867,33 @@
                                   </p:childTnLst>
                                 </p:cTn>
                               </p:par>
+                            </p:childTnLst>
+                          </p:cTn>
+                        </p:par>
+                      </p:childTnLst>
+                    </p:cTn>
+                  </p:par>
+                  <p:par>
+                    <p:cTn id="8" fill="hold">
+                      <p:stCondLst>
+                        <p:cond delay="indefinite"/>
+                      </p:stCondLst>
+                      <p:childTnLst>
+                        <p:par>
+                          <p:cTn id="9" fill="hold">
+                            <p:stCondLst>
+                              <p:cond delay="0"/>
+                            </p:stCondLst>
+                            <p:childTnLst>
                               <p:par>
-                                <p:cTn id="8" presetID="9" presetClass="entr" presetSubtype="0" fill="hold" nodeType="withEffect">
+                                <p:cTn id="10" presetID="9" presetClass="entr" presetSubtype="0" fill="hold" nodeType="clickEffect">
                                   <p:stCondLst>
                                     <p:cond delay="0"/>
                                   </p:stCondLst>
                                   <p:childTnLst>
                                     <p:set>
                                       <p:cBhvr>
-                                        <p:cTn id="9" dur="1" fill="hold">
+                                        <p:cTn id="11" dur="1" fill="hold">
                                           <p:stCondLst>
                                             <p:cond delay="0"/>
                                           </p:stCondLst>
@@ -20946,7 +23915,7 @@
                                     </p:set>
                                     <p:animEffect transition="in" filter="dissolve">
                                       <p:cBhvr>
-                                        <p:cTn id="10" dur="500"/>
+                                        <p:cTn id="12" dur="500"/>
                                         <p:tgtEl>
                                           <p:spTgt spid="3">
                                             <p:txEl>
@@ -20960,14 +23929,14 @@
                                 </p:cTn>
                               </p:par>
                               <p:par>
-                                <p:cTn id="11" presetID="9" presetClass="entr" presetSubtype="0" fill="hold" nodeType="withEffect">
+                                <p:cTn id="13" presetID="9" presetClass="entr" presetSubtype="0" fill="hold" nodeType="withEffect">
                                   <p:stCondLst>
                                     <p:cond delay="0"/>
                                   </p:stCondLst>
                                   <p:childTnLst>
                                     <p:set>
                                       <p:cBhvr>
-                                        <p:cTn id="12" dur="1" fill="hold">
+                                        <p:cTn id="14" dur="1" fill="hold">
                                           <p:stCondLst>
                                             <p:cond delay="0"/>
                                           </p:stCondLst>
@@ -20989,11 +23958,97 @@
                                     </p:set>
                                     <p:animEffect transition="in" filter="dissolve">
                                       <p:cBhvr>
-                                        <p:cTn id="13" dur="500"/>
+                                        <p:cTn id="15" dur="500"/>
                                         <p:tgtEl>
                                           <p:spTgt spid="3">
                                             <p:txEl>
                                               <p:pRg st="2" end="2"/>
+                                            </p:txEl>
+                                          </p:spTgt>
+                                        </p:tgtEl>
+                                      </p:cBhvr>
+                                    </p:animEffect>
+                                  </p:childTnLst>
+                                </p:cTn>
+                              </p:par>
+                              <p:par>
+                                <p:cTn id="16" presetID="9" presetClass="entr" presetSubtype="0" fill="hold" nodeType="withEffect">
+                                  <p:stCondLst>
+                                    <p:cond delay="0"/>
+                                  </p:stCondLst>
+                                  <p:childTnLst>
+                                    <p:set>
+                                      <p:cBhvr>
+                                        <p:cTn id="17" dur="1" fill="hold">
+                                          <p:stCondLst>
+                                            <p:cond delay="0"/>
+                                          </p:stCondLst>
+                                        </p:cTn>
+                                        <p:tgtEl>
+                                          <p:spTgt spid="3">
+                                            <p:txEl>
+                                              <p:pRg st="3" end="3"/>
+                                            </p:txEl>
+                                          </p:spTgt>
+                                        </p:tgtEl>
+                                        <p:attrNameLst>
+                                          <p:attrName>style.visibility</p:attrName>
+                                        </p:attrNameLst>
+                                      </p:cBhvr>
+                                      <p:to>
+                                        <p:strVal val="visible"/>
+                                      </p:to>
+                                    </p:set>
+                                    <p:animEffect transition="in" filter="dissolve">
+                                      <p:cBhvr>
+                                        <p:cTn id="18" dur="500"/>
+                                        <p:tgtEl>
+                                          <p:spTgt spid="3">
+                                            <p:txEl>
+                                              <p:pRg st="3" end="3"/>
+                                            </p:txEl>
+                                          </p:spTgt>
+                                        </p:tgtEl>
+                                      </p:cBhvr>
+                                    </p:animEffect>
+                                  </p:childTnLst>
+                                </p:cTn>
+                              </p:par>
+                              <p:par>
+                                <p:cTn id="19" presetID="9" presetClass="entr" presetSubtype="0" fill="hold" nodeType="withEffect">
+                                  <p:stCondLst>
+                                    <p:cond delay="0"/>
+                                  </p:stCondLst>
+                                  <p:childTnLst>
+                                    <p:set>
+                                      <p:cBhvr>
+                                        <p:cTn id="20" dur="1" fill="hold">
+                                          <p:stCondLst>
+                                            <p:cond delay="0"/>
+                                          </p:stCondLst>
+                                        </p:cTn>
+                                        <p:tgtEl>
+                                          <p:spTgt spid="3">
+                                            <p:txEl>
+                                              <p:pRg st="4" end="4"/>
+                                            </p:txEl>
+                                          </p:spTgt>
+                                        </p:tgtEl>
+                                        <p:attrNameLst>
+                                          <p:attrName>style.visibility</p:attrName>
+                                        </p:attrNameLst>
+                                      </p:cBhvr>
+                                      <p:to>
+                                        <p:strVal val="visible"/>
+                                      </p:to>
+                                    </p:set>
+                                    <p:animEffect transition="in" filter="dissolve">
+                                      <p:cBhvr>
+                                        <p:cTn id="21" dur="500"/>
+                                        <p:tgtEl>
+                                          <p:spTgt spid="3">
+                                            <p:txEl>
+                                              <p:pRg st="4" end="4"/>
                                             </p:txEl>
                                           </p:spTgt>
                                         </p:tgtEl>
@@ -21067,7 +24122,7 @@
           <a:p>
             <a:r>
               <a:rPr lang="en-US" dirty="0" smtClean="0"/>
-              <a:t>Communication hot path of NAS FT</a:t>
+              <a:t>Modeling Communication Cost</a:t>
             </a:r>
             <a:endParaRPr lang="en-US" dirty="0"/>
           </a:p>
@@ -21085,88 +24140,109 @@
         </p:nvSpPr>
         <p:spPr>
           <a:xfrm>
-            <a:off x="498475" y="1981200"/>
-            <a:ext cx="4505574" cy="4144963"/>
+            <a:off x="498474" y="1484784"/>
+            <a:ext cx="7556313" cy="4641379"/>
           </a:xfrm>
         </p:spPr>
         <p:txBody>
           <a:bodyPr>
-            <a:normAutofit fontScale="92500" lnSpcReduction="10000"/>
+            <a:normAutofit lnSpcReduction="10000"/>
           </a:bodyPr>
           <a:lstStyle/>
           <a:p>
             <a:r>
               <a:rPr lang="en-US" dirty="0" smtClean="0"/>
-              <a:t>Clear separation of computation and communication</a:t>
-            </a:r>
+              <a:t>Point-to-point</a:t>
+            </a:r>
+            <a:endParaRPr lang="en-US" dirty="0" smtClean="0"/>
           </a:p>
           <a:p>
             <a:pPr lvl="1"/>
+            <a:endParaRPr lang="en-US" dirty="0" smtClean="0"/>
+          </a:p>
+          <a:p>
+            <a:pPr lvl="1"/>
+            <a:r>
+              <a:rPr lang="en-US" b="1" i="1" dirty="0" smtClean="0"/>
+              <a:t>alpha</a:t>
+            </a:r>
             <a:r>
               <a:rPr lang="en-US" dirty="0" smtClean="0"/>
-              <a:t>Comp =&gt; </a:t>
-            </a:r>
-            <a:r>
-              <a:rPr lang="en-US" dirty="0" err="1" smtClean="0"/>
-              <a:t>Comm</a:t>
+              <a:t>: </a:t>
+            </a:r>
+            <a:r>
+              <a:rPr lang="en-US" dirty="0"/>
+              <a:t>startup cost per </a:t>
             </a:r>
             <a:r>
               <a:rPr lang="en-US" dirty="0" smtClean="0"/>
-              <a:t> =&gt; Comp =&gt; …</a:t>
-            </a:r>
-          </a:p>
-          <a:p>
-            <a:pPr lvl="2"/>
+              <a:t>message</a:t>
+            </a:r>
+          </a:p>
+          <a:p>
+            <a:pPr lvl="1"/>
+            <a:r>
+              <a:rPr lang="en-US" b="1" i="1" dirty="0" smtClean="0"/>
+              <a:t>beta</a:t>
+            </a:r>
             <a:r>
               <a:rPr lang="en-US" dirty="0" smtClean="0"/>
-              <a:t>Easy to implement and maintain</a:t>
-            </a:r>
-          </a:p>
-          <a:p>
-            <a:pPr lvl="2"/>
+              <a:t>: </a:t>
+            </a:r>
+            <a:r>
+              <a:rPr lang="en-US" dirty="0"/>
+              <a:t>reciprocal of </a:t>
+            </a:r>
             <a:r>
               <a:rPr lang="en-US" dirty="0" smtClean="0"/>
-              <a:t>Reuse buffers across iterations</a:t>
-            </a:r>
-          </a:p>
-          <a:p>
+              <a:t>bandwidth, </a:t>
+            </a:r>
+            <a:r>
+              <a:rPr lang="en-US" dirty="0"/>
+              <a:t>i.e. cost per byte for long </a:t>
+            </a:r>
             <a:r>
               <a:rPr lang="en-US" dirty="0" smtClean="0"/>
-              <a:t>Communication hot spots</a:t>
-            </a:r>
-          </a:p>
-          <a:p>
-            <a:pPr lvl="1"/>
+              <a:t>messages</a:t>
+            </a:r>
+            <a:endParaRPr lang="en-US" dirty="0"/>
+          </a:p>
+          <a:p>
             <a:r>
               <a:rPr lang="en-US" dirty="0" smtClean="0"/>
-              <a:t>MPI blocking communication</a:t>
-            </a:r>
-          </a:p>
-          <a:p>
-            <a:pPr lvl="2"/>
+              <a:t>All2all</a:t>
+            </a:r>
+            <a:endParaRPr lang="en-US" dirty="0"/>
+          </a:p>
+          <a:p>
+            <a:pPr marL="228600" lvl="1" indent="0">
+              <a:buNone/>
+            </a:pPr>
+            <a:endParaRPr lang="en-US" dirty="0"/>
+          </a:p>
+          <a:p>
+            <a:endParaRPr lang="en-US" dirty="0" smtClean="0"/>
+          </a:p>
+          <a:p>
             <a:r>
               <a:rPr lang="en-US" dirty="0" smtClean="0"/>
-              <a:t>Point-to-point</a:t>
-            </a:r>
-          </a:p>
-          <a:p>
-            <a:pPr lvl="2"/>
+              <a:t>In </a:t>
+            </a:r>
             <a:r>
               <a:rPr lang="en-US" dirty="0" smtClean="0"/>
-              <a:t>Collective</a:t>
-            </a:r>
+              <a:t>general</a:t>
+            </a:r>
+          </a:p>
+          <a:p>
+            <a:pPr marL="228600" lvl="1" indent="0">
+              <a:buNone/>
+            </a:pPr>
+            <a:endParaRPr lang="en-US" dirty="0" smtClean="0"/>
           </a:p>
           <a:p>
             <a:r>
               <a:rPr lang="en-US" dirty="0" smtClean="0"/>
-              <a:t>Computation hot spots</a:t>
-            </a:r>
-          </a:p>
-          <a:p>
-            <a:pPr lvl="1"/>
-            <a:r>
-              <a:rPr lang="en-US" dirty="0" smtClean="0"/>
-              <a:t>Loops of CPU or memory intensive arithmetic computation</a:t>
+              <a:t>Communication cost does not include wait time between unbalanced processes</a:t>
             </a:r>
             <a:endParaRPr lang="en-US" dirty="0"/>
           </a:p>
@@ -21190,6 +24266,266 @@
             <a:fld id="{089A015A-1AD9-46F4-A47D-C723C7F63AFF}" type="slidenum">
               <a:rPr lang="en-US" smtClean="0"/>
               <a:t>7</a:t>
+            </a:fld>
+            <a:endParaRPr lang="en-US" dirty="0"/>
+          </a:p>
+        </p:txBody>
+      </p:sp>
+      <p:pic>
+        <p:nvPicPr>
+          <p:cNvPr id="10" name="Picture 9"/>
+          <p:cNvPicPr>
+            <a:picLocks noChangeAspect="1"/>
+          </p:cNvPicPr>
+          <p:nvPr/>
+        </p:nvPicPr>
+        <p:blipFill>
+          <a:blip r:embed="rId3"/>
+          <a:stretch>
+            <a:fillRect/>
+          </a:stretch>
+        </p:blipFill>
+        <p:spPr>
+          <a:xfrm>
+            <a:off x="2555776" y="1556792"/>
+            <a:ext cx="3672408" cy="462146"/>
+          </a:xfrm>
+          <a:prstGeom prst="rect">
+            <a:avLst/>
+          </a:prstGeom>
+        </p:spPr>
+      </p:pic>
+      <p:pic>
+        <p:nvPicPr>
+          <p:cNvPr id="12" name="Picture 11"/>
+          <p:cNvPicPr>
+            <a:picLocks noChangeAspect="1"/>
+          </p:cNvPicPr>
+          <p:nvPr/>
+        </p:nvPicPr>
+        <p:blipFill>
+          <a:blip r:embed="rId4"/>
+          <a:stretch>
+            <a:fillRect/>
+          </a:stretch>
+        </p:blipFill>
+        <p:spPr>
+          <a:xfrm>
+            <a:off x="1979712" y="3140968"/>
+            <a:ext cx="6528725" cy="979309"/>
+          </a:xfrm>
+          <a:prstGeom prst="rect">
+            <a:avLst/>
+          </a:prstGeom>
+        </p:spPr>
+      </p:pic>
+      <p:pic>
+        <p:nvPicPr>
+          <p:cNvPr id="13" name="Picture 12"/>
+          <p:cNvPicPr>
+            <a:picLocks noChangeAspect="1"/>
+          </p:cNvPicPr>
+          <p:nvPr/>
+        </p:nvPicPr>
+        <p:blipFill>
+          <a:blip r:embed="rId5"/>
+          <a:stretch>
+            <a:fillRect/>
+          </a:stretch>
+        </p:blipFill>
+        <p:spPr>
+          <a:xfrm>
+            <a:off x="2411760" y="4509120"/>
+            <a:ext cx="4807620" cy="524923"/>
+          </a:xfrm>
+          <a:prstGeom prst="rect">
+            <a:avLst/>
+          </a:prstGeom>
+        </p:spPr>
+      </p:pic>
+    </p:spTree>
+    <p:extLst>
+      <p:ext uri="{BB962C8B-B14F-4D97-AF65-F5344CB8AC3E}">
+        <p14:creationId xmlns:p14="http://schemas.microsoft.com/office/powerpoint/2010/main" val="4190063490"/>
+      </p:ext>
+    </p:extLst>
+  </p:cSld>
+  <p:clrMapOvr>
+    <a:masterClrMapping/>
+  </p:clrMapOvr>
+  <p:timing>
+    <p:tnLst>
+      <p:par>
+        <p:cTn xmlns:p14="http://schemas.microsoft.com/office/powerpoint/2010/main" id="1" dur="indefinite" restart="never" nodeType="tmRoot"/>
+      </p:par>
+    </p:tnLst>
+  </p:timing>
+</p:sld>
+</file>
+
+<file path=ppt/slides/slide8.xml><?xml version="1.0" encoding="utf-8"?>
+<p:sld xmlns:a="http://schemas.openxmlformats.org/drawingml/2006/main" xmlns:r="http://schemas.openxmlformats.org/officeDocument/2006/relationships" xmlns:p="http://schemas.openxmlformats.org/presentationml/2006/main">
+  <p:cSld>
+    <p:spTree>
+      <p:nvGrpSpPr>
+        <p:cNvPr id="1" name=""/>
+        <p:cNvGrpSpPr/>
+        <p:nvPr/>
+      </p:nvGrpSpPr>
+      <p:grpSpPr>
+        <a:xfrm>
+          <a:off x="0" y="0"/>
+          <a:ext cx="0" cy="0"/>
+          <a:chOff x="0" y="0"/>
+          <a:chExt cx="0" cy="0"/>
+        </a:xfrm>
+      </p:grpSpPr>
+      <p:sp>
+        <p:nvSpPr>
+          <p:cNvPr id="2" name="Title 1"/>
+          <p:cNvSpPr>
+            <a:spLocks noGrp="1"/>
+          </p:cNvSpPr>
+          <p:nvPr>
+            <p:ph type="title"/>
+          </p:nvPr>
+        </p:nvSpPr>
+        <p:spPr/>
+        <p:txBody>
+          <a:bodyPr/>
+          <a:lstStyle/>
+          <a:p>
+            <a:r>
+              <a:rPr lang="en-US" dirty="0" smtClean="0"/>
+              <a:t>Example Hot Communication path</a:t>
+            </a:r>
+            <a:endParaRPr lang="en-US" dirty="0"/>
+          </a:p>
+        </p:txBody>
+      </p:sp>
+      <p:sp>
+        <p:nvSpPr>
+          <p:cNvPr id="3" name="Content Placeholder 2"/>
+          <p:cNvSpPr>
+            <a:spLocks noGrp="1"/>
+          </p:cNvSpPr>
+          <p:nvPr>
+            <p:ph idx="1"/>
+          </p:nvPr>
+        </p:nvSpPr>
+        <p:spPr>
+          <a:xfrm>
+            <a:off x="498475" y="1981200"/>
+            <a:ext cx="4505574" cy="4144963"/>
+          </a:xfrm>
+        </p:spPr>
+        <p:txBody>
+          <a:bodyPr>
+            <a:normAutofit lnSpcReduction="10000"/>
+          </a:bodyPr>
+          <a:lstStyle/>
+          <a:p>
+            <a:r>
+              <a:rPr lang="en-US" dirty="0"/>
+              <a:t>Communication hot spots</a:t>
+            </a:r>
+          </a:p>
+          <a:p>
+            <a:pPr lvl="1"/>
+            <a:r>
+              <a:rPr lang="en-US" dirty="0"/>
+              <a:t>MPI blocking communication</a:t>
+            </a:r>
+          </a:p>
+          <a:p>
+            <a:pPr lvl="2"/>
+            <a:r>
+              <a:rPr lang="en-US" dirty="0"/>
+              <a:t>Point-to-point</a:t>
+            </a:r>
+          </a:p>
+          <a:p>
+            <a:pPr lvl="2"/>
+            <a:r>
+              <a:rPr lang="en-US" dirty="0"/>
+              <a:t>Collective</a:t>
+            </a:r>
+          </a:p>
+          <a:p>
+            <a:r>
+              <a:rPr lang="en-US" dirty="0"/>
+              <a:t>Computation hot spots</a:t>
+            </a:r>
+          </a:p>
+          <a:p>
+            <a:pPr lvl="1"/>
+            <a:r>
+              <a:rPr lang="en-US" dirty="0"/>
+              <a:t>Loops of CPU or memory intensive arithmetic computation</a:t>
+            </a:r>
+          </a:p>
+          <a:p>
+            <a:r>
+              <a:rPr lang="en-US" dirty="0" smtClean="0"/>
+              <a:t>Clear </a:t>
+            </a:r>
+            <a:r>
+              <a:rPr lang="en-US" dirty="0" smtClean="0"/>
+              <a:t>separation of computation and communication</a:t>
+            </a:r>
+          </a:p>
+          <a:p>
+            <a:pPr lvl="1"/>
+            <a:r>
+              <a:rPr lang="en-US" dirty="0" smtClean="0"/>
+              <a:t>Comp =&gt; </a:t>
+            </a:r>
+            <a:r>
+              <a:rPr lang="en-US" dirty="0" err="1" smtClean="0"/>
+              <a:t>Comm</a:t>
+            </a:r>
+            <a:r>
+              <a:rPr lang="en-US" dirty="0" smtClean="0"/>
+              <a:t> =&gt; Comp =&gt; </a:t>
+            </a:r>
+            <a:r>
+              <a:rPr lang="en-US" dirty="0" smtClean="0"/>
+              <a:t>…</a:t>
+            </a:r>
+            <a:endParaRPr lang="en-US" dirty="0" smtClean="0"/>
+          </a:p>
+          <a:p>
+            <a:pPr lvl="2"/>
+            <a:r>
+              <a:rPr lang="en-US" dirty="0" smtClean="0"/>
+              <a:t>Reuse buffers across </a:t>
+            </a:r>
+            <a:r>
+              <a:rPr lang="en-US" dirty="0" smtClean="0"/>
+              <a:t>iterations</a:t>
+            </a:r>
+            <a:endParaRPr lang="en-US" dirty="0" smtClean="0"/>
+          </a:p>
+        </p:txBody>
+      </p:sp>
+      <p:sp>
+        <p:nvSpPr>
+          <p:cNvPr id="4" name="Slide Number Placeholder 3"/>
+          <p:cNvSpPr>
+            <a:spLocks noGrp="1"/>
+          </p:cNvSpPr>
+          <p:nvPr>
+            <p:ph type="sldNum" sz="quarter" idx="12"/>
+          </p:nvPr>
+        </p:nvSpPr>
+        <p:spPr/>
+        <p:txBody>
+          <a:bodyPr/>
+          <a:lstStyle/>
+          <a:p>
+            <a:fld id="{089A015A-1AD9-46F4-A47D-C723C7F63AFF}" type="slidenum">
+              <a:rPr lang="en-US" smtClean="0"/>
+              <a:t>8</a:t>
             </a:fld>
             <a:endParaRPr lang="en-US" dirty="0"/>
           </a:p>
@@ -22424,7 +25760,7 @@
 </p:sld>
 </file>
 
-<file path=ppt/slides/slide8.xml><?xml version="1.0" encoding="utf-8"?>
+<file path=ppt/slides/slide9.xml><?xml version="1.0" encoding="utf-8"?>
 <p:sld xmlns:a="http://schemas.openxmlformats.org/drawingml/2006/main" xmlns:r="http://schemas.openxmlformats.org/officeDocument/2006/relationships" xmlns:p="http://schemas.openxmlformats.org/presentationml/2006/main">
   <p:cSld>
     <p:spTree>
@@ -22552,7 +25888,7 @@
           <a:p>
             <a:fld id="{089A015A-1AD9-46F4-A47D-C723C7F63AFF}" type="slidenum">
               <a:rPr lang="en-US" smtClean="0"/>
-              <a:t>8</a:t>
+              <a:t>9</a:t>
             </a:fld>
             <a:endParaRPr lang="en-US" dirty="0"/>
           </a:p>
@@ -23884,1476 +27220,6 @@
 </p:sld>
 </file>
 
-<file path=ppt/slides/slide9.xml><?xml version="1.0" encoding="utf-8"?>
-<p:sld xmlns:a="http://schemas.openxmlformats.org/drawingml/2006/main" xmlns:r="http://schemas.openxmlformats.org/officeDocument/2006/relationships" xmlns:p="http://schemas.openxmlformats.org/presentationml/2006/main">
-  <p:cSld>
-    <p:spTree>
-      <p:nvGrpSpPr>
-        <p:cNvPr id="1" name=""/>
-        <p:cNvGrpSpPr/>
-        <p:nvPr/>
-      </p:nvGrpSpPr>
-      <p:grpSpPr>
-        <a:xfrm>
-          <a:off x="0" y="0"/>
-          <a:ext cx="0" cy="0"/>
-          <a:chOff x="0" y="0"/>
-          <a:chExt cx="0" cy="0"/>
-        </a:xfrm>
-      </p:grpSpPr>
-      <p:sp>
-        <p:nvSpPr>
-          <p:cNvPr id="2" name="Title 1"/>
-          <p:cNvSpPr>
-            <a:spLocks noGrp="1"/>
-          </p:cNvSpPr>
-          <p:nvPr>
-            <p:ph type="title"/>
-          </p:nvPr>
-        </p:nvSpPr>
-        <p:spPr/>
-        <p:txBody>
-          <a:bodyPr/>
-          <a:lstStyle/>
-          <a:p>
-            <a:r>
-              <a:rPr lang="en-US" dirty="0" smtClean="0"/>
-              <a:t>Hot path of NAS FT after applying CCO</a:t>
-            </a:r>
-            <a:endParaRPr lang="en-US" dirty="0"/>
-          </a:p>
-        </p:txBody>
-      </p:sp>
-      <p:sp>
-        <p:nvSpPr>
-          <p:cNvPr id="3" name="Content Placeholder 2"/>
-          <p:cNvSpPr>
-            <a:spLocks noGrp="1"/>
-          </p:cNvSpPr>
-          <p:nvPr>
-            <p:ph idx="1"/>
-          </p:nvPr>
-        </p:nvSpPr>
-        <p:spPr>
-          <a:xfrm>
-            <a:off x="498474" y="1981200"/>
-            <a:ext cx="4217541" cy="4144963"/>
-          </a:xfrm>
-        </p:spPr>
-        <p:txBody>
-          <a:bodyPr/>
-          <a:lstStyle/>
-          <a:p>
-            <a:r>
-              <a:rPr lang="en-US" dirty="0" smtClean="0"/>
-              <a:t>Safety constraints to reorder computation and communication</a:t>
-            </a:r>
-          </a:p>
-          <a:p>
-            <a:pPr lvl="1"/>
-            <a:r>
-              <a:rPr lang="en-US" dirty="0" smtClean="0"/>
-              <a:t>No dependence edges</a:t>
-            </a:r>
-          </a:p>
-          <a:p>
-            <a:pPr lvl="2"/>
-            <a:r>
-              <a:rPr lang="en-US" dirty="0" smtClean="0"/>
-              <a:t>Before(I) =&gt; </a:t>
-            </a:r>
-            <a:r>
-              <a:rPr lang="en-US" dirty="0" err="1" smtClean="0"/>
-              <a:t>MPI_Wait</a:t>
-            </a:r>
-            <a:r>
-              <a:rPr lang="en-US" dirty="0" smtClean="0"/>
-              <a:t>(I-?)</a:t>
-            </a:r>
-          </a:p>
-          <a:p>
-            <a:pPr lvl="2"/>
-            <a:r>
-              <a:rPr lang="en-US" dirty="0" smtClean="0"/>
-              <a:t>Before(</a:t>
-            </a:r>
-            <a:r>
-              <a:rPr lang="en-US" dirty="0"/>
-              <a:t>I</a:t>
-            </a:r>
-            <a:r>
-              <a:rPr lang="en-US" dirty="0" smtClean="0"/>
-              <a:t>) =&gt; After(</a:t>
-            </a:r>
-            <a:r>
-              <a:rPr lang="en-US" dirty="0"/>
-              <a:t>I-?)</a:t>
-            </a:r>
-          </a:p>
-          <a:p>
-            <a:r>
-              <a:rPr lang="en-US" dirty="0" smtClean="0"/>
-              <a:t>Challenges</a:t>
-            </a:r>
-          </a:p>
-          <a:p>
-            <a:pPr lvl="1"/>
-            <a:r>
-              <a:rPr lang="en-US" dirty="0" smtClean="0"/>
-              <a:t>Inter-procedural</a:t>
-            </a:r>
-          </a:p>
-          <a:p>
-            <a:pPr lvl="1"/>
-            <a:r>
-              <a:rPr lang="en-US" dirty="0" smtClean="0"/>
-              <a:t>Dynamic control and data flow</a:t>
-            </a:r>
-          </a:p>
-        </p:txBody>
-      </p:sp>
-      <p:sp>
-        <p:nvSpPr>
-          <p:cNvPr id="4" name="Slide Number Placeholder 3"/>
-          <p:cNvSpPr>
-            <a:spLocks noGrp="1"/>
-          </p:cNvSpPr>
-          <p:nvPr>
-            <p:ph type="sldNum" sz="quarter" idx="12"/>
-          </p:nvPr>
-        </p:nvSpPr>
-        <p:spPr/>
-        <p:txBody>
-          <a:bodyPr/>
-          <a:lstStyle/>
-          <a:p>
-            <a:fld id="{089A015A-1AD9-46F4-A47D-C723C7F63AFF}" type="slidenum">
-              <a:rPr lang="en-US" smtClean="0"/>
-              <a:t>9</a:t>
-            </a:fld>
-            <a:endParaRPr lang="en-US" dirty="0"/>
-          </a:p>
-        </p:txBody>
-      </p:sp>
-      <p:grpSp>
-        <p:nvGrpSpPr>
-          <p:cNvPr id="64" name="Group 63"/>
-          <p:cNvGrpSpPr/>
-          <p:nvPr/>
-        </p:nvGrpSpPr>
-        <p:grpSpPr>
-          <a:xfrm>
-            <a:off x="5086641" y="1268760"/>
-            <a:ext cx="3733831" cy="5375107"/>
-            <a:chOff x="4043232" y="-1891"/>
-            <a:chExt cx="3692427" cy="6905629"/>
-          </a:xfrm>
-        </p:grpSpPr>
-        <p:grpSp>
-          <p:nvGrpSpPr>
-            <p:cNvPr id="65" name="Group 64"/>
-            <p:cNvGrpSpPr/>
-            <p:nvPr/>
-          </p:nvGrpSpPr>
-          <p:grpSpPr>
-            <a:xfrm>
-              <a:off x="4043232" y="-1891"/>
-              <a:ext cx="3692427" cy="6905629"/>
-              <a:chOff x="4043232" y="-1891"/>
-              <a:chExt cx="3692427" cy="6905629"/>
-            </a:xfrm>
-          </p:grpSpPr>
-          <p:sp>
-            <p:nvSpPr>
-              <p:cNvPr id="68" name="Rectangle 67"/>
-              <p:cNvSpPr/>
-              <p:nvPr/>
-            </p:nvSpPr>
-            <p:spPr>
-              <a:xfrm>
-                <a:off x="4044462" y="3570646"/>
-                <a:ext cx="2289144" cy="576064"/>
-              </a:xfrm>
-              <a:prstGeom prst="rect">
-                <a:avLst/>
-              </a:prstGeom>
-              <a:noFill/>
-              <a:ln w="25400" cap="flat" cmpd="sng" algn="ctr">
-                <a:solidFill>
-                  <a:srgbClr val="F79646"/>
-                </a:solidFill>
-                <a:prstDash val="solid"/>
-              </a:ln>
-              <a:effectLst/>
-            </p:spPr>
-            <p:txBody>
-              <a:bodyPr rtlCol="0" anchor="ctr"/>
-              <a:lstStyle/>
-              <a:p>
-                <a:pPr marL="0" marR="0" lvl="0" indent="0" algn="ctr" defTabSz="914400" eaLnBrk="1" fontAlgn="auto" latinLnBrk="0" hangingPunct="1">
-                  <a:lnSpc>
-                    <a:spcPct val="100000"/>
-                  </a:lnSpc>
-                  <a:spcBef>
-                    <a:spcPts val="0"/>
-                  </a:spcBef>
-                  <a:spcAft>
-                    <a:spcPts val="0"/>
-                  </a:spcAft>
-                  <a:buClrTx/>
-                  <a:buSzTx/>
-                  <a:buFontTx/>
-                  <a:buNone/>
-                  <a:tabLst/>
-                  <a:defRPr/>
-                </a:pPr>
-                <a:r>
-                  <a:rPr kumimoji="0" lang="en-US" sz="1800" b="0" i="0" u="none" strike="noStrike" kern="0" cap="none" spc="0" normalizeH="0" baseline="0" noProof="0" dirty="0" err="1" smtClean="0">
-                    <a:ln>
-                      <a:noFill/>
-                    </a:ln>
-                    <a:solidFill>
-                      <a:sysClr val="windowText" lastClr="000000"/>
-                    </a:solidFill>
-                    <a:effectLst/>
-                    <a:uLnTx/>
-                    <a:uFillTx/>
-                    <a:latin typeface="Calibri"/>
-                    <a:ea typeface="+mn-ea"/>
-                    <a:cs typeface="+mn-cs"/>
-                  </a:rPr>
-                  <a:t>MPI_Ialltoall</a:t>
-                </a:r>
-                <a:r>
-                  <a:rPr kumimoji="0" lang="en-US" sz="1800" b="0" i="0" u="none" strike="noStrike" kern="0" cap="none" spc="0" normalizeH="0" baseline="0" noProof="0" dirty="0">
-                    <a:ln>
-                      <a:noFill/>
-                    </a:ln>
-                    <a:solidFill>
-                      <a:sysClr val="windowText" lastClr="000000"/>
-                    </a:solidFill>
-                    <a:effectLst/>
-                    <a:uLnTx/>
-                    <a:uFillTx/>
-                    <a:latin typeface="Calibri"/>
-                    <a:ea typeface="+mn-ea"/>
-                    <a:cs typeface="+mn-cs"/>
-                  </a:rPr>
-                  <a:t> </a:t>
-                </a:r>
-                <a:r>
-                  <a:rPr kumimoji="0" lang="en-US" sz="1800" b="0" i="0" u="none" strike="noStrike" kern="0" cap="none" spc="0" normalizeH="0" baseline="0" noProof="0" dirty="0" smtClean="0">
-                    <a:ln>
-                      <a:noFill/>
-                    </a:ln>
-                    <a:solidFill>
-                      <a:sysClr val="windowText" lastClr="000000"/>
-                    </a:solidFill>
-                    <a:effectLst/>
-                    <a:uLnTx/>
-                    <a:uFillTx/>
-                    <a:latin typeface="Calibri"/>
-                    <a:ea typeface="+mn-ea"/>
-                    <a:cs typeface="+mn-cs"/>
-                  </a:rPr>
-                  <a:t>(I)</a:t>
-                </a:r>
-                <a:endParaRPr kumimoji="0" lang="en-US" sz="1800" b="0" i="0" u="none" strike="noStrike" kern="0" cap="none" spc="0" normalizeH="0" baseline="0" noProof="0" dirty="0">
-                  <a:ln>
-                    <a:noFill/>
-                  </a:ln>
-                  <a:solidFill>
-                    <a:sysClr val="windowText" lastClr="000000"/>
-                  </a:solidFill>
-                  <a:effectLst/>
-                  <a:uLnTx/>
-                  <a:uFillTx/>
-                  <a:latin typeface="Calibri"/>
-                  <a:ea typeface="+mn-ea"/>
-                  <a:cs typeface="+mn-cs"/>
-                </a:endParaRPr>
-              </a:p>
-            </p:txBody>
-          </p:sp>
-          <p:sp>
-            <p:nvSpPr>
-              <p:cNvPr id="69" name="Rectangle 68"/>
-              <p:cNvSpPr/>
-              <p:nvPr/>
-            </p:nvSpPr>
-            <p:spPr>
-              <a:xfrm>
-                <a:off x="4044463" y="2781785"/>
-                <a:ext cx="2289142" cy="576064"/>
-              </a:xfrm>
-              <a:prstGeom prst="rect">
-                <a:avLst/>
-              </a:prstGeom>
-              <a:noFill/>
-              <a:ln w="25400" cap="flat" cmpd="sng" algn="ctr">
-                <a:solidFill>
-                  <a:srgbClr val="F79646"/>
-                </a:solidFill>
-                <a:prstDash val="solid"/>
-              </a:ln>
-              <a:effectLst/>
-            </p:spPr>
-            <p:txBody>
-              <a:bodyPr rtlCol="0" anchor="ctr"/>
-              <a:lstStyle/>
-              <a:p>
-                <a:pPr marL="0" marR="0" lvl="0" indent="0" algn="ctr" defTabSz="914400" eaLnBrk="1" fontAlgn="auto" latinLnBrk="0" hangingPunct="1">
-                  <a:lnSpc>
-                    <a:spcPct val="100000"/>
-                  </a:lnSpc>
-                  <a:spcBef>
-                    <a:spcPts val="0"/>
-                  </a:spcBef>
-                  <a:spcAft>
-                    <a:spcPts val="0"/>
-                  </a:spcAft>
-                  <a:buClrTx/>
-                  <a:buSzTx/>
-                  <a:buFontTx/>
-                  <a:buNone/>
-                  <a:tabLst/>
-                  <a:defRPr/>
-                </a:pPr>
-                <a:r>
-                  <a:rPr kumimoji="0" lang="en-US" sz="1800" b="0" i="0" u="none" strike="noStrike" kern="0" cap="none" spc="0" normalizeH="0" baseline="0" noProof="0" dirty="0" err="1" smtClean="0">
-                    <a:ln>
-                      <a:noFill/>
-                    </a:ln>
-                    <a:solidFill>
-                      <a:sysClr val="windowText" lastClr="000000"/>
-                    </a:solidFill>
-                    <a:effectLst/>
-                    <a:uLnTx/>
-                    <a:uFillTx/>
-                    <a:latin typeface="Calibri"/>
-                    <a:ea typeface="+mn-ea"/>
-                    <a:cs typeface="+mn-cs"/>
-                  </a:rPr>
-                  <a:t>MPI_Wait</a:t>
-                </a:r>
-                <a:r>
-                  <a:rPr kumimoji="0" lang="en-US" sz="1800" b="0" i="0" u="none" strike="noStrike" kern="0" cap="none" spc="0" normalizeH="0" baseline="0" noProof="0" dirty="0" smtClean="0">
-                    <a:ln>
-                      <a:noFill/>
-                    </a:ln>
-                    <a:solidFill>
-                      <a:sysClr val="windowText" lastClr="000000"/>
-                    </a:solidFill>
-                    <a:effectLst/>
-                    <a:uLnTx/>
-                    <a:uFillTx/>
-                    <a:latin typeface="Calibri"/>
-                    <a:ea typeface="+mn-ea"/>
-                    <a:cs typeface="+mn-cs"/>
-                  </a:rPr>
-                  <a:t> (I-1)</a:t>
-                </a:r>
-                <a:endParaRPr kumimoji="0" lang="en-US" sz="1800" b="0" i="0" u="none" strike="noStrike" kern="0" cap="none" spc="0" normalizeH="0" baseline="0" noProof="0" dirty="0">
-                  <a:ln>
-                    <a:noFill/>
-                  </a:ln>
-                  <a:solidFill>
-                    <a:sysClr val="windowText" lastClr="000000"/>
-                  </a:solidFill>
-                  <a:effectLst/>
-                  <a:uLnTx/>
-                  <a:uFillTx/>
-                  <a:latin typeface="Calibri"/>
-                  <a:ea typeface="+mn-ea"/>
-                  <a:cs typeface="+mn-cs"/>
-                </a:endParaRPr>
-              </a:p>
-            </p:txBody>
-          </p:sp>
-          <p:sp>
-            <p:nvSpPr>
-              <p:cNvPr id="70" name="Rectangle 69"/>
-              <p:cNvSpPr/>
-              <p:nvPr/>
-            </p:nvSpPr>
-            <p:spPr>
-              <a:xfrm>
-                <a:off x="4044462" y="1015738"/>
-                <a:ext cx="2289144" cy="1551129"/>
-              </a:xfrm>
-              <a:prstGeom prst="rect">
-                <a:avLst/>
-              </a:prstGeom>
-              <a:noFill/>
-              <a:ln w="25400" cap="flat" cmpd="sng" algn="ctr">
-                <a:solidFill>
-                  <a:srgbClr val="9BBB59"/>
-                </a:solidFill>
-                <a:prstDash val="solid"/>
-              </a:ln>
-              <a:effectLst/>
-            </p:spPr>
-            <p:txBody>
-              <a:bodyPr rtlCol="0" anchor="ctr"/>
-              <a:lstStyle/>
-              <a:p>
-                <a:pPr marL="0" marR="0" lvl="0" indent="0" algn="ctr" defTabSz="914400" eaLnBrk="1" fontAlgn="auto" latinLnBrk="0" hangingPunct="1">
-                  <a:lnSpc>
-                    <a:spcPct val="100000"/>
-                  </a:lnSpc>
-                  <a:spcBef>
-                    <a:spcPts val="0"/>
-                  </a:spcBef>
-                  <a:spcAft>
-                    <a:spcPts val="0"/>
-                  </a:spcAft>
-                  <a:buClrTx/>
-                  <a:buSzTx/>
-                  <a:buFontTx/>
-                  <a:buNone/>
-                  <a:tabLst/>
-                  <a:defRPr/>
-                </a:pPr>
-                <a:endParaRPr kumimoji="0" lang="en-US" sz="1800" b="0" i="0" u="none" strike="noStrike" kern="0" cap="none" spc="0" normalizeH="0" baseline="0" noProof="0" dirty="0">
-                  <a:ln>
-                    <a:noFill/>
-                  </a:ln>
-                  <a:solidFill>
-                    <a:sysClr val="windowText" lastClr="000000"/>
-                  </a:solidFill>
-                  <a:effectLst/>
-                  <a:uLnTx/>
-                  <a:uFillTx/>
-                  <a:latin typeface="Calibri"/>
-                  <a:ea typeface="+mn-ea"/>
-                  <a:cs typeface="+mn-cs"/>
-                </a:endParaRPr>
-              </a:p>
-            </p:txBody>
-          </p:sp>
-          <p:cxnSp>
-            <p:nvCxnSpPr>
-              <p:cNvPr id="72" name="Elbow Connector 71"/>
-              <p:cNvCxnSpPr>
-                <a:stCxn id="86" idx="0"/>
-                <a:endCxn id="86" idx="2"/>
-              </p:cNvCxnSpPr>
-              <p:nvPr/>
-            </p:nvCxnSpPr>
-            <p:spPr>
-              <a:xfrm rot="16200000" flipH="1">
-                <a:off x="4936050" y="1863851"/>
-                <a:ext cx="502810" cy="12559"/>
-              </a:xfrm>
-              <a:prstGeom prst="bentConnector5">
-                <a:avLst>
-                  <a:gd name="adj1" fmla="val -58410"/>
-                  <a:gd name="adj2" fmla="val 8100685"/>
-                  <a:gd name="adj3" fmla="val 158410"/>
-                </a:avLst>
-              </a:prstGeom>
-              <a:noFill/>
-              <a:ln w="25400" cap="flat" cmpd="sng" algn="ctr">
-                <a:solidFill>
-                  <a:srgbClr val="4F81BD"/>
-                </a:solidFill>
-                <a:prstDash val="dash"/>
-                <a:tailEnd type="arrow"/>
-              </a:ln>
-              <a:effectLst>
-                <a:outerShdw blurRad="40000" dist="20000" dir="5400000" rotWithShape="0">
-                  <a:srgbClr val="000000">
-                    <a:alpha val="38000"/>
-                  </a:srgbClr>
-                </a:outerShdw>
-              </a:effectLst>
-            </p:spPr>
-          </p:cxnSp>
-          <p:sp>
-            <p:nvSpPr>
-              <p:cNvPr id="73" name="TextBox 72"/>
-              <p:cNvSpPr txBox="1"/>
-              <p:nvPr/>
-            </p:nvSpPr>
-            <p:spPr>
-              <a:xfrm>
-                <a:off x="6606714" y="1293273"/>
-                <a:ext cx="1057726" cy="369331"/>
-              </a:xfrm>
-              <a:prstGeom prst="rect">
-                <a:avLst/>
-              </a:prstGeom>
-              <a:noFill/>
-            </p:spPr>
-            <p:txBody>
-              <a:bodyPr wrap="none" rtlCol="0">
-                <a:spAutoFit/>
-              </a:bodyPr>
-              <a:lstStyle/>
-              <a:p>
-                <a:pPr marL="0" marR="0" lvl="0" indent="0" defTabSz="914400" eaLnBrk="1" fontAlgn="auto" latinLnBrk="0" hangingPunct="1">
-                  <a:lnSpc>
-                    <a:spcPct val="100000"/>
-                  </a:lnSpc>
-                  <a:spcBef>
-                    <a:spcPts val="0"/>
-                  </a:spcBef>
-                  <a:spcAft>
-                    <a:spcPts val="0"/>
-                  </a:spcAft>
-                  <a:buClrTx/>
-                  <a:buSzTx/>
-                  <a:buFontTx/>
-                  <a:buNone/>
-                  <a:tabLst/>
-                  <a:defRPr/>
-                </a:pPr>
-                <a:r>
-                  <a:rPr kumimoji="0" lang="en-US" sz="1800" b="0" i="0" u="none" strike="noStrike" kern="0" cap="none" spc="0" normalizeH="0" baseline="0" noProof="0" dirty="0" smtClean="0">
-                    <a:ln>
-                      <a:noFill/>
-                    </a:ln>
-                    <a:solidFill>
-                      <a:sysClr val="windowText" lastClr="000000"/>
-                    </a:solidFill>
-                    <a:effectLst/>
-                    <a:uLnTx/>
-                    <a:uFillTx/>
-                  </a:rPr>
-                  <a:t>Before (I)</a:t>
-                </a:r>
-                <a:endParaRPr kumimoji="0" lang="en-US" sz="1800" b="0" i="0" u="none" strike="noStrike" kern="0" cap="none" spc="0" normalizeH="0" baseline="0" noProof="0" dirty="0">
-                  <a:ln>
-                    <a:noFill/>
-                  </a:ln>
-                  <a:solidFill>
-                    <a:sysClr val="windowText" lastClr="000000"/>
-                  </a:solidFill>
-                  <a:effectLst/>
-                  <a:uLnTx/>
-                  <a:uFillTx/>
-                </a:endParaRPr>
-              </a:p>
-            </p:txBody>
-          </p:sp>
-          <p:sp>
-            <p:nvSpPr>
-              <p:cNvPr id="74" name="TextBox 73"/>
-              <p:cNvSpPr txBox="1"/>
-              <p:nvPr/>
-            </p:nvSpPr>
-            <p:spPr>
-              <a:xfrm>
-                <a:off x="6575952" y="5271994"/>
-                <a:ext cx="1088497" cy="369331"/>
-              </a:xfrm>
-              <a:prstGeom prst="rect">
-                <a:avLst/>
-              </a:prstGeom>
-              <a:noFill/>
-            </p:spPr>
-            <p:txBody>
-              <a:bodyPr wrap="none" rtlCol="0">
-                <a:spAutoFit/>
-              </a:bodyPr>
-              <a:lstStyle/>
-              <a:p>
-                <a:pPr marL="0" marR="0" lvl="0" indent="0" defTabSz="914400" eaLnBrk="1" fontAlgn="auto" latinLnBrk="0" hangingPunct="1">
-                  <a:lnSpc>
-                    <a:spcPct val="100000"/>
-                  </a:lnSpc>
-                  <a:spcBef>
-                    <a:spcPts val="0"/>
-                  </a:spcBef>
-                  <a:spcAft>
-                    <a:spcPts val="0"/>
-                  </a:spcAft>
-                  <a:buClrTx/>
-                  <a:buSzTx/>
-                  <a:buFontTx/>
-                  <a:buNone/>
-                  <a:tabLst/>
-                  <a:defRPr/>
-                </a:pPr>
-                <a:r>
-                  <a:rPr kumimoji="0" lang="en-US" sz="1800" b="0" i="0" u="none" strike="noStrike" kern="0" cap="none" spc="0" normalizeH="0" baseline="0" noProof="0" dirty="0" smtClean="0">
-                    <a:ln>
-                      <a:noFill/>
-                    </a:ln>
-                    <a:solidFill>
-                      <a:sysClr val="windowText" lastClr="000000"/>
-                    </a:solidFill>
-                    <a:effectLst/>
-                    <a:uLnTx/>
-                    <a:uFillTx/>
-                  </a:rPr>
-                  <a:t>After (I-1)</a:t>
-                </a:r>
-                <a:endParaRPr kumimoji="0" lang="en-US" sz="1800" b="0" i="0" u="none" strike="noStrike" kern="0" cap="none" spc="0" normalizeH="0" baseline="0" noProof="0" dirty="0">
-                  <a:ln>
-                    <a:noFill/>
-                  </a:ln>
-                  <a:solidFill>
-                    <a:sysClr val="windowText" lastClr="000000"/>
-                  </a:solidFill>
-                  <a:effectLst/>
-                  <a:uLnTx/>
-                  <a:uFillTx/>
-                </a:endParaRPr>
-              </a:p>
-            </p:txBody>
-          </p:sp>
-          <p:cxnSp>
-            <p:nvCxnSpPr>
-              <p:cNvPr id="75" name="Elbow Connector 74"/>
-              <p:cNvCxnSpPr>
-                <a:stCxn id="70" idx="0"/>
-                <a:endCxn id="92" idx="2"/>
-              </p:cNvCxnSpPr>
-              <p:nvPr/>
-            </p:nvCxnSpPr>
-            <p:spPr>
-              <a:xfrm rot="16200000" flipH="1" flipV="1">
-                <a:off x="2737166" y="3466991"/>
-                <a:ext cx="4903123" cy="616"/>
-              </a:xfrm>
-              <a:prstGeom prst="bentConnector5">
-                <a:avLst>
-                  <a:gd name="adj1" fmla="val -5990"/>
-                  <a:gd name="adj2" fmla="val -219365329"/>
-                  <a:gd name="adj3" fmla="val 105990"/>
-                </a:avLst>
-              </a:prstGeom>
-              <a:noFill/>
-              <a:ln w="25400" cap="flat" cmpd="sng" algn="ctr">
-                <a:solidFill>
-                  <a:srgbClr val="4F81BD"/>
-                </a:solidFill>
-                <a:prstDash val="solid"/>
-                <a:tailEnd type="arrow"/>
-              </a:ln>
-              <a:effectLst>
-                <a:outerShdw blurRad="40000" dist="20000" dir="5400000" rotWithShape="0">
-                  <a:srgbClr val="000000">
-                    <a:alpha val="38000"/>
-                  </a:srgbClr>
-                </a:outerShdw>
-              </a:effectLst>
-            </p:spPr>
-          </p:cxnSp>
-          <p:sp>
-            <p:nvSpPr>
-              <p:cNvPr id="76" name="TextBox 75"/>
-              <p:cNvSpPr txBox="1"/>
-              <p:nvPr/>
-            </p:nvSpPr>
-            <p:spPr>
-              <a:xfrm>
-                <a:off x="6603769" y="3048001"/>
-                <a:ext cx="1131890" cy="646331"/>
-              </a:xfrm>
-              <a:prstGeom prst="rect">
-                <a:avLst/>
-              </a:prstGeom>
-              <a:noFill/>
-            </p:spPr>
-            <p:txBody>
-              <a:bodyPr wrap="none" rtlCol="0">
-                <a:spAutoFit/>
-              </a:bodyPr>
-              <a:lstStyle/>
-              <a:p>
-                <a:pPr marL="0" marR="0" lvl="0" indent="0" defTabSz="914400" eaLnBrk="1" fontAlgn="auto" latinLnBrk="0" hangingPunct="1">
-                  <a:lnSpc>
-                    <a:spcPct val="100000"/>
-                  </a:lnSpc>
-                  <a:spcBef>
-                    <a:spcPts val="0"/>
-                  </a:spcBef>
-                  <a:spcAft>
-                    <a:spcPts val="0"/>
-                  </a:spcAft>
-                  <a:buClrTx/>
-                  <a:buSzTx/>
-                  <a:buFontTx/>
-                  <a:buNone/>
-                  <a:tabLst/>
-                  <a:defRPr/>
-                </a:pPr>
-                <a:r>
-                  <a:rPr kumimoji="0" lang="en-US" sz="1800" b="0" i="0" u="none" strike="noStrike" kern="0" cap="none" spc="0" normalizeH="0" baseline="0" noProof="0" dirty="0" smtClean="0">
-                    <a:ln>
-                      <a:noFill/>
-                    </a:ln>
-                    <a:solidFill>
-                      <a:sysClr val="windowText" lastClr="000000"/>
-                    </a:solidFill>
-                    <a:effectLst/>
-                    <a:uLnTx/>
-                    <a:uFillTx/>
-                  </a:rPr>
-                  <a:t>Loop</a:t>
-                </a:r>
-              </a:p>
-              <a:p>
-                <a:pPr marL="0" marR="0" lvl="0" indent="0" defTabSz="914400" eaLnBrk="1" fontAlgn="auto" latinLnBrk="0" hangingPunct="1">
-                  <a:lnSpc>
-                    <a:spcPct val="100000"/>
-                  </a:lnSpc>
-                  <a:spcBef>
-                    <a:spcPts val="0"/>
-                  </a:spcBef>
-                  <a:spcAft>
-                    <a:spcPts val="0"/>
-                  </a:spcAft>
-                  <a:buClrTx/>
-                  <a:buSzTx/>
-                  <a:buFontTx/>
-                  <a:buNone/>
-                  <a:tabLst/>
-                  <a:defRPr/>
-                </a:pPr>
-                <a:r>
-                  <a:rPr kumimoji="0" lang="en-US" sz="1800" b="0" i="0" u="none" strike="noStrike" kern="0" cap="none" spc="0" normalizeH="0" baseline="0" noProof="0" dirty="0" smtClean="0">
-                    <a:ln>
-                      <a:noFill/>
-                    </a:ln>
-                    <a:solidFill>
-                      <a:sysClr val="windowText" lastClr="000000"/>
-                    </a:solidFill>
-                    <a:effectLst/>
-                    <a:uLnTx/>
-                    <a:uFillTx/>
-                  </a:rPr>
-                  <a:t>(I = 2 … N)</a:t>
-                </a:r>
-                <a:endParaRPr kumimoji="0" lang="en-US" sz="1800" b="0" i="0" u="none" strike="noStrike" kern="0" cap="none" spc="0" normalizeH="0" baseline="0" noProof="0" dirty="0">
-                  <a:ln>
-                    <a:noFill/>
-                  </a:ln>
-                  <a:solidFill>
-                    <a:sysClr val="windowText" lastClr="000000"/>
-                  </a:solidFill>
-                  <a:effectLst/>
-                  <a:uLnTx/>
-                  <a:uFillTx/>
-                </a:endParaRPr>
-              </a:p>
-            </p:txBody>
-          </p:sp>
-          <p:cxnSp>
-            <p:nvCxnSpPr>
-              <p:cNvPr id="77" name="Straight Arrow Connector 76"/>
-              <p:cNvCxnSpPr>
-                <a:endCxn id="70" idx="0"/>
-              </p:cNvCxnSpPr>
-              <p:nvPr/>
-            </p:nvCxnSpPr>
-            <p:spPr>
-              <a:xfrm>
-                <a:off x="5189034" y="61927"/>
-                <a:ext cx="1" cy="953811"/>
-              </a:xfrm>
-              <a:prstGeom prst="straightConnector1">
-                <a:avLst/>
-              </a:prstGeom>
-              <a:noFill/>
-              <a:ln w="25400" cap="flat" cmpd="sng" algn="ctr">
-                <a:solidFill>
-                  <a:srgbClr val="4F81BD"/>
-                </a:solidFill>
-                <a:prstDash val="solid"/>
-                <a:tailEnd type="arrow"/>
-              </a:ln>
-              <a:effectLst>
-                <a:outerShdw blurRad="40000" dist="20000" dir="5400000" rotWithShape="0">
-                  <a:srgbClr val="000000">
-                    <a:alpha val="38000"/>
-                  </a:srgbClr>
-                </a:outerShdw>
-              </a:effectLst>
-            </p:spPr>
-          </p:cxnSp>
-          <p:cxnSp>
-            <p:nvCxnSpPr>
-              <p:cNvPr id="78" name="Straight Arrow Connector 77"/>
-              <p:cNvCxnSpPr>
-                <a:stCxn id="70" idx="2"/>
-                <a:endCxn id="69" idx="0"/>
-              </p:cNvCxnSpPr>
-              <p:nvPr/>
-            </p:nvCxnSpPr>
-            <p:spPr>
-              <a:xfrm>
-                <a:off x="5189035" y="2566867"/>
-                <a:ext cx="0" cy="214918"/>
-              </a:xfrm>
-              <a:prstGeom prst="straightConnector1">
-                <a:avLst/>
-              </a:prstGeom>
-              <a:noFill/>
-              <a:ln w="25400" cap="flat" cmpd="sng" algn="ctr">
-                <a:solidFill>
-                  <a:srgbClr val="4F81BD"/>
-                </a:solidFill>
-                <a:prstDash val="solid"/>
-                <a:tailEnd type="arrow"/>
-              </a:ln>
-              <a:effectLst>
-                <a:outerShdw blurRad="40000" dist="20000" dir="5400000" rotWithShape="0">
-                  <a:srgbClr val="000000">
-                    <a:alpha val="38000"/>
-                  </a:srgbClr>
-                </a:outerShdw>
-              </a:effectLst>
-            </p:spPr>
-          </p:cxnSp>
-          <p:cxnSp>
-            <p:nvCxnSpPr>
-              <p:cNvPr id="79" name="Straight Arrow Connector 78"/>
-              <p:cNvCxnSpPr>
-                <a:stCxn id="69" idx="2"/>
-                <a:endCxn id="68" idx="0"/>
-              </p:cNvCxnSpPr>
-              <p:nvPr/>
-            </p:nvCxnSpPr>
-            <p:spPr>
-              <a:xfrm>
-                <a:off x="5189034" y="3357849"/>
-                <a:ext cx="0" cy="212797"/>
-              </a:xfrm>
-              <a:prstGeom prst="straightConnector1">
-                <a:avLst/>
-              </a:prstGeom>
-              <a:noFill/>
-              <a:ln w="25400" cap="flat" cmpd="sng" algn="ctr">
-                <a:solidFill>
-                  <a:srgbClr val="4F81BD"/>
-                </a:solidFill>
-                <a:prstDash val="solid"/>
-                <a:tailEnd type="arrow"/>
-              </a:ln>
-              <a:effectLst>
-                <a:outerShdw blurRad="40000" dist="20000" dir="5400000" rotWithShape="0">
-                  <a:srgbClr val="000000">
-                    <a:alpha val="38000"/>
-                  </a:srgbClr>
-                </a:outerShdw>
-              </a:effectLst>
-            </p:spPr>
-          </p:cxnSp>
-          <p:cxnSp>
-            <p:nvCxnSpPr>
-              <p:cNvPr id="80" name="Straight Arrow Connector 79"/>
-              <p:cNvCxnSpPr>
-                <a:stCxn id="68" idx="2"/>
-                <a:endCxn id="92" idx="0"/>
-              </p:cNvCxnSpPr>
-              <p:nvPr/>
-            </p:nvCxnSpPr>
-            <p:spPr>
-              <a:xfrm flipH="1">
-                <a:off x="5188419" y="4146710"/>
-                <a:ext cx="616" cy="282240"/>
-              </a:xfrm>
-              <a:prstGeom prst="straightConnector1">
-                <a:avLst/>
-              </a:prstGeom>
-              <a:noFill/>
-              <a:ln w="25400" cap="flat" cmpd="sng" algn="ctr">
-                <a:solidFill>
-                  <a:srgbClr val="4F81BD"/>
-                </a:solidFill>
-                <a:prstDash val="solid"/>
-                <a:tailEnd type="arrow"/>
-              </a:ln>
-              <a:effectLst>
-                <a:outerShdw blurRad="40000" dist="20000" dir="5400000" rotWithShape="0">
-                  <a:srgbClr val="000000">
-                    <a:alpha val="38000"/>
-                  </a:srgbClr>
-                </a:outerShdw>
-              </a:effectLst>
-            </p:spPr>
-          </p:cxnSp>
-          <p:cxnSp>
-            <p:nvCxnSpPr>
-              <p:cNvPr id="81" name="Straight Arrow Connector 80"/>
-              <p:cNvCxnSpPr>
-                <a:stCxn id="92" idx="2"/>
-              </p:cNvCxnSpPr>
-              <p:nvPr/>
-            </p:nvCxnSpPr>
-            <p:spPr>
-              <a:xfrm>
-                <a:off x="5188419" y="5918861"/>
-                <a:ext cx="3312" cy="984877"/>
-              </a:xfrm>
-              <a:prstGeom prst="straightConnector1">
-                <a:avLst/>
-              </a:prstGeom>
-              <a:noFill/>
-              <a:ln w="25400" cap="flat" cmpd="sng" algn="ctr">
-                <a:solidFill>
-                  <a:srgbClr val="4F81BD"/>
-                </a:solidFill>
-                <a:prstDash val="solid"/>
-                <a:tailEnd type="arrow"/>
-              </a:ln>
-              <a:effectLst>
-                <a:outerShdw blurRad="40000" dist="20000" dir="5400000" rotWithShape="0">
-                  <a:srgbClr val="000000">
-                    <a:alpha val="38000"/>
-                  </a:srgbClr>
-                </a:outerShdw>
-              </a:effectLst>
-            </p:spPr>
-          </p:cxnSp>
-          <p:sp>
-            <p:nvSpPr>
-              <p:cNvPr id="82" name="TextBox 81"/>
-              <p:cNvSpPr txBox="1"/>
-              <p:nvPr/>
-            </p:nvSpPr>
-            <p:spPr>
-              <a:xfrm>
-                <a:off x="4737110" y="-1891"/>
-                <a:ext cx="344039" cy="369332"/>
-              </a:xfrm>
-              <a:prstGeom prst="rect">
-                <a:avLst/>
-              </a:prstGeom>
-              <a:noFill/>
-            </p:spPr>
-            <p:txBody>
-              <a:bodyPr wrap="none" rtlCol="0">
-                <a:spAutoFit/>
-              </a:bodyPr>
-              <a:lstStyle/>
-              <a:p>
-                <a:pPr marL="0" marR="0" lvl="0" indent="0" defTabSz="914400" eaLnBrk="1" fontAlgn="auto" latinLnBrk="0" hangingPunct="1">
-                  <a:lnSpc>
-                    <a:spcPct val="100000"/>
-                  </a:lnSpc>
-                  <a:spcBef>
-                    <a:spcPts val="0"/>
-                  </a:spcBef>
-                  <a:spcAft>
-                    <a:spcPts val="0"/>
-                  </a:spcAft>
-                  <a:buClrTx/>
-                  <a:buSzTx/>
-                  <a:buFontTx/>
-                  <a:buNone/>
-                  <a:tabLst/>
-                  <a:defRPr/>
-                </a:pPr>
-                <a:r>
-                  <a:rPr kumimoji="0" lang="en-US" sz="1800" b="0" i="0" u="none" strike="noStrike" kern="0" cap="none" spc="0" normalizeH="0" baseline="0" noProof="0" dirty="0" smtClean="0">
-                    <a:ln>
-                      <a:noFill/>
-                    </a:ln>
-                    <a:solidFill>
-                      <a:sysClr val="windowText" lastClr="000000"/>
-                    </a:solidFill>
-                    <a:effectLst/>
-                    <a:uLnTx/>
-                    <a:uFillTx/>
-                  </a:rPr>
-                  <a:t>…</a:t>
-                </a:r>
-                <a:endParaRPr kumimoji="0" lang="en-US" sz="1800" b="0" i="0" u="none" strike="noStrike" kern="0" cap="none" spc="0" normalizeH="0" baseline="0" noProof="0" dirty="0">
-                  <a:ln>
-                    <a:noFill/>
-                  </a:ln>
-                  <a:solidFill>
-                    <a:sysClr val="windowText" lastClr="000000"/>
-                  </a:solidFill>
-                  <a:effectLst/>
-                  <a:uLnTx/>
-                  <a:uFillTx/>
-                </a:endParaRPr>
-              </a:p>
-            </p:txBody>
-          </p:sp>
-          <p:sp>
-            <p:nvSpPr>
-              <p:cNvPr id="83" name="TextBox 82"/>
-              <p:cNvSpPr txBox="1"/>
-              <p:nvPr/>
-            </p:nvSpPr>
-            <p:spPr>
-              <a:xfrm>
-                <a:off x="4672830" y="6534406"/>
-                <a:ext cx="344039" cy="369332"/>
-              </a:xfrm>
-              <a:prstGeom prst="rect">
-                <a:avLst/>
-              </a:prstGeom>
-              <a:noFill/>
-            </p:spPr>
-            <p:txBody>
-              <a:bodyPr wrap="none" rtlCol="0">
-                <a:spAutoFit/>
-              </a:bodyPr>
-              <a:lstStyle/>
-              <a:p>
-                <a:pPr marL="0" marR="0" lvl="0" indent="0" defTabSz="914400" eaLnBrk="1" fontAlgn="auto" latinLnBrk="0" hangingPunct="1">
-                  <a:lnSpc>
-                    <a:spcPct val="100000"/>
-                  </a:lnSpc>
-                  <a:spcBef>
-                    <a:spcPts val="0"/>
-                  </a:spcBef>
-                  <a:spcAft>
-                    <a:spcPts val="0"/>
-                  </a:spcAft>
-                  <a:buClrTx/>
-                  <a:buSzTx/>
-                  <a:buFontTx/>
-                  <a:buNone/>
-                  <a:tabLst/>
-                  <a:defRPr/>
-                </a:pPr>
-                <a:r>
-                  <a:rPr kumimoji="0" lang="en-US" sz="1800" b="0" i="0" u="none" strike="noStrike" kern="0" cap="none" spc="0" normalizeH="0" baseline="0" noProof="0" dirty="0" smtClean="0">
-                    <a:ln>
-                      <a:noFill/>
-                    </a:ln>
-                    <a:solidFill>
-                      <a:sysClr val="windowText" lastClr="000000"/>
-                    </a:solidFill>
-                    <a:effectLst/>
-                    <a:uLnTx/>
-                    <a:uFillTx/>
-                  </a:rPr>
-                  <a:t>…</a:t>
-                </a:r>
-                <a:endParaRPr kumimoji="0" lang="en-US" sz="1800" b="0" i="0" u="none" strike="noStrike" kern="0" cap="none" spc="0" normalizeH="0" baseline="0" noProof="0" dirty="0">
-                  <a:ln>
-                    <a:noFill/>
-                  </a:ln>
-                  <a:solidFill>
-                    <a:sysClr val="windowText" lastClr="000000"/>
-                  </a:solidFill>
-                  <a:effectLst/>
-                  <a:uLnTx/>
-                  <a:uFillTx/>
-                </a:endParaRPr>
-              </a:p>
-            </p:txBody>
-          </p:sp>
-          <p:sp>
-            <p:nvSpPr>
-              <p:cNvPr id="86" name="Rectangle 85"/>
-              <p:cNvSpPr/>
-              <p:nvPr/>
-            </p:nvSpPr>
-            <p:spPr>
-              <a:xfrm>
-                <a:off x="4396141" y="1610568"/>
-                <a:ext cx="1582627" cy="502810"/>
-              </a:xfrm>
-              <a:prstGeom prst="rect">
-                <a:avLst/>
-              </a:prstGeom>
-              <a:noFill/>
-              <a:ln w="25400" cap="flat" cmpd="sng" algn="ctr">
-                <a:solidFill>
-                  <a:srgbClr val="4F81BD"/>
-                </a:solidFill>
-                <a:prstDash val="solid"/>
-              </a:ln>
-              <a:effectLst/>
-            </p:spPr>
-            <p:txBody>
-              <a:bodyPr rtlCol="0" anchor="ctr"/>
-              <a:lstStyle/>
-              <a:p>
-                <a:pPr marL="0" marR="0" lvl="0" indent="0" algn="ctr" defTabSz="914400" eaLnBrk="1" fontAlgn="auto" latinLnBrk="0" hangingPunct="1">
-                  <a:lnSpc>
-                    <a:spcPct val="100000"/>
-                  </a:lnSpc>
-                  <a:spcBef>
-                    <a:spcPts val="0"/>
-                  </a:spcBef>
-                  <a:spcAft>
-                    <a:spcPts val="0"/>
-                  </a:spcAft>
-                  <a:buClrTx/>
-                  <a:buSzTx/>
-                  <a:buFontTx/>
-                  <a:buNone/>
-                  <a:tabLst/>
-                  <a:defRPr/>
-                </a:pPr>
-                <a:r>
-                  <a:rPr kumimoji="0" lang="en-US" sz="1800" b="0" i="0" u="none" strike="noStrike" kern="0" cap="none" spc="0" normalizeH="0" baseline="0" noProof="0" dirty="0" smtClean="0">
-                    <a:ln>
-                      <a:noFill/>
-                    </a:ln>
-                    <a:solidFill>
-                      <a:sysClr val="windowText" lastClr="000000"/>
-                    </a:solidFill>
-                    <a:effectLst/>
-                    <a:uLnTx/>
-                    <a:uFillTx/>
-                    <a:latin typeface="Calibri"/>
-                    <a:ea typeface="+mn-ea"/>
-                    <a:cs typeface="+mn-cs"/>
-                  </a:rPr>
-                  <a:t>Computation</a:t>
-                </a:r>
-                <a:endParaRPr kumimoji="0" lang="en-US" sz="1800" b="0" i="0" u="none" strike="noStrike" kern="0" cap="none" spc="0" normalizeH="0" baseline="0" noProof="0" dirty="0">
-                  <a:ln>
-                    <a:noFill/>
-                  </a:ln>
-                  <a:solidFill>
-                    <a:sysClr val="windowText" lastClr="000000"/>
-                  </a:solidFill>
-                  <a:effectLst/>
-                  <a:uLnTx/>
-                  <a:uFillTx/>
-                  <a:latin typeface="Calibri"/>
-                  <a:ea typeface="+mn-ea"/>
-                  <a:cs typeface="+mn-cs"/>
-                </a:endParaRPr>
-              </a:p>
-            </p:txBody>
-          </p:sp>
-          <p:cxnSp>
-            <p:nvCxnSpPr>
-              <p:cNvPr id="89" name="Elbow Connector 88"/>
-              <p:cNvCxnSpPr>
-                <a:stCxn id="90" idx="0"/>
-                <a:endCxn id="90" idx="2"/>
-              </p:cNvCxnSpPr>
-              <p:nvPr/>
-            </p:nvCxnSpPr>
-            <p:spPr>
-              <a:xfrm rot="16200000" flipH="1">
-                <a:off x="4951684" y="5154515"/>
-                <a:ext cx="502810" cy="12559"/>
-              </a:xfrm>
-              <a:prstGeom prst="bentConnector5">
-                <a:avLst>
-                  <a:gd name="adj1" fmla="val -58410"/>
-                  <a:gd name="adj2" fmla="val 8100685"/>
-                  <a:gd name="adj3" fmla="val 158410"/>
-                </a:avLst>
-              </a:prstGeom>
-              <a:noFill/>
-              <a:ln w="25400" cap="flat" cmpd="sng" algn="ctr">
-                <a:solidFill>
-                  <a:srgbClr val="4F81BD"/>
-                </a:solidFill>
-                <a:prstDash val="dash"/>
-                <a:tailEnd type="arrow"/>
-              </a:ln>
-              <a:effectLst>
-                <a:outerShdw blurRad="40000" dist="20000" dir="5400000" rotWithShape="0">
-                  <a:srgbClr val="000000">
-                    <a:alpha val="38000"/>
-                  </a:srgbClr>
-                </a:outerShdw>
-              </a:effectLst>
-            </p:spPr>
-          </p:cxnSp>
-          <p:sp>
-            <p:nvSpPr>
-              <p:cNvPr id="90" name="Rectangle 89"/>
-              <p:cNvSpPr/>
-              <p:nvPr/>
-            </p:nvSpPr>
-            <p:spPr>
-              <a:xfrm>
-                <a:off x="4411775" y="4901232"/>
-                <a:ext cx="1582627" cy="502810"/>
-              </a:xfrm>
-              <a:prstGeom prst="rect">
-                <a:avLst/>
-              </a:prstGeom>
-              <a:noFill/>
-              <a:ln w="25400" cap="flat" cmpd="sng" algn="ctr">
-                <a:solidFill>
-                  <a:srgbClr val="4F81BD"/>
-                </a:solidFill>
-                <a:prstDash val="solid"/>
-              </a:ln>
-              <a:effectLst/>
-            </p:spPr>
-            <p:txBody>
-              <a:bodyPr rtlCol="0" anchor="ctr"/>
-              <a:lstStyle/>
-              <a:p>
-                <a:pPr marL="0" marR="0" lvl="0" indent="0" algn="ctr" defTabSz="914400" eaLnBrk="1" fontAlgn="auto" latinLnBrk="0" hangingPunct="1">
-                  <a:lnSpc>
-                    <a:spcPct val="100000"/>
-                  </a:lnSpc>
-                  <a:spcBef>
-                    <a:spcPts val="0"/>
-                  </a:spcBef>
-                  <a:spcAft>
-                    <a:spcPts val="0"/>
-                  </a:spcAft>
-                  <a:buClrTx/>
-                  <a:buSzTx/>
-                  <a:buFontTx/>
-                  <a:buNone/>
-                  <a:tabLst/>
-                  <a:defRPr/>
-                </a:pPr>
-                <a:r>
-                  <a:rPr kumimoji="0" lang="en-US" sz="1800" b="0" i="0" u="none" strike="noStrike" kern="0" cap="none" spc="0" normalizeH="0" baseline="0" noProof="0" dirty="0" smtClean="0">
-                    <a:ln>
-                      <a:noFill/>
-                    </a:ln>
-                    <a:solidFill>
-                      <a:sysClr val="windowText" lastClr="000000"/>
-                    </a:solidFill>
-                    <a:effectLst/>
-                    <a:uLnTx/>
-                    <a:uFillTx/>
-                    <a:latin typeface="Calibri"/>
-                    <a:ea typeface="+mn-ea"/>
-                    <a:cs typeface="+mn-cs"/>
-                  </a:rPr>
-                  <a:t>Computation</a:t>
-                </a:r>
-                <a:endParaRPr kumimoji="0" lang="en-US" sz="1800" b="0" i="0" u="none" strike="noStrike" kern="0" cap="none" spc="0" normalizeH="0" baseline="0" noProof="0" dirty="0">
-                  <a:ln>
-                    <a:noFill/>
-                  </a:ln>
-                  <a:solidFill>
-                    <a:sysClr val="windowText" lastClr="000000"/>
-                  </a:solidFill>
-                  <a:effectLst/>
-                  <a:uLnTx/>
-                  <a:uFillTx/>
-                  <a:latin typeface="Calibri"/>
-                  <a:ea typeface="+mn-ea"/>
-                  <a:cs typeface="+mn-cs"/>
-                </a:endParaRPr>
-              </a:p>
-            </p:txBody>
-          </p:sp>
-          <p:sp>
-            <p:nvSpPr>
-              <p:cNvPr id="92" name="Rectangle 91"/>
-              <p:cNvSpPr/>
-              <p:nvPr/>
-            </p:nvSpPr>
-            <p:spPr>
-              <a:xfrm>
-                <a:off x="4043232" y="4428950"/>
-                <a:ext cx="2290374" cy="1489911"/>
-              </a:xfrm>
-              <a:prstGeom prst="rect">
-                <a:avLst/>
-              </a:prstGeom>
-              <a:noFill/>
-              <a:ln w="25400" cap="flat" cmpd="sng" algn="ctr">
-                <a:solidFill>
-                  <a:srgbClr val="4BACC6"/>
-                </a:solidFill>
-                <a:prstDash val="solid"/>
-              </a:ln>
-              <a:effectLst/>
-            </p:spPr>
-            <p:txBody>
-              <a:bodyPr rtlCol="0" anchor="ctr"/>
-              <a:lstStyle/>
-              <a:p>
-                <a:pPr marL="0" marR="0" lvl="0" indent="0" algn="ctr" defTabSz="914400" eaLnBrk="1" fontAlgn="auto" latinLnBrk="0" hangingPunct="1">
-                  <a:lnSpc>
-                    <a:spcPct val="100000"/>
-                  </a:lnSpc>
-                  <a:spcBef>
-                    <a:spcPts val="0"/>
-                  </a:spcBef>
-                  <a:spcAft>
-                    <a:spcPts val="0"/>
-                  </a:spcAft>
-                  <a:buClrTx/>
-                  <a:buSzTx/>
-                  <a:buFontTx/>
-                  <a:buNone/>
-                  <a:tabLst/>
-                  <a:defRPr/>
-                </a:pPr>
-                <a:endParaRPr kumimoji="0" lang="en-US" sz="1800" b="0" i="0" u="none" strike="noStrike" kern="0" cap="none" spc="0" normalizeH="0" baseline="0" noProof="0" dirty="0">
-                  <a:ln>
-                    <a:noFill/>
-                  </a:ln>
-                  <a:solidFill>
-                    <a:sysClr val="windowText" lastClr="000000"/>
-                  </a:solidFill>
-                  <a:effectLst/>
-                  <a:uLnTx/>
-                  <a:uFillTx/>
-                  <a:latin typeface="Calibri"/>
-                  <a:ea typeface="+mn-ea"/>
-                  <a:cs typeface="+mn-cs"/>
-                </a:endParaRPr>
-              </a:p>
-            </p:txBody>
-          </p:sp>
-        </p:grpSp>
-        <p:sp>
-          <p:nvSpPr>
-            <p:cNvPr id="66" name="TextBox 65"/>
-            <p:cNvSpPr txBox="1"/>
-            <p:nvPr/>
-          </p:nvSpPr>
-          <p:spPr>
-            <a:xfrm>
-              <a:off x="4454769" y="4415696"/>
-              <a:ext cx="646443" cy="369332"/>
-            </a:xfrm>
-            <a:prstGeom prst="rect">
-              <a:avLst/>
-            </a:prstGeom>
-            <a:noFill/>
-          </p:spPr>
-          <p:txBody>
-            <a:bodyPr wrap="none" rtlCol="0">
-              <a:spAutoFit/>
-            </a:bodyPr>
-            <a:lstStyle/>
-            <a:p>
-              <a:pPr marL="0" marR="0" lvl="0" indent="0" defTabSz="914400" eaLnBrk="1" fontAlgn="auto" latinLnBrk="0" hangingPunct="1">
-                <a:lnSpc>
-                  <a:spcPct val="100000"/>
-                </a:lnSpc>
-                <a:spcBef>
-                  <a:spcPts val="0"/>
-                </a:spcBef>
-                <a:spcAft>
-                  <a:spcPts val="0"/>
-                </a:spcAft>
-                <a:buClrTx/>
-                <a:buSzTx/>
-                <a:buFontTx/>
-                <a:buNone/>
-                <a:tabLst/>
-                <a:defRPr/>
-              </a:pPr>
-              <a:r>
-                <a:rPr kumimoji="0" lang="en-US" sz="1800" b="0" i="0" u="none" strike="noStrike" kern="0" cap="none" spc="0" normalizeH="0" baseline="0" noProof="0" dirty="0" smtClean="0">
-                  <a:ln>
-                    <a:noFill/>
-                  </a:ln>
-                  <a:solidFill>
-                    <a:sysClr val="windowText" lastClr="000000"/>
-                  </a:solidFill>
-                  <a:effectLst/>
-                  <a:uLnTx/>
-                  <a:uFillTx/>
-                </a:rPr>
-                <a:t>Loop</a:t>
-              </a:r>
-              <a:endParaRPr kumimoji="0" lang="en-US" sz="1800" b="0" i="0" u="none" strike="noStrike" kern="0" cap="none" spc="0" normalizeH="0" baseline="0" noProof="0" dirty="0">
-                <a:ln>
-                  <a:noFill/>
-                </a:ln>
-                <a:solidFill>
-                  <a:sysClr val="windowText" lastClr="000000"/>
-                </a:solidFill>
-                <a:effectLst/>
-                <a:uLnTx/>
-                <a:uFillTx/>
-              </a:endParaRPr>
-            </a:p>
-          </p:txBody>
-        </p:sp>
-        <p:sp>
-          <p:nvSpPr>
-            <p:cNvPr id="67" name="TextBox 66"/>
-            <p:cNvSpPr txBox="1"/>
-            <p:nvPr/>
-          </p:nvSpPr>
-          <p:spPr>
-            <a:xfrm>
-              <a:off x="4506261" y="1108966"/>
-              <a:ext cx="646443" cy="369331"/>
-            </a:xfrm>
-            <a:prstGeom prst="rect">
-              <a:avLst/>
-            </a:prstGeom>
-            <a:noFill/>
-          </p:spPr>
-          <p:txBody>
-            <a:bodyPr wrap="none" rtlCol="0">
-              <a:spAutoFit/>
-            </a:bodyPr>
-            <a:lstStyle/>
-            <a:p>
-              <a:pPr marL="0" marR="0" lvl="0" indent="0" defTabSz="914400" eaLnBrk="1" fontAlgn="auto" latinLnBrk="0" hangingPunct="1">
-                <a:lnSpc>
-                  <a:spcPct val="100000"/>
-                </a:lnSpc>
-                <a:spcBef>
-                  <a:spcPts val="0"/>
-                </a:spcBef>
-                <a:spcAft>
-                  <a:spcPts val="0"/>
-                </a:spcAft>
-                <a:buClrTx/>
-                <a:buSzTx/>
-                <a:buFontTx/>
-                <a:buNone/>
-                <a:tabLst/>
-                <a:defRPr/>
-              </a:pPr>
-              <a:r>
-                <a:rPr kumimoji="0" lang="en-US" sz="1800" b="0" i="0" u="none" strike="noStrike" kern="0" cap="none" spc="0" normalizeH="0" baseline="0" noProof="0" dirty="0" smtClean="0">
-                  <a:ln>
-                    <a:noFill/>
-                  </a:ln>
-                  <a:solidFill>
-                    <a:sysClr val="windowText" lastClr="000000"/>
-                  </a:solidFill>
-                  <a:effectLst/>
-                  <a:uLnTx/>
-                  <a:uFillTx/>
-                </a:rPr>
-                <a:t>Loop</a:t>
-              </a:r>
-              <a:endParaRPr kumimoji="0" lang="en-US" sz="1800" b="0" i="0" u="none" strike="noStrike" kern="0" cap="none" spc="0" normalizeH="0" baseline="0" noProof="0" dirty="0">
-                <a:ln>
-                  <a:noFill/>
-                </a:ln>
-                <a:solidFill>
-                  <a:sysClr val="windowText" lastClr="000000"/>
-                </a:solidFill>
-                <a:effectLst/>
-                <a:uLnTx/>
-                <a:uFillTx/>
-              </a:endParaRPr>
-            </a:p>
-          </p:txBody>
-        </p:sp>
-      </p:grpSp>
-    </p:spTree>
-    <p:extLst>
-      <p:ext uri="{BB962C8B-B14F-4D97-AF65-F5344CB8AC3E}">
-        <p14:creationId xmlns:p14="http://schemas.microsoft.com/office/powerpoint/2010/main" val="1549024392"/>
-      </p:ext>
-    </p:extLst>
-  </p:cSld>
-  <p:clrMapOvr>
-    <a:masterClrMapping/>
-  </p:clrMapOvr>
-  <p:timing>
-    <p:tnLst>
-      <p:par>
-        <p:cTn xmlns:p14="http://schemas.microsoft.com/office/powerpoint/2010/main" id="1" dur="indefinite" restart="never" nodeType="tmRoot"/>
-      </p:par>
-    </p:tnLst>
-  </p:timing>
-</p:sld>
-</file>
-
 <file path=ppt/theme/theme1.xml><?xml version="1.0" encoding="utf-8"?>
 <a:theme xmlns:a="http://schemas.openxmlformats.org/drawingml/2006/main" name="Advantage">
   <a:themeElements>
